--- a/robprak1516-presentation-highlevel.pptx
+++ b/robprak1516-presentation-highlevel.pptx
@@ -14,21 +14,6 @@
     <p:sldId id="261" r:id="rId9"/>
     <p:sldId id="262" r:id="rId10"/>
     <p:sldId id="263" r:id="rId11"/>
-    <p:sldId id="264" r:id="rId12"/>
-    <p:sldId id="265" r:id="rId13"/>
-    <p:sldId id="266" r:id="rId14"/>
-    <p:sldId id="267" r:id="rId15"/>
-    <p:sldId id="268" r:id="rId16"/>
-    <p:sldId id="269" r:id="rId17"/>
-    <p:sldId id="270" r:id="rId18"/>
-    <p:sldId id="271" r:id="rId19"/>
-    <p:sldId id="272" r:id="rId20"/>
-    <p:sldId id="273" r:id="rId21"/>
-    <p:sldId id="274" r:id="rId22"/>
-    <p:sldId id="275" r:id="rId23"/>
-    <p:sldId id="276" r:id="rId24"/>
-    <p:sldId id="277" r:id="rId25"/>
-    <p:sldId id="278" r:id="rId26"/>
   </p:sldIdLst>
   <p:sldSz cx="12192000" cy="6858000"/>
   <p:notesSz cx="7559675" cy="10691812"/>
@@ -76,7 +61,7 @@
       </p:grpSpPr>
       <p:sp>
         <p:nvSpPr>
-          <p:cNvPr id="31" name="PlaceHolder 1"/>
+          <p:cNvPr id="30" name="PlaceHolder 1"/>
           <p:cNvSpPr>
             <a:spLocks noGrp="1"/>
           </p:cNvSpPr>
@@ -87,7 +72,7 @@
         <p:spPr>
           <a:xfrm>
             <a:off x="0" y="0"/>
-            <a:ext cx="10028520" cy="759600"/>
+            <a:ext cx="10028160" cy="759600"/>
           </a:xfrm>
           <a:prstGeom prst="rect">
             <a:avLst/>
@@ -96,13 +81,14 @@
         <p:txBody>
           <a:bodyPr lIns="0" rIns="0" tIns="0" bIns="0" anchor="ctr"/>
           <a:p>
-            <a:endParaRPr/>
-          </a:p>
-        </p:txBody>
-      </p:sp>
-      <p:sp>
-        <p:nvSpPr>
-          <p:cNvPr id="32" name="PlaceHolder 2"/>
+            <a:pPr algn="ctr"/>
+            <a:endParaRPr/>
+          </a:p>
+        </p:txBody>
+      </p:sp>
+      <p:sp>
+        <p:nvSpPr>
+          <p:cNvPr id="31" name="PlaceHolder 2"/>
           <p:cNvSpPr>
             <a:spLocks noGrp="1"/>
           </p:cNvSpPr>
@@ -113,7 +99,7 @@
         <p:spPr>
           <a:xfrm>
             <a:off x="360000" y="1080000"/>
-            <a:ext cx="11418840" cy="2755800"/>
+            <a:ext cx="11418480" cy="2755440"/>
           </a:xfrm>
           <a:prstGeom prst="rect">
             <a:avLst/>
@@ -128,7 +114,7 @@
       </p:sp>
       <p:sp>
         <p:nvSpPr>
-          <p:cNvPr id="33" name="PlaceHolder 3"/>
+          <p:cNvPr id="32" name="PlaceHolder 3"/>
           <p:cNvSpPr>
             <a:spLocks noGrp="1"/>
           </p:cNvSpPr>
@@ -138,8 +124,8 @@
         </p:nvSpPr>
         <p:spPr>
           <a:xfrm>
-            <a:off x="360000" y="4097880"/>
-            <a:ext cx="11418840" cy="2755800"/>
+            <a:off x="360000" y="4097520"/>
+            <a:ext cx="11418480" cy="2755440"/>
           </a:xfrm>
           <a:prstGeom prst="rect">
             <a:avLst/>
@@ -176,7 +162,7 @@
       </p:grpSpPr>
       <p:sp>
         <p:nvSpPr>
-          <p:cNvPr id="34" name="PlaceHolder 1"/>
+          <p:cNvPr id="33" name="PlaceHolder 1"/>
           <p:cNvSpPr>
             <a:spLocks noGrp="1"/>
           </p:cNvSpPr>
@@ -187,7 +173,7 @@
         <p:spPr>
           <a:xfrm>
             <a:off x="0" y="0"/>
-            <a:ext cx="10028520" cy="759600"/>
+            <a:ext cx="10028160" cy="759600"/>
           </a:xfrm>
           <a:prstGeom prst="rect">
             <a:avLst/>
@@ -196,13 +182,14 @@
         <p:txBody>
           <a:bodyPr lIns="0" rIns="0" tIns="0" bIns="0" anchor="ctr"/>
           <a:p>
-            <a:endParaRPr/>
-          </a:p>
-        </p:txBody>
-      </p:sp>
-      <p:sp>
-        <p:nvSpPr>
-          <p:cNvPr id="35" name="PlaceHolder 2"/>
+            <a:pPr algn="ctr"/>
+            <a:endParaRPr/>
+          </a:p>
+        </p:txBody>
+      </p:sp>
+      <p:sp>
+        <p:nvSpPr>
+          <p:cNvPr id="34" name="PlaceHolder 2"/>
           <p:cNvSpPr>
             <a:spLocks noGrp="1"/>
           </p:cNvSpPr>
@@ -213,7 +200,7 @@
         <p:spPr>
           <a:xfrm>
             <a:off x="360000" y="1080000"/>
-            <a:ext cx="5572080" cy="2755800"/>
+            <a:ext cx="5572080" cy="2755440"/>
           </a:xfrm>
           <a:prstGeom prst="rect">
             <a:avLst/>
@@ -228,7 +215,7 @@
       </p:sp>
       <p:sp>
         <p:nvSpPr>
-          <p:cNvPr id="36" name="PlaceHolder 3"/>
+          <p:cNvPr id="35" name="PlaceHolder 3"/>
           <p:cNvSpPr>
             <a:spLocks noGrp="1"/>
           </p:cNvSpPr>
@@ -239,7 +226,7 @@
         <p:spPr>
           <a:xfrm>
             <a:off x="6211080" y="1080000"/>
-            <a:ext cx="5572080" cy="2755800"/>
+            <a:ext cx="5572080" cy="2755440"/>
           </a:xfrm>
           <a:prstGeom prst="rect">
             <a:avLst/>
@@ -254,7 +241,7 @@
       </p:sp>
       <p:sp>
         <p:nvSpPr>
-          <p:cNvPr id="37" name="PlaceHolder 4"/>
+          <p:cNvPr id="36" name="PlaceHolder 4"/>
           <p:cNvSpPr>
             <a:spLocks noGrp="1"/>
           </p:cNvSpPr>
@@ -264,8 +251,8 @@
         </p:nvSpPr>
         <p:spPr>
           <a:xfrm>
-            <a:off x="6211080" y="4097880"/>
-            <a:ext cx="5572080" cy="2755800"/>
+            <a:off x="6211080" y="4097520"/>
+            <a:ext cx="5572080" cy="2755440"/>
           </a:xfrm>
           <a:prstGeom prst="rect">
             <a:avLst/>
@@ -280,7 +267,7 @@
       </p:sp>
       <p:sp>
         <p:nvSpPr>
-          <p:cNvPr id="38" name="PlaceHolder 5"/>
+          <p:cNvPr id="37" name="PlaceHolder 5"/>
           <p:cNvSpPr>
             <a:spLocks noGrp="1"/>
           </p:cNvSpPr>
@@ -290,8 +277,8 @@
         </p:nvSpPr>
         <p:spPr>
           <a:xfrm>
-            <a:off x="360000" y="4097880"/>
-            <a:ext cx="5572080" cy="2755800"/>
+            <a:off x="360000" y="4097520"/>
+            <a:ext cx="5572080" cy="2755440"/>
           </a:xfrm>
           <a:prstGeom prst="rect">
             <a:avLst/>
@@ -328,7 +315,7 @@
       </p:grpSpPr>
       <p:sp>
         <p:nvSpPr>
-          <p:cNvPr id="39" name="PlaceHolder 1"/>
+          <p:cNvPr id="38" name="PlaceHolder 1"/>
           <p:cNvSpPr>
             <a:spLocks noGrp="1"/>
           </p:cNvSpPr>
@@ -339,7 +326,7 @@
         <p:spPr>
           <a:xfrm>
             <a:off x="0" y="0"/>
-            <a:ext cx="10028520" cy="759600"/>
+            <a:ext cx="10028160" cy="759600"/>
           </a:xfrm>
           <a:prstGeom prst="rect">
             <a:avLst/>
@@ -348,13 +335,14 @@
         <p:txBody>
           <a:bodyPr lIns="0" rIns="0" tIns="0" bIns="0" anchor="ctr"/>
           <a:p>
-            <a:endParaRPr/>
-          </a:p>
-        </p:txBody>
-      </p:sp>
-      <p:sp>
-        <p:nvSpPr>
-          <p:cNvPr id="40" name="PlaceHolder 2"/>
+            <a:pPr algn="ctr"/>
+            <a:endParaRPr/>
+          </a:p>
+        </p:txBody>
+      </p:sp>
+      <p:sp>
+        <p:nvSpPr>
+          <p:cNvPr id="39" name="PlaceHolder 2"/>
           <p:cNvSpPr>
             <a:spLocks noGrp="1"/>
           </p:cNvSpPr>
@@ -365,7 +353,7 @@
         <p:spPr>
           <a:xfrm>
             <a:off x="360000" y="1080000"/>
-            <a:ext cx="11418840" cy="5777640"/>
+            <a:ext cx="11418480" cy="5777280"/>
           </a:xfrm>
           <a:prstGeom prst="rect">
             <a:avLst/>
@@ -380,7 +368,7 @@
       </p:sp>
       <p:sp>
         <p:nvSpPr>
-          <p:cNvPr id="41" name="PlaceHolder 3"/>
+          <p:cNvPr id="40" name="PlaceHolder 3"/>
           <p:cNvSpPr>
             <a:spLocks noGrp="1"/>
           </p:cNvSpPr>
@@ -391,7 +379,7 @@
         <p:spPr>
           <a:xfrm>
             <a:off x="360000" y="1080000"/>
-            <a:ext cx="11418840" cy="5777640"/>
+            <a:ext cx="11418480" cy="5777280"/>
           </a:xfrm>
           <a:prstGeom prst="rect">
             <a:avLst/>
@@ -406,7 +394,7 @@
       </p:sp>
       <p:pic>
         <p:nvPicPr>
-          <p:cNvPr id="42" name="" descr=""/>
+          <p:cNvPr id="41" name="" descr=""/>
           <p:cNvPicPr/>
           <p:nvPr/>
         </p:nvPicPr>
@@ -418,8 +406,8 @@
         </p:blipFill>
         <p:spPr>
           <a:xfrm>
-            <a:off x="2448720" y="1079640"/>
-            <a:ext cx="7241040" cy="5777640"/>
+            <a:off x="2448720" y="1080000"/>
+            <a:ext cx="7240680" cy="5777280"/>
           </a:xfrm>
           <a:prstGeom prst="rect">
             <a:avLst/>
@@ -431,7 +419,7 @@
       </p:pic>
       <p:pic>
         <p:nvPicPr>
-          <p:cNvPr id="43" name="" descr=""/>
+          <p:cNvPr id="42" name="" descr=""/>
           <p:cNvPicPr/>
           <p:nvPr/>
         </p:nvPicPr>
@@ -443,8 +431,8 @@
         </p:blipFill>
         <p:spPr>
           <a:xfrm>
-            <a:off x="2448720" y="1079640"/>
-            <a:ext cx="7241040" cy="5777640"/>
+            <a:off x="2448720" y="1080000"/>
+            <a:ext cx="7240680" cy="5777280"/>
           </a:xfrm>
           <a:prstGeom prst="rect">
             <a:avLst/>
@@ -500,7 +488,7 @@
       </p:grpSpPr>
       <p:sp>
         <p:nvSpPr>
-          <p:cNvPr id="61" name="PlaceHolder 1"/>
+          <p:cNvPr id="59" name="PlaceHolder 1"/>
           <p:cNvSpPr>
             <a:spLocks noGrp="1"/>
           </p:cNvSpPr>
@@ -511,7 +499,7 @@
         <p:spPr>
           <a:xfrm>
             <a:off x="0" y="0"/>
-            <a:ext cx="10028520" cy="759600"/>
+            <a:ext cx="10028160" cy="759600"/>
           </a:xfrm>
           <a:prstGeom prst="rect">
             <a:avLst/>
@@ -520,13 +508,14 @@
         <p:txBody>
           <a:bodyPr lIns="0" rIns="0" tIns="0" bIns="0" anchor="ctr"/>
           <a:p>
-            <a:endParaRPr/>
-          </a:p>
-        </p:txBody>
-      </p:sp>
-      <p:sp>
-        <p:nvSpPr>
-          <p:cNvPr id="62" name="PlaceHolder 2"/>
+            <a:pPr algn="ctr"/>
+            <a:endParaRPr/>
+          </a:p>
+        </p:txBody>
+      </p:sp>
+      <p:sp>
+        <p:nvSpPr>
+          <p:cNvPr id="60" name="PlaceHolder 2"/>
           <p:cNvSpPr>
             <a:spLocks noGrp="1"/>
           </p:cNvSpPr>
@@ -537,7 +526,7 @@
         <p:spPr>
           <a:xfrm>
             <a:off x="360000" y="1080000"/>
-            <a:ext cx="11418840" cy="5778000"/>
+            <a:ext cx="11418480" cy="5777640"/>
           </a:xfrm>
           <a:prstGeom prst="rect">
             <a:avLst/>
@@ -575,7 +564,7 @@
       </p:grpSpPr>
       <p:sp>
         <p:nvSpPr>
-          <p:cNvPr id="63" name="PlaceHolder 1"/>
+          <p:cNvPr id="61" name="PlaceHolder 1"/>
           <p:cNvSpPr>
             <a:spLocks noGrp="1"/>
           </p:cNvSpPr>
@@ -586,7 +575,7 @@
         <p:spPr>
           <a:xfrm>
             <a:off x="0" y="0"/>
-            <a:ext cx="10028520" cy="759600"/>
+            <a:ext cx="10028160" cy="759600"/>
           </a:xfrm>
           <a:prstGeom prst="rect">
             <a:avLst/>
@@ -595,13 +584,14 @@
         <p:txBody>
           <a:bodyPr lIns="0" rIns="0" tIns="0" bIns="0" anchor="ctr"/>
           <a:p>
-            <a:endParaRPr/>
-          </a:p>
-        </p:txBody>
-      </p:sp>
-      <p:sp>
-        <p:nvSpPr>
-          <p:cNvPr id="64" name="PlaceHolder 2"/>
+            <a:pPr algn="ctr"/>
+            <a:endParaRPr/>
+          </a:p>
+        </p:txBody>
+      </p:sp>
+      <p:sp>
+        <p:nvSpPr>
+          <p:cNvPr id="62" name="PlaceHolder 2"/>
           <p:cNvSpPr>
             <a:spLocks noGrp="1"/>
           </p:cNvSpPr>
@@ -612,7 +602,7 @@
         <p:spPr>
           <a:xfrm>
             <a:off x="360000" y="1080000"/>
-            <a:ext cx="11418840" cy="5777640"/>
+            <a:ext cx="11418480" cy="5777280"/>
           </a:xfrm>
           <a:prstGeom prst="rect">
             <a:avLst/>
@@ -649,7 +639,7 @@
       </p:grpSpPr>
       <p:sp>
         <p:nvSpPr>
-          <p:cNvPr id="65" name="PlaceHolder 1"/>
+          <p:cNvPr id="63" name="PlaceHolder 1"/>
           <p:cNvSpPr>
             <a:spLocks noGrp="1"/>
           </p:cNvSpPr>
@@ -660,7 +650,7 @@
         <p:spPr>
           <a:xfrm>
             <a:off x="0" y="0"/>
-            <a:ext cx="10028520" cy="759600"/>
+            <a:ext cx="10028160" cy="759600"/>
           </a:xfrm>
           <a:prstGeom prst="rect">
             <a:avLst/>
@@ -669,13 +659,14 @@
         <p:txBody>
           <a:bodyPr lIns="0" rIns="0" tIns="0" bIns="0" anchor="ctr"/>
           <a:p>
-            <a:endParaRPr/>
-          </a:p>
-        </p:txBody>
-      </p:sp>
-      <p:sp>
-        <p:nvSpPr>
-          <p:cNvPr id="66" name="PlaceHolder 2"/>
+            <a:pPr algn="ctr"/>
+            <a:endParaRPr/>
+          </a:p>
+        </p:txBody>
+      </p:sp>
+      <p:sp>
+        <p:nvSpPr>
+          <p:cNvPr id="64" name="PlaceHolder 2"/>
           <p:cNvSpPr>
             <a:spLocks noGrp="1"/>
           </p:cNvSpPr>
@@ -686,7 +677,7 @@
         <p:spPr>
           <a:xfrm>
             <a:off x="360000" y="1080000"/>
-            <a:ext cx="5572080" cy="5777640"/>
+            <a:ext cx="5572080" cy="5777280"/>
           </a:xfrm>
           <a:prstGeom prst="rect">
             <a:avLst/>
@@ -701,7 +692,7 @@
       </p:sp>
       <p:sp>
         <p:nvSpPr>
-          <p:cNvPr id="67" name="PlaceHolder 3"/>
+          <p:cNvPr id="65" name="PlaceHolder 3"/>
           <p:cNvSpPr>
             <a:spLocks noGrp="1"/>
           </p:cNvSpPr>
@@ -712,7 +703,7 @@
         <p:spPr>
           <a:xfrm>
             <a:off x="6211080" y="1080000"/>
-            <a:ext cx="5572080" cy="5777640"/>
+            <a:ext cx="5572080" cy="5777280"/>
           </a:xfrm>
           <a:prstGeom prst="rect">
             <a:avLst/>
@@ -749,7 +740,7 @@
       </p:grpSpPr>
       <p:sp>
         <p:nvSpPr>
-          <p:cNvPr id="68" name="PlaceHolder 1"/>
+          <p:cNvPr id="66" name="PlaceHolder 1"/>
           <p:cNvSpPr>
             <a:spLocks noGrp="1"/>
           </p:cNvSpPr>
@@ -760,7 +751,7 @@
         <p:spPr>
           <a:xfrm>
             <a:off x="0" y="0"/>
-            <a:ext cx="10028520" cy="759600"/>
+            <a:ext cx="10028160" cy="759600"/>
           </a:xfrm>
           <a:prstGeom prst="rect">
             <a:avLst/>
@@ -769,6 +760,7 @@
         <p:txBody>
           <a:bodyPr lIns="0" rIns="0" tIns="0" bIns="0" anchor="ctr"/>
           <a:p>
+            <a:pPr algn="ctr"/>
             <a:endParaRPr/>
           </a:p>
         </p:txBody>
@@ -797,7 +789,7 @@
       </p:grpSpPr>
       <p:sp>
         <p:nvSpPr>
-          <p:cNvPr id="69" name="PlaceHolder 1"/>
+          <p:cNvPr id="67" name="PlaceHolder 1"/>
           <p:cNvSpPr>
             <a:spLocks noGrp="1"/>
           </p:cNvSpPr>
@@ -808,7 +800,7 @@
         <p:spPr>
           <a:xfrm>
             <a:off x="0" y="0"/>
-            <a:ext cx="10028520" cy="3521160"/>
+            <a:ext cx="10028160" cy="3521160"/>
           </a:xfrm>
           <a:prstGeom prst="rect">
             <a:avLst/>
@@ -846,7 +838,7 @@
       </p:grpSpPr>
       <p:sp>
         <p:nvSpPr>
-          <p:cNvPr id="70" name="PlaceHolder 1"/>
+          <p:cNvPr id="68" name="PlaceHolder 1"/>
           <p:cNvSpPr>
             <a:spLocks noGrp="1"/>
           </p:cNvSpPr>
@@ -857,7 +849,7 @@
         <p:spPr>
           <a:xfrm>
             <a:off x="0" y="0"/>
-            <a:ext cx="10028520" cy="759600"/>
+            <a:ext cx="10028160" cy="759600"/>
           </a:xfrm>
           <a:prstGeom prst="rect">
             <a:avLst/>
@@ -866,13 +858,14 @@
         <p:txBody>
           <a:bodyPr lIns="0" rIns="0" tIns="0" bIns="0" anchor="ctr"/>
           <a:p>
-            <a:endParaRPr/>
-          </a:p>
-        </p:txBody>
-      </p:sp>
-      <p:sp>
-        <p:nvSpPr>
-          <p:cNvPr id="71" name="PlaceHolder 2"/>
+            <a:pPr algn="ctr"/>
+            <a:endParaRPr/>
+          </a:p>
+        </p:txBody>
+      </p:sp>
+      <p:sp>
+        <p:nvSpPr>
+          <p:cNvPr id="69" name="PlaceHolder 2"/>
           <p:cNvSpPr>
             <a:spLocks noGrp="1"/>
           </p:cNvSpPr>
@@ -883,7 +876,7 @@
         <p:spPr>
           <a:xfrm>
             <a:off x="360000" y="1080000"/>
-            <a:ext cx="5572080" cy="2755800"/>
+            <a:ext cx="5572080" cy="2755440"/>
           </a:xfrm>
           <a:prstGeom prst="rect">
             <a:avLst/>
@@ -898,7 +891,7 @@
       </p:sp>
       <p:sp>
         <p:nvSpPr>
-          <p:cNvPr id="72" name="PlaceHolder 3"/>
+          <p:cNvPr id="70" name="PlaceHolder 3"/>
           <p:cNvSpPr>
             <a:spLocks noGrp="1"/>
           </p:cNvSpPr>
@@ -908,8 +901,8 @@
         </p:nvSpPr>
         <p:spPr>
           <a:xfrm>
-            <a:off x="360000" y="4097880"/>
-            <a:ext cx="5572080" cy="2755800"/>
+            <a:off x="360000" y="4097520"/>
+            <a:ext cx="5572080" cy="2755440"/>
           </a:xfrm>
           <a:prstGeom prst="rect">
             <a:avLst/>
@@ -924,7 +917,7 @@
       </p:sp>
       <p:sp>
         <p:nvSpPr>
-          <p:cNvPr id="73" name="PlaceHolder 4"/>
+          <p:cNvPr id="71" name="PlaceHolder 4"/>
           <p:cNvSpPr>
             <a:spLocks noGrp="1"/>
           </p:cNvSpPr>
@@ -935,7 +928,7 @@
         <p:spPr>
           <a:xfrm>
             <a:off x="6211080" y="1080000"/>
-            <a:ext cx="5572080" cy="5777640"/>
+            <a:ext cx="5572080" cy="5777280"/>
           </a:xfrm>
           <a:prstGeom prst="rect">
             <a:avLst/>
@@ -972,7 +965,7 @@
       </p:grpSpPr>
       <p:sp>
         <p:nvSpPr>
-          <p:cNvPr id="10" name="PlaceHolder 1"/>
+          <p:cNvPr id="9" name="PlaceHolder 1"/>
           <p:cNvSpPr>
             <a:spLocks noGrp="1"/>
           </p:cNvSpPr>
@@ -983,7 +976,7 @@
         <p:spPr>
           <a:xfrm>
             <a:off x="0" y="0"/>
-            <a:ext cx="10028520" cy="759600"/>
+            <a:ext cx="10028160" cy="759600"/>
           </a:xfrm>
           <a:prstGeom prst="rect">
             <a:avLst/>
@@ -992,13 +985,14 @@
         <p:txBody>
           <a:bodyPr lIns="0" rIns="0" tIns="0" bIns="0" anchor="ctr"/>
           <a:p>
-            <a:endParaRPr/>
-          </a:p>
-        </p:txBody>
-      </p:sp>
-      <p:sp>
-        <p:nvSpPr>
-          <p:cNvPr id="11" name="PlaceHolder 2"/>
+            <a:pPr algn="ctr"/>
+            <a:endParaRPr/>
+          </a:p>
+        </p:txBody>
+      </p:sp>
+      <p:sp>
+        <p:nvSpPr>
+          <p:cNvPr id="10" name="PlaceHolder 2"/>
           <p:cNvSpPr>
             <a:spLocks noGrp="1"/>
           </p:cNvSpPr>
@@ -1009,7 +1003,7 @@
         <p:spPr>
           <a:xfrm>
             <a:off x="360000" y="1080000"/>
-            <a:ext cx="11418840" cy="5778000"/>
+            <a:ext cx="11418480" cy="5777640"/>
           </a:xfrm>
           <a:prstGeom prst="rect">
             <a:avLst/>
@@ -1047,7 +1041,7 @@
       </p:grpSpPr>
       <p:sp>
         <p:nvSpPr>
-          <p:cNvPr id="74" name="PlaceHolder 1"/>
+          <p:cNvPr id="72" name="PlaceHolder 1"/>
           <p:cNvSpPr>
             <a:spLocks noGrp="1"/>
           </p:cNvSpPr>
@@ -1058,7 +1052,7 @@
         <p:spPr>
           <a:xfrm>
             <a:off x="0" y="0"/>
-            <a:ext cx="10028520" cy="759600"/>
+            <a:ext cx="10028160" cy="759600"/>
           </a:xfrm>
           <a:prstGeom prst="rect">
             <a:avLst/>
@@ -1067,13 +1061,14 @@
         <p:txBody>
           <a:bodyPr lIns="0" rIns="0" tIns="0" bIns="0" anchor="ctr"/>
           <a:p>
-            <a:endParaRPr/>
-          </a:p>
-        </p:txBody>
-      </p:sp>
-      <p:sp>
-        <p:nvSpPr>
-          <p:cNvPr id="75" name="PlaceHolder 2"/>
+            <a:pPr algn="ctr"/>
+            <a:endParaRPr/>
+          </a:p>
+        </p:txBody>
+      </p:sp>
+      <p:sp>
+        <p:nvSpPr>
+          <p:cNvPr id="73" name="PlaceHolder 2"/>
           <p:cNvSpPr>
             <a:spLocks noGrp="1"/>
           </p:cNvSpPr>
@@ -1084,7 +1079,7 @@
         <p:spPr>
           <a:xfrm>
             <a:off x="360000" y="1080000"/>
-            <a:ext cx="5572080" cy="5777640"/>
+            <a:ext cx="5572080" cy="5777280"/>
           </a:xfrm>
           <a:prstGeom prst="rect">
             <a:avLst/>
@@ -1099,7 +1094,7 @@
       </p:sp>
       <p:sp>
         <p:nvSpPr>
-          <p:cNvPr id="76" name="PlaceHolder 3"/>
+          <p:cNvPr id="74" name="PlaceHolder 3"/>
           <p:cNvSpPr>
             <a:spLocks noGrp="1"/>
           </p:cNvSpPr>
@@ -1110,7 +1105,7 @@
         <p:spPr>
           <a:xfrm>
             <a:off x="6211080" y="1080000"/>
-            <a:ext cx="5572080" cy="2755800"/>
+            <a:ext cx="5572080" cy="2755440"/>
           </a:xfrm>
           <a:prstGeom prst="rect">
             <a:avLst/>
@@ -1125,7 +1120,7 @@
       </p:sp>
       <p:sp>
         <p:nvSpPr>
-          <p:cNvPr id="77" name="PlaceHolder 4"/>
+          <p:cNvPr id="75" name="PlaceHolder 4"/>
           <p:cNvSpPr>
             <a:spLocks noGrp="1"/>
           </p:cNvSpPr>
@@ -1135,8 +1130,8 @@
         </p:nvSpPr>
         <p:spPr>
           <a:xfrm>
-            <a:off x="6211080" y="4097880"/>
-            <a:ext cx="5572080" cy="2755800"/>
+            <a:off x="6211080" y="4097520"/>
+            <a:ext cx="5572080" cy="2755440"/>
           </a:xfrm>
           <a:prstGeom prst="rect">
             <a:avLst/>
@@ -1173,7 +1168,7 @@
       </p:grpSpPr>
       <p:sp>
         <p:nvSpPr>
-          <p:cNvPr id="78" name="PlaceHolder 1"/>
+          <p:cNvPr id="76" name="PlaceHolder 1"/>
           <p:cNvSpPr>
             <a:spLocks noGrp="1"/>
           </p:cNvSpPr>
@@ -1184,7 +1179,7 @@
         <p:spPr>
           <a:xfrm>
             <a:off x="0" y="0"/>
-            <a:ext cx="10028520" cy="759600"/>
+            <a:ext cx="10028160" cy="759600"/>
           </a:xfrm>
           <a:prstGeom prst="rect">
             <a:avLst/>
@@ -1193,13 +1188,14 @@
         <p:txBody>
           <a:bodyPr lIns="0" rIns="0" tIns="0" bIns="0" anchor="ctr"/>
           <a:p>
-            <a:endParaRPr/>
-          </a:p>
-        </p:txBody>
-      </p:sp>
-      <p:sp>
-        <p:nvSpPr>
-          <p:cNvPr id="79" name="PlaceHolder 2"/>
+            <a:pPr algn="ctr"/>
+            <a:endParaRPr/>
+          </a:p>
+        </p:txBody>
+      </p:sp>
+      <p:sp>
+        <p:nvSpPr>
+          <p:cNvPr id="77" name="PlaceHolder 2"/>
           <p:cNvSpPr>
             <a:spLocks noGrp="1"/>
           </p:cNvSpPr>
@@ -1210,7 +1206,7 @@
         <p:spPr>
           <a:xfrm>
             <a:off x="360000" y="1080000"/>
-            <a:ext cx="5572080" cy="2755800"/>
+            <a:ext cx="5572080" cy="2755440"/>
           </a:xfrm>
           <a:prstGeom prst="rect">
             <a:avLst/>
@@ -1225,7 +1221,7 @@
       </p:sp>
       <p:sp>
         <p:nvSpPr>
-          <p:cNvPr id="80" name="PlaceHolder 3"/>
+          <p:cNvPr id="78" name="PlaceHolder 3"/>
           <p:cNvSpPr>
             <a:spLocks noGrp="1"/>
           </p:cNvSpPr>
@@ -1236,7 +1232,7 @@
         <p:spPr>
           <a:xfrm>
             <a:off x="6211080" y="1080000"/>
-            <a:ext cx="5572080" cy="2755800"/>
+            <a:ext cx="5572080" cy="2755440"/>
           </a:xfrm>
           <a:prstGeom prst="rect">
             <a:avLst/>
@@ -1251,7 +1247,7 @@
       </p:sp>
       <p:sp>
         <p:nvSpPr>
-          <p:cNvPr id="81" name="PlaceHolder 4"/>
+          <p:cNvPr id="79" name="PlaceHolder 4"/>
           <p:cNvSpPr>
             <a:spLocks noGrp="1"/>
           </p:cNvSpPr>
@@ -1261,8 +1257,8 @@
         </p:nvSpPr>
         <p:spPr>
           <a:xfrm>
-            <a:off x="360000" y="4097880"/>
-            <a:ext cx="11418840" cy="2755800"/>
+            <a:off x="360000" y="4097520"/>
+            <a:ext cx="11418480" cy="2755440"/>
           </a:xfrm>
           <a:prstGeom prst="rect">
             <a:avLst/>
@@ -1299,7 +1295,7 @@
       </p:grpSpPr>
       <p:sp>
         <p:nvSpPr>
-          <p:cNvPr id="82" name="PlaceHolder 1"/>
+          <p:cNvPr id="80" name="PlaceHolder 1"/>
           <p:cNvSpPr>
             <a:spLocks noGrp="1"/>
           </p:cNvSpPr>
@@ -1310,7 +1306,7 @@
         <p:spPr>
           <a:xfrm>
             <a:off x="0" y="0"/>
-            <a:ext cx="10028520" cy="759600"/>
+            <a:ext cx="10028160" cy="759600"/>
           </a:xfrm>
           <a:prstGeom prst="rect">
             <a:avLst/>
@@ -1319,13 +1315,14 @@
         <p:txBody>
           <a:bodyPr lIns="0" rIns="0" tIns="0" bIns="0" anchor="ctr"/>
           <a:p>
-            <a:endParaRPr/>
-          </a:p>
-        </p:txBody>
-      </p:sp>
-      <p:sp>
-        <p:nvSpPr>
-          <p:cNvPr id="83" name="PlaceHolder 2"/>
+            <a:pPr algn="ctr"/>
+            <a:endParaRPr/>
+          </a:p>
+        </p:txBody>
+      </p:sp>
+      <p:sp>
+        <p:nvSpPr>
+          <p:cNvPr id="81" name="PlaceHolder 2"/>
           <p:cNvSpPr>
             <a:spLocks noGrp="1"/>
           </p:cNvSpPr>
@@ -1336,7 +1333,7 @@
         <p:spPr>
           <a:xfrm>
             <a:off x="360000" y="1080000"/>
-            <a:ext cx="11418840" cy="2755800"/>
+            <a:ext cx="11418480" cy="2755440"/>
           </a:xfrm>
           <a:prstGeom prst="rect">
             <a:avLst/>
@@ -1351,7 +1348,7 @@
       </p:sp>
       <p:sp>
         <p:nvSpPr>
-          <p:cNvPr id="84" name="PlaceHolder 3"/>
+          <p:cNvPr id="82" name="PlaceHolder 3"/>
           <p:cNvSpPr>
             <a:spLocks noGrp="1"/>
           </p:cNvSpPr>
@@ -1361,8 +1358,8 @@
         </p:nvSpPr>
         <p:spPr>
           <a:xfrm>
-            <a:off x="360000" y="4097880"/>
-            <a:ext cx="11418840" cy="2755800"/>
+            <a:off x="360000" y="4097520"/>
+            <a:ext cx="11418480" cy="2755440"/>
           </a:xfrm>
           <a:prstGeom prst="rect">
             <a:avLst/>
@@ -1399,7 +1396,7 @@
       </p:grpSpPr>
       <p:sp>
         <p:nvSpPr>
-          <p:cNvPr id="85" name="PlaceHolder 1"/>
+          <p:cNvPr id="83" name="PlaceHolder 1"/>
           <p:cNvSpPr>
             <a:spLocks noGrp="1"/>
           </p:cNvSpPr>
@@ -1410,7 +1407,7 @@
         <p:spPr>
           <a:xfrm>
             <a:off x="0" y="0"/>
-            <a:ext cx="10028520" cy="759600"/>
+            <a:ext cx="10028160" cy="759600"/>
           </a:xfrm>
           <a:prstGeom prst="rect">
             <a:avLst/>
@@ -1419,13 +1416,14 @@
         <p:txBody>
           <a:bodyPr lIns="0" rIns="0" tIns="0" bIns="0" anchor="ctr"/>
           <a:p>
-            <a:endParaRPr/>
-          </a:p>
-        </p:txBody>
-      </p:sp>
-      <p:sp>
-        <p:nvSpPr>
-          <p:cNvPr id="86" name="PlaceHolder 2"/>
+            <a:pPr algn="ctr"/>
+            <a:endParaRPr/>
+          </a:p>
+        </p:txBody>
+      </p:sp>
+      <p:sp>
+        <p:nvSpPr>
+          <p:cNvPr id="84" name="PlaceHolder 2"/>
           <p:cNvSpPr>
             <a:spLocks noGrp="1"/>
           </p:cNvSpPr>
@@ -1436,7 +1434,7 @@
         <p:spPr>
           <a:xfrm>
             <a:off x="360000" y="1080000"/>
-            <a:ext cx="5572080" cy="2755800"/>
+            <a:ext cx="5572080" cy="2755440"/>
           </a:xfrm>
           <a:prstGeom prst="rect">
             <a:avLst/>
@@ -1451,7 +1449,7 @@
       </p:sp>
       <p:sp>
         <p:nvSpPr>
-          <p:cNvPr id="87" name="PlaceHolder 3"/>
+          <p:cNvPr id="85" name="PlaceHolder 3"/>
           <p:cNvSpPr>
             <a:spLocks noGrp="1"/>
           </p:cNvSpPr>
@@ -1462,7 +1460,7 @@
         <p:spPr>
           <a:xfrm>
             <a:off x="6211080" y="1080000"/>
-            <a:ext cx="5572080" cy="2755800"/>
+            <a:ext cx="5572080" cy="2755440"/>
           </a:xfrm>
           <a:prstGeom prst="rect">
             <a:avLst/>
@@ -1477,7 +1475,7 @@
       </p:sp>
       <p:sp>
         <p:nvSpPr>
-          <p:cNvPr id="88" name="PlaceHolder 4"/>
+          <p:cNvPr id="86" name="PlaceHolder 4"/>
           <p:cNvSpPr>
             <a:spLocks noGrp="1"/>
           </p:cNvSpPr>
@@ -1487,8 +1485,8 @@
         </p:nvSpPr>
         <p:spPr>
           <a:xfrm>
-            <a:off x="6211080" y="4097880"/>
-            <a:ext cx="5572080" cy="2755800"/>
+            <a:off x="6211080" y="4097520"/>
+            <a:ext cx="5572080" cy="2755440"/>
           </a:xfrm>
           <a:prstGeom prst="rect">
             <a:avLst/>
@@ -1503,7 +1501,7 @@
       </p:sp>
       <p:sp>
         <p:nvSpPr>
-          <p:cNvPr id="89" name="PlaceHolder 5"/>
+          <p:cNvPr id="87" name="PlaceHolder 5"/>
           <p:cNvSpPr>
             <a:spLocks noGrp="1"/>
           </p:cNvSpPr>
@@ -1513,8 +1511,8 @@
         </p:nvSpPr>
         <p:spPr>
           <a:xfrm>
-            <a:off x="360000" y="4097880"/>
-            <a:ext cx="5572080" cy="2755800"/>
+            <a:off x="360000" y="4097520"/>
+            <a:ext cx="5572080" cy="2755440"/>
           </a:xfrm>
           <a:prstGeom prst="rect">
             <a:avLst/>
@@ -1551,7 +1549,7 @@
       </p:grpSpPr>
       <p:sp>
         <p:nvSpPr>
-          <p:cNvPr id="90" name="PlaceHolder 1"/>
+          <p:cNvPr id="88" name="PlaceHolder 1"/>
           <p:cNvSpPr>
             <a:spLocks noGrp="1"/>
           </p:cNvSpPr>
@@ -1562,7 +1560,7 @@
         <p:spPr>
           <a:xfrm>
             <a:off x="0" y="0"/>
-            <a:ext cx="10028520" cy="759600"/>
+            <a:ext cx="10028160" cy="759600"/>
           </a:xfrm>
           <a:prstGeom prst="rect">
             <a:avLst/>
@@ -1571,13 +1569,14 @@
         <p:txBody>
           <a:bodyPr lIns="0" rIns="0" tIns="0" bIns="0" anchor="ctr"/>
           <a:p>
-            <a:endParaRPr/>
-          </a:p>
-        </p:txBody>
-      </p:sp>
-      <p:sp>
-        <p:nvSpPr>
-          <p:cNvPr id="91" name="PlaceHolder 2"/>
+            <a:pPr algn="ctr"/>
+            <a:endParaRPr/>
+          </a:p>
+        </p:txBody>
+      </p:sp>
+      <p:sp>
+        <p:nvSpPr>
+          <p:cNvPr id="89" name="PlaceHolder 2"/>
           <p:cNvSpPr>
             <a:spLocks noGrp="1"/>
           </p:cNvSpPr>
@@ -1588,7 +1587,7 @@
         <p:spPr>
           <a:xfrm>
             <a:off x="360000" y="1080000"/>
-            <a:ext cx="11418840" cy="5777640"/>
+            <a:ext cx="11418480" cy="5777280"/>
           </a:xfrm>
           <a:prstGeom prst="rect">
             <a:avLst/>
@@ -1603,7 +1602,7 @@
       </p:sp>
       <p:sp>
         <p:nvSpPr>
-          <p:cNvPr id="92" name="PlaceHolder 3"/>
+          <p:cNvPr id="90" name="PlaceHolder 3"/>
           <p:cNvSpPr>
             <a:spLocks noGrp="1"/>
           </p:cNvSpPr>
@@ -1614,7 +1613,7 @@
         <p:spPr>
           <a:xfrm>
             <a:off x="360000" y="1080000"/>
-            <a:ext cx="11418840" cy="5777640"/>
+            <a:ext cx="11418480" cy="5777280"/>
           </a:xfrm>
           <a:prstGeom prst="rect">
             <a:avLst/>
@@ -1629,7 +1628,7 @@
       </p:sp>
       <p:pic>
         <p:nvPicPr>
-          <p:cNvPr id="93" name="" descr=""/>
+          <p:cNvPr id="91" name="" descr=""/>
           <p:cNvPicPr/>
           <p:nvPr/>
         </p:nvPicPr>
@@ -1641,8 +1640,8 @@
         </p:blipFill>
         <p:spPr>
           <a:xfrm>
-            <a:off x="2448720" y="1079640"/>
-            <a:ext cx="7241040" cy="5777640"/>
+            <a:off x="2448720" y="1080000"/>
+            <a:ext cx="7240680" cy="5777280"/>
           </a:xfrm>
           <a:prstGeom prst="rect">
             <a:avLst/>
@@ -1654,7 +1653,7 @@
       </p:pic>
       <p:pic>
         <p:nvPicPr>
-          <p:cNvPr id="94" name="" descr=""/>
+          <p:cNvPr id="92" name="" descr=""/>
           <p:cNvPicPr/>
           <p:nvPr/>
         </p:nvPicPr>
@@ -1666,8 +1665,8 @@
         </p:blipFill>
         <p:spPr>
           <a:xfrm>
-            <a:off x="2448720" y="1079640"/>
-            <a:ext cx="7241040" cy="5777640"/>
+            <a:off x="2448720" y="1080000"/>
+            <a:ext cx="7240680" cy="5777280"/>
           </a:xfrm>
           <a:prstGeom prst="rect">
             <a:avLst/>
@@ -1701,7 +1700,7 @@
       </p:grpSpPr>
       <p:sp>
         <p:nvSpPr>
-          <p:cNvPr id="12" name="PlaceHolder 1"/>
+          <p:cNvPr id="11" name="PlaceHolder 1"/>
           <p:cNvSpPr>
             <a:spLocks noGrp="1"/>
           </p:cNvSpPr>
@@ -1712,7 +1711,7 @@
         <p:spPr>
           <a:xfrm>
             <a:off x="0" y="0"/>
-            <a:ext cx="10028520" cy="759600"/>
+            <a:ext cx="10028160" cy="759600"/>
           </a:xfrm>
           <a:prstGeom prst="rect">
             <a:avLst/>
@@ -1721,13 +1720,14 @@
         <p:txBody>
           <a:bodyPr lIns="0" rIns="0" tIns="0" bIns="0" anchor="ctr"/>
           <a:p>
-            <a:endParaRPr/>
-          </a:p>
-        </p:txBody>
-      </p:sp>
-      <p:sp>
-        <p:nvSpPr>
-          <p:cNvPr id="13" name="PlaceHolder 2"/>
+            <a:pPr algn="ctr"/>
+            <a:endParaRPr/>
+          </a:p>
+        </p:txBody>
+      </p:sp>
+      <p:sp>
+        <p:nvSpPr>
+          <p:cNvPr id="12" name="PlaceHolder 2"/>
           <p:cNvSpPr>
             <a:spLocks noGrp="1"/>
           </p:cNvSpPr>
@@ -1738,7 +1738,7 @@
         <p:spPr>
           <a:xfrm>
             <a:off x="360000" y="1080000"/>
-            <a:ext cx="11418840" cy="5777640"/>
+            <a:ext cx="11418480" cy="5777280"/>
           </a:xfrm>
           <a:prstGeom prst="rect">
             <a:avLst/>
@@ -1775,7 +1775,7 @@
       </p:grpSpPr>
       <p:sp>
         <p:nvSpPr>
-          <p:cNvPr id="14" name="PlaceHolder 1"/>
+          <p:cNvPr id="13" name="PlaceHolder 1"/>
           <p:cNvSpPr>
             <a:spLocks noGrp="1"/>
           </p:cNvSpPr>
@@ -1786,7 +1786,7 @@
         <p:spPr>
           <a:xfrm>
             <a:off x="0" y="0"/>
-            <a:ext cx="10028520" cy="759600"/>
+            <a:ext cx="10028160" cy="759600"/>
           </a:xfrm>
           <a:prstGeom prst="rect">
             <a:avLst/>
@@ -1795,13 +1795,14 @@
         <p:txBody>
           <a:bodyPr lIns="0" rIns="0" tIns="0" bIns="0" anchor="ctr"/>
           <a:p>
-            <a:endParaRPr/>
-          </a:p>
-        </p:txBody>
-      </p:sp>
-      <p:sp>
-        <p:nvSpPr>
-          <p:cNvPr id="15" name="PlaceHolder 2"/>
+            <a:pPr algn="ctr"/>
+            <a:endParaRPr/>
+          </a:p>
+        </p:txBody>
+      </p:sp>
+      <p:sp>
+        <p:nvSpPr>
+          <p:cNvPr id="14" name="PlaceHolder 2"/>
           <p:cNvSpPr>
             <a:spLocks noGrp="1"/>
           </p:cNvSpPr>
@@ -1812,7 +1813,7 @@
         <p:spPr>
           <a:xfrm>
             <a:off x="360000" y="1080000"/>
-            <a:ext cx="5572080" cy="5777640"/>
+            <a:ext cx="5572080" cy="5777280"/>
           </a:xfrm>
           <a:prstGeom prst="rect">
             <a:avLst/>
@@ -1827,7 +1828,7 @@
       </p:sp>
       <p:sp>
         <p:nvSpPr>
-          <p:cNvPr id="16" name="PlaceHolder 3"/>
+          <p:cNvPr id="15" name="PlaceHolder 3"/>
           <p:cNvSpPr>
             <a:spLocks noGrp="1"/>
           </p:cNvSpPr>
@@ -1838,7 +1839,7 @@
         <p:spPr>
           <a:xfrm>
             <a:off x="6211080" y="1080000"/>
-            <a:ext cx="5572080" cy="5777640"/>
+            <a:ext cx="5572080" cy="5777280"/>
           </a:xfrm>
           <a:prstGeom prst="rect">
             <a:avLst/>
@@ -1875,7 +1876,7 @@
       </p:grpSpPr>
       <p:sp>
         <p:nvSpPr>
-          <p:cNvPr id="17" name="PlaceHolder 1"/>
+          <p:cNvPr id="16" name="PlaceHolder 1"/>
           <p:cNvSpPr>
             <a:spLocks noGrp="1"/>
           </p:cNvSpPr>
@@ -1886,7 +1887,7 @@
         <p:spPr>
           <a:xfrm>
             <a:off x="0" y="0"/>
-            <a:ext cx="10028520" cy="759600"/>
+            <a:ext cx="10028160" cy="759600"/>
           </a:xfrm>
           <a:prstGeom prst="rect">
             <a:avLst/>
@@ -1895,6 +1896,7 @@
         <p:txBody>
           <a:bodyPr lIns="0" rIns="0" tIns="0" bIns="0" anchor="ctr"/>
           <a:p>
+            <a:pPr algn="ctr"/>
             <a:endParaRPr/>
           </a:p>
         </p:txBody>
@@ -1923,7 +1925,7 @@
       </p:grpSpPr>
       <p:sp>
         <p:nvSpPr>
-          <p:cNvPr id="18" name="PlaceHolder 1"/>
+          <p:cNvPr id="17" name="PlaceHolder 1"/>
           <p:cNvSpPr>
             <a:spLocks noGrp="1"/>
           </p:cNvSpPr>
@@ -1934,7 +1936,7 @@
         <p:spPr>
           <a:xfrm>
             <a:off x="0" y="0"/>
-            <a:ext cx="10028520" cy="3521160"/>
+            <a:ext cx="10028160" cy="3521160"/>
           </a:xfrm>
           <a:prstGeom prst="rect">
             <a:avLst/>
@@ -1972,7 +1974,7 @@
       </p:grpSpPr>
       <p:sp>
         <p:nvSpPr>
-          <p:cNvPr id="19" name="PlaceHolder 1"/>
+          <p:cNvPr id="18" name="PlaceHolder 1"/>
           <p:cNvSpPr>
             <a:spLocks noGrp="1"/>
           </p:cNvSpPr>
@@ -1983,7 +1985,7 @@
         <p:spPr>
           <a:xfrm>
             <a:off x="0" y="0"/>
-            <a:ext cx="10028520" cy="759600"/>
+            <a:ext cx="10028160" cy="759600"/>
           </a:xfrm>
           <a:prstGeom prst="rect">
             <a:avLst/>
@@ -1992,13 +1994,14 @@
         <p:txBody>
           <a:bodyPr lIns="0" rIns="0" tIns="0" bIns="0" anchor="ctr"/>
           <a:p>
-            <a:endParaRPr/>
-          </a:p>
-        </p:txBody>
-      </p:sp>
-      <p:sp>
-        <p:nvSpPr>
-          <p:cNvPr id="20" name="PlaceHolder 2"/>
+            <a:pPr algn="ctr"/>
+            <a:endParaRPr/>
+          </a:p>
+        </p:txBody>
+      </p:sp>
+      <p:sp>
+        <p:nvSpPr>
+          <p:cNvPr id="19" name="PlaceHolder 2"/>
           <p:cNvSpPr>
             <a:spLocks noGrp="1"/>
           </p:cNvSpPr>
@@ -2009,7 +2012,7 @@
         <p:spPr>
           <a:xfrm>
             <a:off x="360000" y="1080000"/>
-            <a:ext cx="5572080" cy="2755800"/>
+            <a:ext cx="5572080" cy="2755440"/>
           </a:xfrm>
           <a:prstGeom prst="rect">
             <a:avLst/>
@@ -2024,7 +2027,7 @@
       </p:sp>
       <p:sp>
         <p:nvSpPr>
-          <p:cNvPr id="21" name="PlaceHolder 3"/>
+          <p:cNvPr id="20" name="PlaceHolder 3"/>
           <p:cNvSpPr>
             <a:spLocks noGrp="1"/>
           </p:cNvSpPr>
@@ -2034,8 +2037,8 @@
         </p:nvSpPr>
         <p:spPr>
           <a:xfrm>
-            <a:off x="360000" y="4097880"/>
-            <a:ext cx="5572080" cy="2755800"/>
+            <a:off x="360000" y="4097520"/>
+            <a:ext cx="5572080" cy="2755440"/>
           </a:xfrm>
           <a:prstGeom prst="rect">
             <a:avLst/>
@@ -2050,7 +2053,7 @@
       </p:sp>
       <p:sp>
         <p:nvSpPr>
-          <p:cNvPr id="22" name="PlaceHolder 4"/>
+          <p:cNvPr id="21" name="PlaceHolder 4"/>
           <p:cNvSpPr>
             <a:spLocks noGrp="1"/>
           </p:cNvSpPr>
@@ -2061,7 +2064,7 @@
         <p:spPr>
           <a:xfrm>
             <a:off x="6211080" y="1080000"/>
-            <a:ext cx="5572080" cy="5777640"/>
+            <a:ext cx="5572080" cy="5777280"/>
           </a:xfrm>
           <a:prstGeom prst="rect">
             <a:avLst/>
@@ -2098,7 +2101,7 @@
       </p:grpSpPr>
       <p:sp>
         <p:nvSpPr>
-          <p:cNvPr id="23" name="PlaceHolder 1"/>
+          <p:cNvPr id="22" name="PlaceHolder 1"/>
           <p:cNvSpPr>
             <a:spLocks noGrp="1"/>
           </p:cNvSpPr>
@@ -2109,7 +2112,7 @@
         <p:spPr>
           <a:xfrm>
             <a:off x="0" y="0"/>
-            <a:ext cx="10028520" cy="759600"/>
+            <a:ext cx="10028160" cy="759600"/>
           </a:xfrm>
           <a:prstGeom prst="rect">
             <a:avLst/>
@@ -2118,13 +2121,14 @@
         <p:txBody>
           <a:bodyPr lIns="0" rIns="0" tIns="0" bIns="0" anchor="ctr"/>
           <a:p>
-            <a:endParaRPr/>
-          </a:p>
-        </p:txBody>
-      </p:sp>
-      <p:sp>
-        <p:nvSpPr>
-          <p:cNvPr id="24" name="PlaceHolder 2"/>
+            <a:pPr algn="ctr"/>
+            <a:endParaRPr/>
+          </a:p>
+        </p:txBody>
+      </p:sp>
+      <p:sp>
+        <p:nvSpPr>
+          <p:cNvPr id="23" name="PlaceHolder 2"/>
           <p:cNvSpPr>
             <a:spLocks noGrp="1"/>
           </p:cNvSpPr>
@@ -2135,7 +2139,7 @@
         <p:spPr>
           <a:xfrm>
             <a:off x="360000" y="1080000"/>
-            <a:ext cx="5572080" cy="5777640"/>
+            <a:ext cx="5572080" cy="5777280"/>
           </a:xfrm>
           <a:prstGeom prst="rect">
             <a:avLst/>
@@ -2150,7 +2154,7 @@
       </p:sp>
       <p:sp>
         <p:nvSpPr>
-          <p:cNvPr id="25" name="PlaceHolder 3"/>
+          <p:cNvPr id="24" name="PlaceHolder 3"/>
           <p:cNvSpPr>
             <a:spLocks noGrp="1"/>
           </p:cNvSpPr>
@@ -2161,7 +2165,7 @@
         <p:spPr>
           <a:xfrm>
             <a:off x="6211080" y="1080000"/>
-            <a:ext cx="5572080" cy="2755800"/>
+            <a:ext cx="5572080" cy="2755440"/>
           </a:xfrm>
           <a:prstGeom prst="rect">
             <a:avLst/>
@@ -2176,7 +2180,7 @@
       </p:sp>
       <p:sp>
         <p:nvSpPr>
-          <p:cNvPr id="26" name="PlaceHolder 4"/>
+          <p:cNvPr id="25" name="PlaceHolder 4"/>
           <p:cNvSpPr>
             <a:spLocks noGrp="1"/>
           </p:cNvSpPr>
@@ -2186,8 +2190,8 @@
         </p:nvSpPr>
         <p:spPr>
           <a:xfrm>
-            <a:off x="6211080" y="4097880"/>
-            <a:ext cx="5572080" cy="2755800"/>
+            <a:off x="6211080" y="4097520"/>
+            <a:ext cx="5572080" cy="2755440"/>
           </a:xfrm>
           <a:prstGeom prst="rect">
             <a:avLst/>
@@ -2224,7 +2228,7 @@
       </p:grpSpPr>
       <p:sp>
         <p:nvSpPr>
-          <p:cNvPr id="27" name="PlaceHolder 1"/>
+          <p:cNvPr id="26" name="PlaceHolder 1"/>
           <p:cNvSpPr>
             <a:spLocks noGrp="1"/>
           </p:cNvSpPr>
@@ -2235,7 +2239,7 @@
         <p:spPr>
           <a:xfrm>
             <a:off x="0" y="0"/>
-            <a:ext cx="10028520" cy="759600"/>
+            <a:ext cx="10028160" cy="759600"/>
           </a:xfrm>
           <a:prstGeom prst="rect">
             <a:avLst/>
@@ -2244,13 +2248,14 @@
         <p:txBody>
           <a:bodyPr lIns="0" rIns="0" tIns="0" bIns="0" anchor="ctr"/>
           <a:p>
-            <a:endParaRPr/>
-          </a:p>
-        </p:txBody>
-      </p:sp>
-      <p:sp>
-        <p:nvSpPr>
-          <p:cNvPr id="28" name="PlaceHolder 2"/>
+            <a:pPr algn="ctr"/>
+            <a:endParaRPr/>
+          </a:p>
+        </p:txBody>
+      </p:sp>
+      <p:sp>
+        <p:nvSpPr>
+          <p:cNvPr id="27" name="PlaceHolder 2"/>
           <p:cNvSpPr>
             <a:spLocks noGrp="1"/>
           </p:cNvSpPr>
@@ -2261,7 +2266,7 @@
         <p:spPr>
           <a:xfrm>
             <a:off x="360000" y="1080000"/>
-            <a:ext cx="5572080" cy="2755800"/>
+            <a:ext cx="5572080" cy="2755440"/>
           </a:xfrm>
           <a:prstGeom prst="rect">
             <a:avLst/>
@@ -2276,7 +2281,7 @@
       </p:sp>
       <p:sp>
         <p:nvSpPr>
-          <p:cNvPr id="29" name="PlaceHolder 3"/>
+          <p:cNvPr id="28" name="PlaceHolder 3"/>
           <p:cNvSpPr>
             <a:spLocks noGrp="1"/>
           </p:cNvSpPr>
@@ -2287,7 +2292,7 @@
         <p:spPr>
           <a:xfrm>
             <a:off x="6211080" y="1080000"/>
-            <a:ext cx="5572080" cy="2755800"/>
+            <a:ext cx="5572080" cy="2755440"/>
           </a:xfrm>
           <a:prstGeom prst="rect">
             <a:avLst/>
@@ -2302,7 +2307,7 @@
       </p:sp>
       <p:sp>
         <p:nvSpPr>
-          <p:cNvPr id="30" name="PlaceHolder 4"/>
+          <p:cNvPr id="29" name="PlaceHolder 4"/>
           <p:cNvSpPr>
             <a:spLocks noGrp="1"/>
           </p:cNvSpPr>
@@ -2312,8 +2317,8 @@
         </p:nvSpPr>
         <p:spPr>
           <a:xfrm>
-            <a:off x="360000" y="4097880"/>
-            <a:ext cx="11418840" cy="2755800"/>
+            <a:off x="360000" y="4097520"/>
+            <a:ext cx="11418480" cy="2755440"/>
           </a:xfrm>
           <a:prstGeom prst="rect">
             <a:avLst/>
@@ -2363,8 +2368,8 @@
         </p:nvSpPr>
         <p:spPr>
           <a:xfrm rot="10800000">
-            <a:off x="360" y="759600"/>
-            <a:ext cx="12191760" cy="17640"/>
+            <a:off x="720" y="759600"/>
+            <a:ext cx="12191400" cy="17280"/>
           </a:xfrm>
           <a:prstGeom prst="rect">
             <a:avLst/>
@@ -2385,7 +2390,7 @@
         </p:nvPicPr>
         <p:blipFill>
           <a:blip r:embed="rId2"/>
-          <a:srcRect l="0" t="1759784" r="0" b="0"/>
+          <a:srcRect l="0" t="385512" r="0" b="0"/>
           <a:stretch>
             <a:fillRect/>
           </a:stretch>
@@ -2393,7 +2398,7 @@
         <p:spPr>
           <a:xfrm>
             <a:off x="10751760" y="176400"/>
-            <a:ext cx="717120" cy="419760"/>
+            <a:ext cx="716760" cy="419400"/>
           </a:xfrm>
           <a:prstGeom prst="rect">
             <a:avLst/>
@@ -2418,7 +2423,7 @@
         <p:spPr>
           <a:xfrm>
             <a:off x="11550960" y="129960"/>
-            <a:ext cx="512640" cy="512640"/>
+            <a:ext cx="512280" cy="512280"/>
           </a:xfrm>
           <a:prstGeom prst="rect">
             <a:avLst/>
@@ -2443,7 +2448,7 @@
         <p:spPr>
           <a:xfrm>
             <a:off x="103320" y="6530760"/>
-            <a:ext cx="256320" cy="256320"/>
+            <a:ext cx="255960" cy="255960"/>
           </a:xfrm>
           <a:prstGeom prst="rect">
             <a:avLst/>
@@ -2462,7 +2467,7 @@
         <p:spPr>
           <a:xfrm>
             <a:off x="9888840" y="6459840"/>
-            <a:ext cx="1684440" cy="209880"/>
+            <a:ext cx="1684080" cy="209520"/>
           </a:xfrm>
           <a:prstGeom prst="rect">
             <a:avLst/>
@@ -2503,7 +2508,7 @@
         <p:spPr>
           <a:xfrm>
             <a:off x="10074960" y="6628320"/>
-            <a:ext cx="1231560" cy="194040"/>
+            <a:ext cx="1231200" cy="193680"/>
           </a:xfrm>
           <a:prstGeom prst="rect">
             <a:avLst/>
@@ -2544,7 +2549,7 @@
         <p:spPr>
           <a:xfrm>
             <a:off x="360000" y="6593400"/>
-            <a:ext cx="1946520" cy="137880"/>
+            <a:ext cx="1946160" cy="137520"/>
           </a:xfrm>
           <a:prstGeom prst="rect">
             <a:avLst/>
@@ -2589,26 +2594,20 @@
         <p:spPr>
           <a:xfrm>
             <a:off x="0" y="0"/>
-            <a:ext cx="10028520" cy="759240"/>
-          </a:xfrm>
-          <a:prstGeom prst="rect">
-            <a:avLst/>
-          </a:prstGeom>
-        </p:spPr>
-        <p:txBody>
-          <a:bodyPr lIns="45720" rIns="45720" tIns="45000" bIns="45000" anchor="b"/>
-          <a:p>
-            <a:pPr>
-              <a:lnSpc>
-                <a:spcPct val="100000"/>
-              </a:lnSpc>
-            </a:pPr>
-            <a:r>
-              <a:rPr b="1" lang="de-DE" sz="1600">
-                <a:latin typeface="Arial"/>
-                <a:ea typeface="Arial"/>
-              </a:rPr>
-              <a:t>Klicken Sie, um das Format des Titeltextes zu bearbeitenTitelmasterformat durch Klicken bearbeiten</a:t>
+            <a:ext cx="10028160" cy="759240"/>
+          </a:xfrm>
+          <a:prstGeom prst="rect">
+            <a:avLst/>
+          </a:prstGeom>
+        </p:spPr>
+        <p:txBody>
+          <a:bodyPr lIns="0" rIns="0" tIns="0" bIns="0" anchor="ctr"/>
+          <a:p>
+            <a:r>
+              <a:rPr lang="de-DE">
+                <a:latin typeface="Arial"/>
+              </a:rPr>
+              <a:t>Klicken Sie, um das Format des Titeltextes zu bearbeiten</a:t>
             </a:r>
             <a:endParaRPr/>
           </a:p>
@@ -2627,14 +2626,14 @@
         <p:spPr>
           <a:xfrm>
             <a:off x="360000" y="1080000"/>
-            <a:ext cx="11418840" cy="5777640"/>
-          </a:xfrm>
-          <a:prstGeom prst="rect">
-            <a:avLst/>
-          </a:prstGeom>
-        </p:spPr>
-        <p:txBody>
-          <a:bodyPr lIns="45720" rIns="45720" tIns="45000" bIns="45000"/>
+            <a:ext cx="11418480" cy="5777280"/>
+          </a:xfrm>
+          <a:prstGeom prst="rect">
+            <a:avLst/>
+          </a:prstGeom>
+        </p:spPr>
+        <p:txBody>
+          <a:bodyPr lIns="0" rIns="0" tIns="0" bIns="0"/>
           <a:p>
             <a:pPr>
               <a:buSzPct val="45000"/>
@@ -2642,9 +2641,8 @@
               <a:buChar char=""/>
             </a:pPr>
             <a:r>
-              <a:rPr lang="de-DE" sz="1400">
-                <a:latin typeface="Arial"/>
-                <a:ea typeface="Arial"/>
+              <a:rPr lang="de-DE">
+                <a:latin typeface="Arial"/>
               </a:rPr>
               <a:t>Klicken Sie, um die Formate des Gliederungstextes zu bearbeiten</a:t>
             </a:r>
@@ -2657,9 +2655,8 @@
               <a:buChar char=""/>
             </a:pPr>
             <a:r>
-              <a:rPr lang="de-DE" sz="1400">
-                <a:latin typeface="Arial"/>
-                <a:ea typeface="Arial"/>
+              <a:rPr lang="de-DE">
+                <a:latin typeface="Arial"/>
               </a:rPr>
               <a:t>Zweite Gliederungsebene</a:t>
             </a:r>
@@ -2672,9 +2669,8 @@
               <a:buChar char=""/>
             </a:pPr>
             <a:r>
-              <a:rPr lang="de-DE" sz="1400">
-                <a:latin typeface="Arial"/>
-                <a:ea typeface="Arial"/>
+              <a:rPr lang="de-DE">
+                <a:latin typeface="Arial"/>
               </a:rPr>
               <a:t>Dritte Gliederungsebene</a:t>
             </a:r>
@@ -2687,9 +2683,8 @@
               <a:buChar char=""/>
             </a:pPr>
             <a:r>
-              <a:rPr lang="de-DE" sz="1400">
-                <a:latin typeface="Arial"/>
-                <a:ea typeface="Arial"/>
+              <a:rPr lang="de-DE">
+                <a:latin typeface="Arial"/>
               </a:rPr>
               <a:t>Vierte Gliederungsebene</a:t>
             </a:r>
@@ -2702,9 +2697,8 @@
               <a:buChar char=""/>
             </a:pPr>
             <a:r>
-              <a:rPr lang="de-DE" sz="1400">
-                <a:latin typeface="Arial"/>
-                <a:ea typeface="Arial"/>
+              <a:rPr lang="de-DE">
+                <a:latin typeface="Arial"/>
               </a:rPr>
               <a:t>Fünfte Gliederungsebene</a:t>
             </a:r>
@@ -2717,123 +2711,25 @@
               <a:buChar char=""/>
             </a:pPr>
             <a:r>
-              <a:rPr lang="de-DE" sz="1400">
-                <a:latin typeface="Arial"/>
-                <a:ea typeface="Arial"/>
+              <a:rPr lang="de-DE">
+                <a:latin typeface="Arial"/>
               </a:rPr>
               <a:t>Sechste Gliederungsebene</a:t>
             </a:r>
             <a:endParaRPr/>
           </a:p>
           <a:p>
-            <a:pPr>
-              <a:lnSpc>
-                <a:spcPct val="100000"/>
-              </a:lnSpc>
-              <a:buFont typeface="Wingdings" charset="2"/>
-              <a:buChar char=""/>
-            </a:pPr>
-            <a:r>
-              <a:rPr lang="de-DE" sz="1400">
-                <a:latin typeface="Arial"/>
-                <a:ea typeface="Arial"/>
-              </a:rPr>
-              <a:t>Siebente GliederungsebeneTextmasterformat bearbeiten</a:t>
-            </a:r>
-            <a:endParaRPr/>
-          </a:p>
-          <a:p>
-            <a:pPr lvl="1">
-              <a:lnSpc>
-                <a:spcPct val="100000"/>
-              </a:lnSpc>
-              <a:buFont typeface="Wingdings" charset="2"/>
-              <a:buChar char=""/>
-            </a:pPr>
-            <a:r>
-              <a:rPr lang="de-DE" sz="1400">
-                <a:latin typeface="Arial"/>
-                <a:ea typeface="Arial"/>
-              </a:rPr>
-              <a:t>Zweite Ebene</a:t>
-            </a:r>
-            <a:endParaRPr/>
-          </a:p>
-          <a:p>
-            <a:pPr lvl="2">
-              <a:lnSpc>
-                <a:spcPct val="100000"/>
-              </a:lnSpc>
-              <a:buFont typeface="Wingdings" charset="2"/>
-              <a:buChar char=""/>
-            </a:pPr>
-            <a:r>
-              <a:rPr lang="de-DE" sz="1400">
-                <a:latin typeface="Arial"/>
-                <a:ea typeface="Arial"/>
-              </a:rPr>
-              <a:t>Dritte Ebene</a:t>
-            </a:r>
-            <a:endParaRPr/>
-          </a:p>
-          <a:p>
-            <a:pPr lvl="3">
-              <a:lnSpc>
-                <a:spcPct val="100000"/>
-              </a:lnSpc>
-              <a:buFont typeface="Wingdings" charset="2"/>
-              <a:buChar char=""/>
-            </a:pPr>
-            <a:r>
-              <a:rPr lang="de-DE" sz="1400">
-                <a:latin typeface="Arial"/>
-                <a:ea typeface="Arial"/>
-              </a:rPr>
-              <a:t>Vierte Ebene</a:t>
-            </a:r>
-            <a:endParaRPr/>
-          </a:p>
-          <a:p>
-            <a:pPr lvl="4">
-              <a:lnSpc>
-                <a:spcPct val="100000"/>
-              </a:lnSpc>
-              <a:buFont typeface="Wingdings" charset="2"/>
-              <a:buChar char=""/>
-            </a:pPr>
-            <a:r>
-              <a:rPr lang="de-DE" sz="1400">
-                <a:latin typeface="Arial"/>
-                <a:ea typeface="Arial"/>
-              </a:rPr>
-              <a:t>Fünfte Ebene</a:t>
-            </a:r>
-            <a:endParaRPr/>
-          </a:p>
-        </p:txBody>
-      </p:sp>
-      <p:sp>
-        <p:nvSpPr>
-          <p:cNvPr id="9" name="PlaceHolder 7"/>
-          <p:cNvSpPr>
-            <a:spLocks noGrp="1"/>
-          </p:cNvSpPr>
-          <p:nvPr>
-            <p:ph type="sldNum"/>
-          </p:nvPr>
-        </p:nvSpPr>
-        <p:spPr>
-          <a:xfrm>
-            <a:off x="11779200" y="6551640"/>
-            <a:ext cx="412560" cy="214200"/>
-          </a:xfrm>
-          <a:prstGeom prst="rect">
-            <a:avLst/>
-          </a:prstGeom>
-        </p:spPr>
-        <p:txBody>
-          <a:bodyPr lIns="45720" rIns="45720" tIns="45000" bIns="45000" anchor="ctr"/>
-          <a:p>
+            <a:pPr lvl="6">
+              <a:buSzPct val="45000"/>
+              <a:buFont typeface="StarSymbol"/>
+              <a:buChar char=""/>
+            </a:pPr>
+            <a:r>
+              <a:rPr lang="de-DE">
+                <a:latin typeface="Arial"/>
+              </a:rPr>
+              <a:t>Siebente Gliederungsebene</a:t>
+            </a:r>
             <a:endParaRPr/>
           </a:p>
         </p:txBody>
@@ -2884,14 +2780,14 @@
       </p:grpSpPr>
       <p:sp>
         <p:nvSpPr>
-          <p:cNvPr id="44" name="CustomShape 1"/>
+          <p:cNvPr id="43" name="CustomShape 1"/>
           <p:cNvSpPr/>
           <p:nvPr/>
         </p:nvSpPr>
         <p:spPr>
           <a:xfrm rot="10800000">
-            <a:off x="360" y="759600"/>
-            <a:ext cx="12191760" cy="17640"/>
+            <a:off x="720" y="759600"/>
+            <a:ext cx="12191400" cy="17280"/>
           </a:xfrm>
           <a:prstGeom prst="rect">
             <a:avLst/>
@@ -2906,13 +2802,13 @@
       </p:sp>
       <p:pic>
         <p:nvPicPr>
-          <p:cNvPr id="45" name="image1.png" descr=""/>
+          <p:cNvPr id="44" name="image1.png" descr=""/>
           <p:cNvPicPr/>
           <p:nvPr/>
         </p:nvPicPr>
         <p:blipFill>
           <a:blip r:embed="rId2"/>
-          <a:srcRect l="0" t="1759784" r="0" b="0"/>
+          <a:srcRect l="0" t="385512" r="0" b="0"/>
           <a:stretch>
             <a:fillRect/>
           </a:stretch>
@@ -2920,7 +2816,7 @@
         <p:spPr>
           <a:xfrm>
             <a:off x="10751760" y="176400"/>
-            <a:ext cx="717120" cy="419760"/>
+            <a:ext cx="716760" cy="419400"/>
           </a:xfrm>
           <a:prstGeom prst="rect">
             <a:avLst/>
@@ -2932,7 +2828,7 @@
       </p:pic>
       <p:pic>
         <p:nvPicPr>
-          <p:cNvPr id="46" name="image2.png" descr=""/>
+          <p:cNvPr id="45" name="image2.png" descr=""/>
           <p:cNvPicPr/>
           <p:nvPr/>
         </p:nvPicPr>
@@ -2945,7 +2841,7 @@
         <p:spPr>
           <a:xfrm>
             <a:off x="11550960" y="129960"/>
-            <a:ext cx="512640" cy="512640"/>
+            <a:ext cx="512280" cy="512280"/>
           </a:xfrm>
           <a:prstGeom prst="rect">
             <a:avLst/>
@@ -2957,7 +2853,7 @@
       </p:pic>
       <p:pic>
         <p:nvPicPr>
-          <p:cNvPr id="47" name="image3.png" descr=""/>
+          <p:cNvPr id="46" name="image3.png" descr=""/>
           <p:cNvPicPr/>
           <p:nvPr/>
         </p:nvPicPr>
@@ -2970,7 +2866,7 @@
         <p:spPr>
           <a:xfrm>
             <a:off x="103320" y="6530760"/>
-            <a:ext cx="256320" cy="256320"/>
+            <a:ext cx="255960" cy="255960"/>
           </a:xfrm>
           <a:prstGeom prst="rect">
             <a:avLst/>
@@ -2982,14 +2878,14 @@
       </p:pic>
       <p:sp>
         <p:nvSpPr>
-          <p:cNvPr id="48" name="CustomShape 2"/>
+          <p:cNvPr id="47" name="CustomShape 2"/>
           <p:cNvSpPr/>
           <p:nvPr/>
         </p:nvSpPr>
         <p:spPr>
           <a:xfrm>
             <a:off x="9888840" y="6459840"/>
-            <a:ext cx="1684440" cy="209880"/>
+            <a:ext cx="1684080" cy="209520"/>
           </a:xfrm>
           <a:prstGeom prst="rect">
             <a:avLst/>
@@ -3023,14 +2919,14 @@
       </p:sp>
       <p:sp>
         <p:nvSpPr>
-          <p:cNvPr id="49" name="CustomShape 3"/>
+          <p:cNvPr id="48" name="CustomShape 3"/>
           <p:cNvSpPr/>
           <p:nvPr/>
         </p:nvSpPr>
         <p:spPr>
           <a:xfrm>
             <a:off x="10074960" y="6628320"/>
-            <a:ext cx="1231560" cy="194040"/>
+            <a:ext cx="1231200" cy="193680"/>
           </a:xfrm>
           <a:prstGeom prst="rect">
             <a:avLst/>
@@ -3064,14 +2960,14 @@
       </p:sp>
       <p:sp>
         <p:nvSpPr>
-          <p:cNvPr id="50" name="CustomShape 4"/>
+          <p:cNvPr id="49" name="CustomShape 4"/>
           <p:cNvSpPr/>
           <p:nvPr/>
         </p:nvSpPr>
         <p:spPr>
           <a:xfrm>
             <a:off x="360000" y="6593400"/>
-            <a:ext cx="1946520" cy="137880"/>
+            <a:ext cx="1946160" cy="137520"/>
           </a:xfrm>
           <a:prstGeom prst="rect">
             <a:avLst/>
@@ -3105,14 +3001,14 @@
       </p:sp>
       <p:sp>
         <p:nvSpPr>
-          <p:cNvPr id="51" name="CustomShape 5"/>
+          <p:cNvPr id="50" name="CustomShape 5"/>
           <p:cNvSpPr/>
           <p:nvPr/>
         </p:nvSpPr>
         <p:spPr>
           <a:xfrm rot="10800000">
-            <a:off x="360" y="759600"/>
-            <a:ext cx="12191760" cy="17640"/>
+            <a:off x="720" y="759600"/>
+            <a:ext cx="12191400" cy="17280"/>
           </a:xfrm>
           <a:prstGeom prst="rect">
             <a:avLst/>
@@ -3127,13 +3023,13 @@
       </p:sp>
       <p:pic>
         <p:nvPicPr>
-          <p:cNvPr id="52" name="image1.png" descr=""/>
+          <p:cNvPr id="51" name="image1.png" descr=""/>
           <p:cNvPicPr/>
           <p:nvPr/>
         </p:nvPicPr>
         <p:blipFill>
           <a:blip r:embed="rId5"/>
-          <a:srcRect l="0" t="1759784" r="0" b="0"/>
+          <a:srcRect l="0" t="385512" r="0" b="0"/>
           <a:stretch>
             <a:fillRect/>
           </a:stretch>
@@ -3141,7 +3037,7 @@
         <p:spPr>
           <a:xfrm>
             <a:off x="10751760" y="176400"/>
-            <a:ext cx="717120" cy="419760"/>
+            <a:ext cx="716760" cy="419400"/>
           </a:xfrm>
           <a:prstGeom prst="rect">
             <a:avLst/>
@@ -3153,7 +3049,7 @@
       </p:pic>
       <p:pic>
         <p:nvPicPr>
-          <p:cNvPr id="53" name="image2.png" descr=""/>
+          <p:cNvPr id="52" name="image2.png" descr=""/>
           <p:cNvPicPr/>
           <p:nvPr/>
         </p:nvPicPr>
@@ -3166,7 +3062,7 @@
         <p:spPr>
           <a:xfrm>
             <a:off x="11550960" y="129960"/>
-            <a:ext cx="512640" cy="512640"/>
+            <a:ext cx="512280" cy="512280"/>
           </a:xfrm>
           <a:prstGeom prst="rect">
             <a:avLst/>
@@ -3178,7 +3074,7 @@
       </p:pic>
       <p:pic>
         <p:nvPicPr>
-          <p:cNvPr id="54" name="image3.png" descr=""/>
+          <p:cNvPr id="53" name="image3.png" descr=""/>
           <p:cNvPicPr/>
           <p:nvPr/>
         </p:nvPicPr>
@@ -3191,7 +3087,7 @@
         <p:spPr>
           <a:xfrm>
             <a:off x="103320" y="6530760"/>
-            <a:ext cx="256320" cy="256320"/>
+            <a:ext cx="255960" cy="255960"/>
           </a:xfrm>
           <a:prstGeom prst="rect">
             <a:avLst/>
@@ -3203,14 +3099,14 @@
       </p:pic>
       <p:sp>
         <p:nvSpPr>
-          <p:cNvPr id="55" name="CustomShape 6"/>
+          <p:cNvPr id="54" name="CustomShape 6"/>
           <p:cNvSpPr/>
           <p:nvPr/>
         </p:nvSpPr>
         <p:spPr>
           <a:xfrm>
             <a:off x="9888840" y="6459840"/>
-            <a:ext cx="1684440" cy="209880"/>
+            <a:ext cx="1684080" cy="209520"/>
           </a:xfrm>
           <a:prstGeom prst="rect">
             <a:avLst/>
@@ -3244,14 +3140,14 @@
       </p:sp>
       <p:sp>
         <p:nvSpPr>
-          <p:cNvPr id="56" name="CustomShape 7"/>
+          <p:cNvPr id="55" name="CustomShape 7"/>
           <p:cNvSpPr/>
           <p:nvPr/>
         </p:nvSpPr>
         <p:spPr>
           <a:xfrm>
             <a:off x="10074960" y="6628320"/>
-            <a:ext cx="1231560" cy="194040"/>
+            <a:ext cx="1231200" cy="193680"/>
           </a:xfrm>
           <a:prstGeom prst="rect">
             <a:avLst/>
@@ -3285,14 +3181,14 @@
       </p:sp>
       <p:sp>
         <p:nvSpPr>
-          <p:cNvPr id="57" name="CustomShape 8"/>
+          <p:cNvPr id="56" name="CustomShape 8"/>
           <p:cNvSpPr/>
           <p:nvPr/>
         </p:nvSpPr>
         <p:spPr>
           <a:xfrm>
             <a:off x="360000" y="6593400"/>
-            <a:ext cx="1946520" cy="137880"/>
+            <a:ext cx="1946160" cy="137520"/>
           </a:xfrm>
           <a:prstGeom prst="rect">
             <a:avLst/>
@@ -3326,7 +3222,7 @@
       </p:sp>
       <p:sp>
         <p:nvSpPr>
-          <p:cNvPr id="58" name="PlaceHolder 9"/>
+          <p:cNvPr id="57" name="PlaceHolder 9"/>
           <p:cNvSpPr>
             <a:spLocks noGrp="1"/>
           </p:cNvSpPr>
@@ -3337,34 +3233,28 @@
         <p:spPr>
           <a:xfrm>
             <a:off x="0" y="0"/>
-            <a:ext cx="10028520" cy="759240"/>
-          </a:xfrm>
-          <a:prstGeom prst="rect">
-            <a:avLst/>
-          </a:prstGeom>
-        </p:spPr>
-        <p:txBody>
-          <a:bodyPr lIns="0" rIns="0" tIns="0" bIns="0" anchor="b"/>
-          <a:p>
-            <a:pPr>
-              <a:lnSpc>
-                <a:spcPct val="100000"/>
-              </a:lnSpc>
-            </a:pPr>
-            <a:r>
-              <a:rPr b="1" lang="de-DE" sz="1600">
-                <a:latin typeface="Arial"/>
-                <a:ea typeface="Arial"/>
-              </a:rPr>
-              <a:t>Klicken Sie, um das Format des Titeltextes zu bearbeitenTitle Text</a:t>
-            </a:r>
-            <a:endParaRPr/>
-          </a:p>
-        </p:txBody>
-      </p:sp>
-      <p:sp>
-        <p:nvSpPr>
-          <p:cNvPr id="59" name="PlaceHolder 10"/>
+            <a:ext cx="10028160" cy="759240"/>
+          </a:xfrm>
+          <a:prstGeom prst="rect">
+            <a:avLst/>
+          </a:prstGeom>
+        </p:spPr>
+        <p:txBody>
+          <a:bodyPr lIns="0" rIns="0" tIns="0" bIns="0" anchor="ctr"/>
+          <a:p>
+            <a:r>
+              <a:rPr lang="de-DE">
+                <a:latin typeface="Arial"/>
+              </a:rPr>
+              <a:t>Klicken Sie, um das Format des Titeltextes zu bearbeiten</a:t>
+            </a:r>
+            <a:endParaRPr/>
+          </a:p>
+        </p:txBody>
+      </p:sp>
+      <p:sp>
+        <p:nvSpPr>
+          <p:cNvPr id="58" name="PlaceHolder 10"/>
           <p:cNvSpPr>
             <a:spLocks noGrp="1"/>
           </p:cNvSpPr>
@@ -3375,14 +3265,14 @@
         <p:spPr>
           <a:xfrm>
             <a:off x="360000" y="1080000"/>
-            <a:ext cx="11418840" cy="5777640"/>
-          </a:xfrm>
-          <a:prstGeom prst="rect">
-            <a:avLst/>
-          </a:prstGeom>
-        </p:spPr>
-        <p:txBody>
-          <a:bodyPr lIns="45720" rIns="45720" tIns="45000" bIns="45000"/>
+            <a:ext cx="11418480" cy="5777280"/>
+          </a:xfrm>
+          <a:prstGeom prst="rect">
+            <a:avLst/>
+          </a:prstGeom>
+        </p:spPr>
+        <p:txBody>
+          <a:bodyPr lIns="0" rIns="0" tIns="0" bIns="0"/>
           <a:p>
             <a:pPr>
               <a:buSzPct val="45000"/>
@@ -3390,9 +3280,8 @@
               <a:buChar char=""/>
             </a:pPr>
             <a:r>
-              <a:rPr lang="de-DE" sz="1400">
-                <a:latin typeface="Arial"/>
-                <a:ea typeface="Arial"/>
+              <a:rPr lang="de-DE">
+                <a:latin typeface="Arial"/>
               </a:rPr>
               <a:t>Klicken Sie, um die Formate des Gliederungstextes zu bearbeiten</a:t>
             </a:r>
@@ -3405,9 +3294,8 @@
               <a:buChar char=""/>
             </a:pPr>
             <a:r>
-              <a:rPr lang="de-DE" sz="1400">
-                <a:latin typeface="Arial"/>
-                <a:ea typeface="Arial"/>
+              <a:rPr lang="de-DE">
+                <a:latin typeface="Arial"/>
               </a:rPr>
               <a:t>Zweite Gliederungsebene</a:t>
             </a:r>
@@ -3420,9 +3308,8 @@
               <a:buChar char=""/>
             </a:pPr>
             <a:r>
-              <a:rPr lang="de-DE" sz="1400">
-                <a:latin typeface="Arial"/>
-                <a:ea typeface="Arial"/>
+              <a:rPr lang="de-DE">
+                <a:latin typeface="Arial"/>
               </a:rPr>
               <a:t>Dritte Gliederungsebene</a:t>
             </a:r>
@@ -3435,9 +3322,8 @@
               <a:buChar char=""/>
             </a:pPr>
             <a:r>
-              <a:rPr lang="de-DE" sz="1400">
-                <a:latin typeface="Arial"/>
-                <a:ea typeface="Arial"/>
+              <a:rPr lang="de-DE">
+                <a:latin typeface="Arial"/>
               </a:rPr>
               <a:t>Vierte Gliederungsebene</a:t>
             </a:r>
@@ -3450,9 +3336,8 @@
               <a:buChar char=""/>
             </a:pPr>
             <a:r>
-              <a:rPr lang="de-DE" sz="1400">
-                <a:latin typeface="Arial"/>
-                <a:ea typeface="Arial"/>
+              <a:rPr lang="de-DE">
+                <a:latin typeface="Arial"/>
               </a:rPr>
               <a:t>Fünfte Gliederungsebene</a:t>
             </a:r>
@@ -3465,123 +3350,25 @@
               <a:buChar char=""/>
             </a:pPr>
             <a:r>
-              <a:rPr lang="de-DE" sz="1400">
-                <a:latin typeface="Arial"/>
-                <a:ea typeface="Arial"/>
+              <a:rPr lang="de-DE">
+                <a:latin typeface="Arial"/>
               </a:rPr>
               <a:t>Sechste Gliederungsebene</a:t>
             </a:r>
             <a:endParaRPr/>
           </a:p>
           <a:p>
-            <a:pPr>
-              <a:lnSpc>
-                <a:spcPct val="100000"/>
-              </a:lnSpc>
-              <a:buFont typeface="Wingdings" charset="2"/>
-              <a:buChar char=""/>
-            </a:pPr>
-            <a:r>
-              <a:rPr lang="de-DE" sz="1400">
-                <a:latin typeface="Arial"/>
-                <a:ea typeface="Arial"/>
-              </a:rPr>
-              <a:t>Siebente GliederungsebeneBody Level One</a:t>
-            </a:r>
-            <a:endParaRPr/>
-          </a:p>
-          <a:p>
-            <a:pPr lvl="1">
-              <a:lnSpc>
-                <a:spcPct val="100000"/>
-              </a:lnSpc>
-              <a:buFont typeface="Wingdings" charset="2"/>
-              <a:buChar char=""/>
-            </a:pPr>
-            <a:r>
-              <a:rPr lang="de-DE" sz="1400">
-                <a:latin typeface="Arial"/>
-                <a:ea typeface="Arial"/>
-              </a:rPr>
-              <a:t>Body Level Two</a:t>
-            </a:r>
-            <a:endParaRPr/>
-          </a:p>
-          <a:p>
-            <a:pPr lvl="2">
-              <a:lnSpc>
-                <a:spcPct val="100000"/>
-              </a:lnSpc>
-              <a:buFont typeface="Wingdings" charset="2"/>
-              <a:buChar char=""/>
-            </a:pPr>
-            <a:r>
-              <a:rPr lang="de-DE" sz="1400">
-                <a:latin typeface="Arial"/>
-                <a:ea typeface="Arial"/>
-              </a:rPr>
-              <a:t>Body Level Three</a:t>
-            </a:r>
-            <a:endParaRPr/>
-          </a:p>
-          <a:p>
-            <a:pPr lvl="3">
-              <a:lnSpc>
-                <a:spcPct val="100000"/>
-              </a:lnSpc>
-              <a:buFont typeface="Wingdings" charset="2"/>
-              <a:buChar char=""/>
-            </a:pPr>
-            <a:r>
-              <a:rPr lang="de-DE" sz="1400">
-                <a:latin typeface="Arial"/>
-                <a:ea typeface="Arial"/>
-              </a:rPr>
-              <a:t>Body Level Four</a:t>
-            </a:r>
-            <a:endParaRPr/>
-          </a:p>
-          <a:p>
-            <a:pPr lvl="4">
-              <a:lnSpc>
-                <a:spcPct val="100000"/>
-              </a:lnSpc>
-              <a:buFont typeface="Wingdings" charset="2"/>
-              <a:buChar char=""/>
-            </a:pPr>
-            <a:r>
-              <a:rPr lang="de-DE" sz="1400">
-                <a:latin typeface="Arial"/>
-                <a:ea typeface="Arial"/>
-              </a:rPr>
-              <a:t>Body Level Five</a:t>
-            </a:r>
-            <a:endParaRPr/>
-          </a:p>
-        </p:txBody>
-      </p:sp>
-      <p:sp>
-        <p:nvSpPr>
-          <p:cNvPr id="60" name="PlaceHolder 11"/>
-          <p:cNvSpPr>
-            <a:spLocks noGrp="1"/>
-          </p:cNvSpPr>
-          <p:nvPr>
-            <p:ph type="sldNum"/>
-          </p:nvPr>
-        </p:nvSpPr>
-        <p:spPr>
-          <a:xfrm>
-            <a:off x="11779200" y="6551640"/>
-            <a:ext cx="412560" cy="214200"/>
-          </a:xfrm>
-          <a:prstGeom prst="rect">
-            <a:avLst/>
-          </a:prstGeom>
-        </p:spPr>
-        <p:txBody>
-          <a:bodyPr lIns="0" rIns="0" tIns="0" bIns="0" anchor="ctr"/>
-          <a:p>
+            <a:pPr lvl="6">
+              <a:buSzPct val="45000"/>
+              <a:buFont typeface="StarSymbol"/>
+              <a:buChar char=""/>
+            </a:pPr>
+            <a:r>
+              <a:rPr lang="de-DE">
+                <a:latin typeface="Arial"/>
+              </a:rPr>
+              <a:t>Siebente Gliederungsebene</a:t>
+            </a:r>
             <a:endParaRPr/>
           </a:p>
         </p:txBody>
@@ -3625,70 +3412,72 @@
       </p:grpSpPr>
       <p:sp>
         <p:nvSpPr>
-          <p:cNvPr id="95" name="TextShape 1"/>
-          <p:cNvSpPr txBox="1"/>
-          <p:nvPr/>
-        </p:nvSpPr>
-        <p:spPr>
-          <a:xfrm>
-            <a:off x="0" y="0"/>
-            <a:ext cx="10028520" cy="759240"/>
-          </a:xfrm>
-          <a:prstGeom prst="rect">
-            <a:avLst/>
-          </a:prstGeom>
-        </p:spPr>
-        <p:txBody>
-          <a:bodyPr lIns="45720" rIns="45720" tIns="45000" bIns="45000" anchor="b"/>
-          <a:p>
-            <a:pPr>
-              <a:lnSpc>
-                <a:spcPct val="100000"/>
-              </a:lnSpc>
-            </a:pPr>
-            <a:r>
-              <a:rPr b="1" lang="de-DE" sz="1600">
-                <a:latin typeface="Arial"/>
-                <a:ea typeface="Arial"/>
-              </a:rPr>
-              <a:t>Agenda</a:t>
-            </a:r>
-            <a:endParaRPr/>
-          </a:p>
-        </p:txBody>
-      </p:sp>
-      <p:sp>
-        <p:nvSpPr>
-          <p:cNvPr id="96" name="TextShape 2"/>
-          <p:cNvSpPr txBox="1"/>
-          <p:nvPr/>
-        </p:nvSpPr>
-        <p:spPr>
-          <a:xfrm>
-            <a:off x="11779200" y="6459840"/>
-            <a:ext cx="412560" cy="397800"/>
-          </a:xfrm>
-          <a:prstGeom prst="rect">
-            <a:avLst/>
-          </a:prstGeom>
-        </p:spPr>
-        <p:txBody>
-          <a:bodyPr lIns="0" rIns="0" tIns="0" bIns="0" anchor="ctr"/>
-          <a:p>
-            <a:endParaRPr/>
-          </a:p>
-        </p:txBody>
-      </p:sp>
-      <p:sp>
-        <p:nvSpPr>
-          <p:cNvPr id="97" name="CustomShape 3"/>
+          <p:cNvPr id="93" name="CustomShape 1"/>
           <p:cNvSpPr/>
           <p:nvPr/>
         </p:nvSpPr>
         <p:spPr>
           <a:xfrm>
+            <a:off x="0" y="0"/>
+            <a:ext cx="10028160" cy="758880"/>
+          </a:xfrm>
+          <a:prstGeom prst="rect">
+            <a:avLst/>
+          </a:prstGeom>
+          <a:noFill/>
+          <a:ln>
+            <a:noFill/>
+          </a:ln>
+        </p:spPr>
+        <p:txBody>
+          <a:bodyPr lIns="45720" rIns="45720" tIns="45000" bIns="45000" anchor="b"/>
+          <a:p>
+            <a:pPr>
+              <a:lnSpc>
+                <a:spcPct val="100000"/>
+              </a:lnSpc>
+            </a:pPr>
+            <a:r>
+              <a:rPr b="1" lang="de-DE" sz="1600">
+                <a:latin typeface="Arial"/>
+                <a:ea typeface="Arial"/>
+              </a:rPr>
+              <a:t>Agenda</a:t>
+            </a:r>
+            <a:endParaRPr/>
+          </a:p>
+        </p:txBody>
+      </p:sp>
+      <p:sp>
+        <p:nvSpPr>
+          <p:cNvPr id="94" name="CustomShape 2"/>
+          <p:cNvSpPr/>
+          <p:nvPr/>
+        </p:nvSpPr>
+        <p:spPr>
+          <a:xfrm>
+            <a:off x="11779200" y="6459840"/>
+            <a:ext cx="412200" cy="397440"/>
+          </a:xfrm>
+          <a:prstGeom prst="rect">
+            <a:avLst/>
+          </a:prstGeom>
+          <a:noFill/>
+          <a:ln>
+            <a:noFill/>
+          </a:ln>
+        </p:spPr>
+      </p:sp>
+      <p:sp>
+        <p:nvSpPr>
+          <p:cNvPr id="95" name="CustomShape 3"/>
+          <p:cNvSpPr/>
+          <p:nvPr/>
+        </p:nvSpPr>
+        <p:spPr>
+          <a:xfrm>
             <a:off x="690840" y="2084400"/>
-            <a:ext cx="10783080" cy="3548160"/>
+            <a:ext cx="10782720" cy="3547800"/>
           </a:xfrm>
           <a:prstGeom prst="rect">
             <a:avLst/>
@@ -3706,14 +3495,14 @@
       </p:sp>
       <p:sp>
         <p:nvSpPr>
-          <p:cNvPr id="98" name="CustomShape 4"/>
+          <p:cNvPr id="96" name="CustomShape 4"/>
           <p:cNvSpPr/>
           <p:nvPr/>
         </p:nvSpPr>
         <p:spPr>
           <a:xfrm>
             <a:off x="895320" y="3521160"/>
-            <a:ext cx="4054320" cy="393480"/>
+            <a:ext cx="4053960" cy="393120"/>
           </a:xfrm>
           <a:prstGeom prst="rect">
             <a:avLst/>
@@ -3731,7 +3520,7 @@
       </p:sp>
       <p:pic>
         <p:nvPicPr>
-          <p:cNvPr id="99" name="image6.png" descr=""/>
+          <p:cNvPr id="97" name="image6.png" descr=""/>
           <p:cNvPicPr/>
           <p:nvPr/>
         </p:nvPicPr>
@@ -3744,7 +3533,7 @@
         <p:spPr>
           <a:xfrm>
             <a:off x="7344720" y="2069280"/>
-            <a:ext cx="2683800" cy="3578400"/>
+            <a:ext cx="2683440" cy="3578040"/>
           </a:xfrm>
           <a:prstGeom prst="rect">
             <a:avLst/>
@@ -3756,14 +3545,14 @@
       </p:pic>
       <p:sp>
         <p:nvSpPr>
-          <p:cNvPr id="100" name="CustomShape 5"/>
+          <p:cNvPr id="98" name="CustomShape 5"/>
           <p:cNvSpPr/>
           <p:nvPr/>
         </p:nvSpPr>
         <p:spPr>
           <a:xfrm>
             <a:off x="1017360" y="2294280"/>
-            <a:ext cx="4114800" cy="2682360"/>
+            <a:ext cx="4114440" cy="2682000"/>
           </a:xfrm>
           <a:prstGeom prst="rect">
             <a:avLst/>
@@ -3910,14 +3699,14 @@
       </p:sp>
       <p:sp>
         <p:nvSpPr>
-          <p:cNvPr id="101" name="CustomShape 6"/>
+          <p:cNvPr id="99" name="CustomShape 6"/>
           <p:cNvSpPr/>
           <p:nvPr/>
         </p:nvSpPr>
         <p:spPr>
           <a:xfrm>
             <a:off x="690840" y="1661760"/>
-            <a:ext cx="10783080" cy="396360"/>
+            <a:ext cx="10782720" cy="396000"/>
           </a:xfrm>
           <a:prstGeom prst="rect">
             <a:avLst/>
@@ -3935,14 +3724,14 @@
       </p:sp>
       <p:sp>
         <p:nvSpPr>
-          <p:cNvPr id="102" name="CustomShape 7"/>
+          <p:cNvPr id="100" name="CustomShape 7"/>
           <p:cNvSpPr/>
           <p:nvPr/>
         </p:nvSpPr>
         <p:spPr>
           <a:xfrm>
             <a:off x="690840" y="1723320"/>
-            <a:ext cx="10783080" cy="273600"/>
+            <a:ext cx="10782720" cy="273240"/>
           </a:xfrm>
           <a:prstGeom prst="rect">
             <a:avLst/>
@@ -3983,1834 +3772,6 @@
           <p:childTnLst>
             <p:seq>
               <p:cTn id="2" nodeType="mainSeq"/>
-              <p:prevCondLst>
-                <p:cond delay="0" evt="onPrev">
-                  <p:tgtEl>
-                    <p:sldTgt/>
-                  </p:tgtEl>
-                </p:cond>
-              </p:prevCondLst>
-              <p:nextCondLst>
-                <p:cond delay="0" evt="onNext">
-                  <p:tgtEl>
-                    <p:sldTgt/>
-                  </p:tgtEl>
-                </p:cond>
-              </p:nextCondLst>
-            </p:seq>
-          </p:childTnLst>
-        </p:cTn>
-      </p:par>
-    </p:tnLst>
-  </p:timing>
-</p:sld>
-</file>
-
-<file path=ppt/slides/slide10.xml><?xml version="1.0" encoding="utf-8"?>
-<p:sld xmlns:a="http://schemas.openxmlformats.org/drawingml/2006/main" xmlns:p="http://schemas.openxmlformats.org/presentationml/2006/main" xmlns:r="http://schemas.openxmlformats.org/officeDocument/2006/relationships">
-  <p:cSld>
-    <p:spTree>
-      <p:nvGrpSpPr>
-        <p:cNvPr id="1" name=""/>
-        <p:cNvGrpSpPr/>
-        <p:nvPr/>
-      </p:nvGrpSpPr>
-      <p:grpSpPr>
-        <a:xfrm>
-          <a:off x="0" y="0"/>
-          <a:ext cx="0" cy="0"/>
-          <a:chOff x="0" y="0"/>
-          <a:chExt cx="0" cy="0"/>
-        </a:xfrm>
-      </p:grpSpPr>
-      <p:sp>
-        <p:nvSpPr>
-          <p:cNvPr id="128" name="TextShape 1"/>
-          <p:cNvSpPr txBox="1"/>
-          <p:nvPr/>
-        </p:nvSpPr>
-        <p:spPr>
-          <a:xfrm>
-            <a:off x="0" y="0"/>
-            <a:ext cx="10028520" cy="759240"/>
-          </a:xfrm>
-          <a:prstGeom prst="rect">
-            <a:avLst/>
-          </a:prstGeom>
-        </p:spPr>
-        <p:txBody>
-          <a:bodyPr lIns="0" rIns="0" tIns="0" bIns="0" anchor="b"/>
-          <a:p>
-            <a:pPr>
-              <a:lnSpc>
-                <a:spcPct val="100000"/>
-              </a:lnSpc>
-            </a:pPr>
-            <a:r>
-              <a:rPr b="1" lang="de-DE" sz="1600">
-                <a:latin typeface="Arial"/>
-                <a:ea typeface="Arial"/>
-              </a:rPr>
-              <a:t>findBestAngle</a:t>
-            </a:r>
-            <a:endParaRPr/>
-          </a:p>
-        </p:txBody>
-      </p:sp>
-      <p:sp>
-        <p:nvSpPr>
-          <p:cNvPr id="129" name="TextShape 2"/>
-          <p:cNvSpPr txBox="1"/>
-          <p:nvPr/>
-        </p:nvSpPr>
-        <p:spPr>
-          <a:xfrm>
-            <a:off x="360000" y="1080000"/>
-            <a:ext cx="11418840" cy="5084640"/>
-          </a:xfrm>
-          <a:prstGeom prst="rect">
-            <a:avLst/>
-          </a:prstGeom>
-        </p:spPr>
-        <p:txBody>
-          <a:bodyPr lIns="45720" rIns="45720" tIns="45000" bIns="45000"/>
-          <a:p>
-            <a:pPr>
-              <a:buSzPct val="45000"/>
-              <a:buFont typeface="StarSymbol"/>
-              <a:buChar char=""/>
-            </a:pPr>
-            <a:r>
-              <a:rPr lang="de-DE" sz="1400">
-                <a:latin typeface="Arial"/>
-              </a:rPr>
-              <a:t>Insert picture here</a:t>
-            </a:r>
-            <a:endParaRPr/>
-          </a:p>
-          <a:p>
-            <a:pPr>
-              <a:buSzPct val="45000"/>
-              <a:buFont typeface="StarSymbol"/>
-              <a:buChar char=""/>
-            </a:pPr>
-            <a:endParaRPr/>
-          </a:p>
-        </p:txBody>
-      </p:sp>
-      <p:sp>
-        <p:nvSpPr>
-          <p:cNvPr id="130" name="TextShape 3"/>
-          <p:cNvSpPr txBox="1"/>
-          <p:nvPr/>
-        </p:nvSpPr>
-        <p:spPr>
-          <a:xfrm>
-            <a:off x="11779200" y="6352560"/>
-            <a:ext cx="412560" cy="214200"/>
-          </a:xfrm>
-          <a:prstGeom prst="rect">
-            <a:avLst/>
-          </a:prstGeom>
-        </p:spPr>
-        <p:txBody>
-          <a:bodyPr lIns="0" rIns="0" tIns="0" bIns="0" anchor="ctr"/>
-          <a:p>
-            <a:endParaRPr/>
-          </a:p>
-        </p:txBody>
-      </p:sp>
-    </p:spTree>
-  </p:cSld>
-  <p:timing>
-    <p:tnLst>
-      <p:par>
-        <p:cTn id="19" dur="indefinite" restart="never" nodeType="tmRoot">
-          <p:childTnLst>
-            <p:seq>
-              <p:cTn id="20" nodeType="mainSeq"/>
-              <p:prevCondLst>
-                <p:cond delay="0" evt="onPrev">
-                  <p:tgtEl>
-                    <p:sldTgt/>
-                  </p:tgtEl>
-                </p:cond>
-              </p:prevCondLst>
-              <p:nextCondLst>
-                <p:cond delay="0" evt="onNext">
-                  <p:tgtEl>
-                    <p:sldTgt/>
-                  </p:tgtEl>
-                </p:cond>
-              </p:nextCondLst>
-            </p:seq>
-          </p:childTnLst>
-        </p:cTn>
-      </p:par>
-    </p:tnLst>
-  </p:timing>
-</p:sld>
-</file>
-
-<file path=ppt/slides/slide11.xml><?xml version="1.0" encoding="utf-8"?>
-<p:sld xmlns:a="http://schemas.openxmlformats.org/drawingml/2006/main" xmlns:p="http://schemas.openxmlformats.org/presentationml/2006/main" xmlns:r="http://schemas.openxmlformats.org/officeDocument/2006/relationships">
-  <p:cSld>
-    <p:spTree>
-      <p:nvGrpSpPr>
-        <p:cNvPr id="1" name=""/>
-        <p:cNvGrpSpPr/>
-        <p:nvPr/>
-      </p:nvGrpSpPr>
-      <p:grpSpPr>
-        <a:xfrm>
-          <a:off x="0" y="0"/>
-          <a:ext cx="0" cy="0"/>
-          <a:chOff x="0" y="0"/>
-          <a:chExt cx="0" cy="0"/>
-        </a:xfrm>
-      </p:grpSpPr>
-      <p:sp>
-        <p:nvSpPr>
-          <p:cNvPr id="131" name="TextShape 1"/>
-          <p:cNvSpPr txBox="1"/>
-          <p:nvPr/>
-        </p:nvSpPr>
-        <p:spPr>
-          <a:xfrm>
-            <a:off x="0" y="0"/>
-            <a:ext cx="10028520" cy="759240"/>
-          </a:xfrm>
-          <a:prstGeom prst="rect">
-            <a:avLst/>
-          </a:prstGeom>
-        </p:spPr>
-        <p:txBody>
-          <a:bodyPr lIns="0" rIns="0" tIns="0" bIns="0" anchor="b"/>
-          <a:p>
-            <a:pPr>
-              <a:lnSpc>
-                <a:spcPct val="100000"/>
-              </a:lnSpc>
-            </a:pPr>
-            <a:r>
-              <a:rPr b="1" lang="de-DE" sz="1600">
-                <a:latin typeface="Arial"/>
-                <a:ea typeface="Arial"/>
-              </a:rPr>
-              <a:t>Kidnap Recovery</a:t>
-            </a:r>
-            <a:endParaRPr/>
-          </a:p>
-        </p:txBody>
-      </p:sp>
-      <p:sp>
-        <p:nvSpPr>
-          <p:cNvPr id="132" name="TextShape 2"/>
-          <p:cNvSpPr txBox="1"/>
-          <p:nvPr/>
-        </p:nvSpPr>
-        <p:spPr>
-          <a:xfrm>
-            <a:off x="360000" y="1080000"/>
-            <a:ext cx="11418840" cy="5084640"/>
-          </a:xfrm>
-          <a:prstGeom prst="rect">
-            <a:avLst/>
-          </a:prstGeom>
-        </p:spPr>
-        <p:txBody>
-          <a:bodyPr lIns="45720" rIns="45720" tIns="45000" bIns="45000"/>
-          <a:p>
-            <a:pPr>
-              <a:lnSpc>
-                <a:spcPct val="100000"/>
-              </a:lnSpc>
-              <a:buFont typeface="Wingdings" charset="2"/>
-              <a:buChar char=""/>
-            </a:pPr>
-            <a:r>
-              <a:rPr lang="de-DE" sz="1400">
-                <a:latin typeface="Arial"/>
-                <a:ea typeface="Arial"/>
-              </a:rPr>
-              <a:t>Maze-Solving-Algorithmus:</a:t>
-            </a:r>
-            <a:endParaRPr/>
-          </a:p>
-          <a:p>
-            <a:pPr lvl="1">
-              <a:lnSpc>
-                <a:spcPct val="100000"/>
-              </a:lnSpc>
-              <a:buFont typeface="Wingdings" charset="2"/>
-              <a:buChar char=""/>
-            </a:pPr>
-            <a:r>
-              <a:rPr lang="de-DE" sz="1400">
-                <a:latin typeface="Arial"/>
-                <a:ea typeface="Arial"/>
-              </a:rPr>
-              <a:t>stopUntilStopped()</a:t>
-            </a:r>
-            <a:endParaRPr/>
-          </a:p>
-          <a:p>
-            <a:pPr lvl="1">
-              <a:lnSpc>
-                <a:spcPct val="100000"/>
-              </a:lnSpc>
-              <a:buFont typeface="Wingdings" charset="2"/>
-              <a:buChar char=""/>
-            </a:pPr>
-            <a:r>
-              <a:rPr lang="de-DE" sz="1400">
-                <a:latin typeface="Arial"/>
-                <a:ea typeface="Arial"/>
-              </a:rPr>
-              <a:t>lookAround()</a:t>
-            </a:r>
-            <a:endParaRPr/>
-          </a:p>
-          <a:p>
-            <a:pPr lvl="1">
-              <a:lnSpc>
-                <a:spcPct val="100000"/>
-              </a:lnSpc>
-              <a:buFont typeface="Wingdings" charset="2"/>
-              <a:buChar char=""/>
-            </a:pPr>
-            <a:r>
-              <a:rPr b="1" lang="de-DE" sz="1400">
-                <a:latin typeface="Arial"/>
-                <a:ea typeface="Arial"/>
-              </a:rPr>
-              <a:t>moveTowards(findBestAngle())</a:t>
-            </a:r>
-            <a:endParaRPr/>
-          </a:p>
-          <a:p>
-            <a:pPr lvl="1">
-              <a:lnSpc>
-                <a:spcPct val="100000"/>
-              </a:lnSpc>
-              <a:buFont typeface="Wingdings" charset="2"/>
-              <a:buChar char=""/>
-            </a:pPr>
-            <a:r>
-              <a:rPr lang="de-DE" sz="1400">
-                <a:latin typeface="Arial"/>
-                <a:ea typeface="Arial"/>
-              </a:rPr>
-              <a:t>rotateFrontParallel() </a:t>
-            </a:r>
-            <a:endParaRPr/>
-          </a:p>
-          <a:p>
-            <a:pPr lvl="1">
-              <a:lnSpc>
-                <a:spcPct val="100000"/>
-              </a:lnSpc>
-              <a:buFont typeface="Wingdings" charset="2"/>
-              <a:buChar char=""/>
-            </a:pPr>
-            <a:r>
-              <a:rPr lang="de-DE" sz="1400">
-                <a:latin typeface="Arial"/>
-                <a:ea typeface="Arial"/>
-              </a:rPr>
-              <a:t>moveForward()</a:t>
-            </a:r>
-            <a:endParaRPr/>
-          </a:p>
-        </p:txBody>
-      </p:sp>
-      <p:sp>
-        <p:nvSpPr>
-          <p:cNvPr id="133" name="TextShape 3"/>
-          <p:cNvSpPr txBox="1"/>
-          <p:nvPr/>
-        </p:nvSpPr>
-        <p:spPr>
-          <a:xfrm>
-            <a:off x="11779200" y="6352560"/>
-            <a:ext cx="412560" cy="214200"/>
-          </a:xfrm>
-          <a:prstGeom prst="rect">
-            <a:avLst/>
-          </a:prstGeom>
-        </p:spPr>
-        <p:txBody>
-          <a:bodyPr lIns="0" rIns="0" tIns="0" bIns="0" anchor="ctr"/>
-          <a:p>
-            <a:endParaRPr/>
-          </a:p>
-        </p:txBody>
-      </p:sp>
-    </p:spTree>
-  </p:cSld>
-  <p:timing>
-    <p:tnLst>
-      <p:par>
-        <p:cTn id="21" dur="indefinite" restart="never" nodeType="tmRoot">
-          <p:childTnLst>
-            <p:seq>
-              <p:cTn id="22" nodeType="mainSeq"/>
-              <p:prevCondLst>
-                <p:cond delay="0" evt="onPrev">
-                  <p:tgtEl>
-                    <p:sldTgt/>
-                  </p:tgtEl>
-                </p:cond>
-              </p:prevCondLst>
-              <p:nextCondLst>
-                <p:cond delay="0" evt="onNext">
-                  <p:tgtEl>
-                    <p:sldTgt/>
-                  </p:tgtEl>
-                </p:cond>
-              </p:nextCondLst>
-            </p:seq>
-          </p:childTnLst>
-        </p:cTn>
-      </p:par>
-    </p:tnLst>
-  </p:timing>
-</p:sld>
-</file>
-
-<file path=ppt/slides/slide12.xml><?xml version="1.0" encoding="utf-8"?>
-<p:sld xmlns:a="http://schemas.openxmlformats.org/drawingml/2006/main" xmlns:p="http://schemas.openxmlformats.org/presentationml/2006/main" xmlns:r="http://schemas.openxmlformats.org/officeDocument/2006/relationships">
-  <p:cSld>
-    <p:spTree>
-      <p:nvGrpSpPr>
-        <p:cNvPr id="1" name=""/>
-        <p:cNvGrpSpPr/>
-        <p:nvPr/>
-      </p:nvGrpSpPr>
-      <p:grpSpPr>
-        <a:xfrm>
-          <a:off x="0" y="0"/>
-          <a:ext cx="0" cy="0"/>
-          <a:chOff x="0" y="0"/>
-          <a:chExt cx="0" cy="0"/>
-        </a:xfrm>
-      </p:grpSpPr>
-      <p:sp>
-        <p:nvSpPr>
-          <p:cNvPr id="134" name="TextShape 1"/>
-          <p:cNvSpPr txBox="1"/>
-          <p:nvPr/>
-        </p:nvSpPr>
-        <p:spPr>
-          <a:xfrm>
-            <a:off x="0" y="0"/>
-            <a:ext cx="10028520" cy="759240"/>
-          </a:xfrm>
-          <a:prstGeom prst="rect">
-            <a:avLst/>
-          </a:prstGeom>
-        </p:spPr>
-        <p:txBody>
-          <a:bodyPr lIns="0" rIns="0" tIns="0" bIns="0" anchor="b"/>
-          <a:p>
-            <a:pPr>
-              <a:lnSpc>
-                <a:spcPct val="100000"/>
-              </a:lnSpc>
-            </a:pPr>
-            <a:r>
-              <a:rPr b="1" lang="de-DE" sz="1600">
-                <a:latin typeface="Arial"/>
-                <a:ea typeface="Arial"/>
-              </a:rPr>
-              <a:t>moveTowards()</a:t>
-            </a:r>
-            <a:endParaRPr/>
-          </a:p>
-        </p:txBody>
-      </p:sp>
-      <p:sp>
-        <p:nvSpPr>
-          <p:cNvPr id="135" name="TextShape 2"/>
-          <p:cNvSpPr txBox="1"/>
-          <p:nvPr/>
-        </p:nvSpPr>
-        <p:spPr>
-          <a:xfrm>
-            <a:off x="360000" y="1080000"/>
-            <a:ext cx="11418840" cy="5084640"/>
-          </a:xfrm>
-          <a:prstGeom prst="rect">
-            <a:avLst/>
-          </a:prstGeom>
-        </p:spPr>
-        <p:txBody>
-          <a:bodyPr lIns="45720" rIns="45720" tIns="45000" bIns="45000"/>
-          <a:p>
-            <a:pPr>
-              <a:buSzPct val="45000"/>
-              <a:buFont typeface="StarSymbol"/>
-              <a:buChar char=""/>
-            </a:pPr>
-            <a:r>
-              <a:rPr lang="de-DE" sz="1400">
-                <a:latin typeface="Arial"/>
-              </a:rPr>
-              <a:t>Geschwindigkeitsbereiche picture here</a:t>
-            </a:r>
-            <a:endParaRPr/>
-          </a:p>
-          <a:p>
-            <a:pPr>
-              <a:buSzPct val="45000"/>
-              <a:buFont typeface="StarSymbol"/>
-              <a:buChar char=""/>
-            </a:pPr>
-            <a:r>
-              <a:rPr lang="de-DE" sz="1400">
-                <a:latin typeface="Arial"/>
-              </a:rPr>
-              <a:t>Roboter rotiert sich um </a:t>
-            </a:r>
-            <a:r>
-              <a:rPr b="1" lang="de-DE" sz="1400">
-                <a:latin typeface="Arial"/>
-              </a:rPr>
-              <a:t>bestAngle</a:t>
-            </a:r>
-            <a:endParaRPr/>
-          </a:p>
-          <a:p>
-            <a:pPr algn="just">
-              <a:buSzPct val="45000"/>
-              <a:buFont typeface="StarSymbol"/>
-              <a:buChar char=""/>
-            </a:pPr>
-            <a:r>
-              <a:rPr lang="de-DE" sz="1400">
-                <a:latin typeface="Arial"/>
-              </a:rPr>
-              <a:t>Roboter fährt nur bis </a:t>
-            </a:r>
-            <a:r>
-              <a:rPr b="1" lang="de-DE" sz="1400">
-                <a:latin typeface="Arial"/>
-              </a:rPr>
-              <a:t>&lt; Slow-Bereich</a:t>
-            </a:r>
-            <a:endParaRPr/>
-          </a:p>
-        </p:txBody>
-      </p:sp>
-      <p:sp>
-        <p:nvSpPr>
-          <p:cNvPr id="136" name="TextShape 3"/>
-          <p:cNvSpPr txBox="1"/>
-          <p:nvPr/>
-        </p:nvSpPr>
-        <p:spPr>
-          <a:xfrm>
-            <a:off x="11779200" y="6352560"/>
-            <a:ext cx="412560" cy="214200"/>
-          </a:xfrm>
-          <a:prstGeom prst="rect">
-            <a:avLst/>
-          </a:prstGeom>
-        </p:spPr>
-        <p:txBody>
-          <a:bodyPr lIns="0" rIns="0" tIns="0" bIns="0" anchor="ctr"/>
-          <a:p>
-            <a:endParaRPr/>
-          </a:p>
-        </p:txBody>
-      </p:sp>
-    </p:spTree>
-  </p:cSld>
-  <p:timing>
-    <p:tnLst>
-      <p:par>
-        <p:cTn id="23" dur="indefinite" restart="never" nodeType="tmRoot">
-          <p:childTnLst>
-            <p:seq>
-              <p:cTn id="24" nodeType="mainSeq"/>
-              <p:prevCondLst>
-                <p:cond delay="0" evt="onPrev">
-                  <p:tgtEl>
-                    <p:sldTgt/>
-                  </p:tgtEl>
-                </p:cond>
-              </p:prevCondLst>
-              <p:nextCondLst>
-                <p:cond delay="0" evt="onNext">
-                  <p:tgtEl>
-                    <p:sldTgt/>
-                  </p:tgtEl>
-                </p:cond>
-              </p:nextCondLst>
-            </p:seq>
-          </p:childTnLst>
-        </p:cTn>
-      </p:par>
-    </p:tnLst>
-  </p:timing>
-</p:sld>
-</file>
-
-<file path=ppt/slides/slide13.xml><?xml version="1.0" encoding="utf-8"?>
-<p:sld xmlns:a="http://schemas.openxmlformats.org/drawingml/2006/main" xmlns:p="http://schemas.openxmlformats.org/presentationml/2006/main" xmlns:r="http://schemas.openxmlformats.org/officeDocument/2006/relationships">
-  <p:cSld>
-    <p:spTree>
-      <p:nvGrpSpPr>
-        <p:cNvPr id="1" name=""/>
-        <p:cNvGrpSpPr/>
-        <p:nvPr/>
-      </p:nvGrpSpPr>
-      <p:grpSpPr>
-        <a:xfrm>
-          <a:off x="0" y="0"/>
-          <a:ext cx="0" cy="0"/>
-          <a:chOff x="0" y="0"/>
-          <a:chExt cx="0" cy="0"/>
-        </a:xfrm>
-      </p:grpSpPr>
-      <p:sp>
-        <p:nvSpPr>
-          <p:cNvPr id="137" name="TextShape 1"/>
-          <p:cNvSpPr txBox="1"/>
-          <p:nvPr/>
-        </p:nvSpPr>
-        <p:spPr>
-          <a:xfrm>
-            <a:off x="0" y="0"/>
-            <a:ext cx="10028520" cy="759240"/>
-          </a:xfrm>
-          <a:prstGeom prst="rect">
-            <a:avLst/>
-          </a:prstGeom>
-        </p:spPr>
-        <p:txBody>
-          <a:bodyPr lIns="0" rIns="0" tIns="0" bIns="0" anchor="b"/>
-          <a:p>
-            <a:pPr>
-              <a:lnSpc>
-                <a:spcPct val="100000"/>
-              </a:lnSpc>
-            </a:pPr>
-            <a:r>
-              <a:rPr b="1" lang="de-DE" sz="1600">
-                <a:latin typeface="Arial"/>
-                <a:ea typeface="Arial"/>
-              </a:rPr>
-              <a:t>Kidnap Recovery</a:t>
-            </a:r>
-            <a:endParaRPr/>
-          </a:p>
-        </p:txBody>
-      </p:sp>
-      <p:sp>
-        <p:nvSpPr>
-          <p:cNvPr id="138" name="TextShape 2"/>
-          <p:cNvSpPr txBox="1"/>
-          <p:nvPr/>
-        </p:nvSpPr>
-        <p:spPr>
-          <a:xfrm>
-            <a:off x="360000" y="1080000"/>
-            <a:ext cx="11418840" cy="5084640"/>
-          </a:xfrm>
-          <a:prstGeom prst="rect">
-            <a:avLst/>
-          </a:prstGeom>
-        </p:spPr>
-        <p:txBody>
-          <a:bodyPr lIns="45720" rIns="45720" tIns="45000" bIns="45000"/>
-          <a:p>
-            <a:pPr>
-              <a:lnSpc>
-                <a:spcPct val="100000"/>
-              </a:lnSpc>
-              <a:buFont typeface="Wingdings" charset="2"/>
-              <a:buChar char=""/>
-            </a:pPr>
-            <a:r>
-              <a:rPr lang="de-DE" sz="1400">
-                <a:latin typeface="Arial"/>
-                <a:ea typeface="Arial"/>
-              </a:rPr>
-              <a:t>Maze-Solving-Algorithmus:</a:t>
-            </a:r>
-            <a:endParaRPr/>
-          </a:p>
-          <a:p>
-            <a:pPr lvl="1">
-              <a:lnSpc>
-                <a:spcPct val="100000"/>
-              </a:lnSpc>
-              <a:buFont typeface="Wingdings" charset="2"/>
-              <a:buChar char=""/>
-            </a:pPr>
-            <a:r>
-              <a:rPr lang="de-DE" sz="1400">
-                <a:latin typeface="Arial"/>
-                <a:ea typeface="Arial"/>
-              </a:rPr>
-              <a:t>stopUntilStopped()</a:t>
-            </a:r>
-            <a:endParaRPr/>
-          </a:p>
-          <a:p>
-            <a:pPr lvl="1">
-              <a:lnSpc>
-                <a:spcPct val="100000"/>
-              </a:lnSpc>
-              <a:buFont typeface="Wingdings" charset="2"/>
-              <a:buChar char=""/>
-            </a:pPr>
-            <a:r>
-              <a:rPr lang="de-DE" sz="1400">
-                <a:latin typeface="Arial"/>
-                <a:ea typeface="Arial"/>
-              </a:rPr>
-              <a:t>lookAround()</a:t>
-            </a:r>
-            <a:endParaRPr/>
-          </a:p>
-          <a:p>
-            <a:pPr lvl="1">
-              <a:lnSpc>
-                <a:spcPct val="100000"/>
-              </a:lnSpc>
-              <a:buFont typeface="Wingdings" charset="2"/>
-              <a:buChar char=""/>
-            </a:pPr>
-            <a:r>
-              <a:rPr lang="de-DE" sz="1400">
-                <a:latin typeface="Arial"/>
-                <a:ea typeface="Arial"/>
-              </a:rPr>
-              <a:t>moveTowards(findBestAngle())</a:t>
-            </a:r>
-            <a:endParaRPr/>
-          </a:p>
-          <a:p>
-            <a:pPr lvl="1">
-              <a:lnSpc>
-                <a:spcPct val="100000"/>
-              </a:lnSpc>
-              <a:buFont typeface="Wingdings" charset="2"/>
-              <a:buChar char=""/>
-            </a:pPr>
-            <a:r>
-              <a:rPr b="1" lang="de-DE" sz="1400">
-                <a:latin typeface="Arial"/>
-                <a:ea typeface="Arial"/>
-              </a:rPr>
-              <a:t>rotateFrontParallel() </a:t>
-            </a:r>
-            <a:endParaRPr/>
-          </a:p>
-          <a:p>
-            <a:pPr lvl="1">
-              <a:lnSpc>
-                <a:spcPct val="100000"/>
-              </a:lnSpc>
-              <a:buFont typeface="Wingdings" charset="2"/>
-              <a:buChar char=""/>
-            </a:pPr>
-            <a:r>
-              <a:rPr lang="de-DE" sz="1400">
-                <a:latin typeface="Arial"/>
-                <a:ea typeface="Arial"/>
-              </a:rPr>
-              <a:t>moveForward()</a:t>
-            </a:r>
-            <a:endParaRPr/>
-          </a:p>
-        </p:txBody>
-      </p:sp>
-      <p:sp>
-        <p:nvSpPr>
-          <p:cNvPr id="139" name="TextShape 3"/>
-          <p:cNvSpPr txBox="1"/>
-          <p:nvPr/>
-        </p:nvSpPr>
-        <p:spPr>
-          <a:xfrm>
-            <a:off x="11779200" y="6352560"/>
-            <a:ext cx="412560" cy="214200"/>
-          </a:xfrm>
-          <a:prstGeom prst="rect">
-            <a:avLst/>
-          </a:prstGeom>
-        </p:spPr>
-        <p:txBody>
-          <a:bodyPr lIns="0" rIns="0" tIns="0" bIns="0" anchor="ctr"/>
-          <a:p>
-            <a:endParaRPr/>
-          </a:p>
-        </p:txBody>
-      </p:sp>
-    </p:spTree>
-  </p:cSld>
-  <p:timing>
-    <p:tnLst>
-      <p:par>
-        <p:cTn id="25" dur="indefinite" restart="never" nodeType="tmRoot">
-          <p:childTnLst>
-            <p:seq>
-              <p:cTn id="26" nodeType="mainSeq"/>
-              <p:prevCondLst>
-                <p:cond delay="0" evt="onPrev">
-                  <p:tgtEl>
-                    <p:sldTgt/>
-                  </p:tgtEl>
-                </p:cond>
-              </p:prevCondLst>
-              <p:nextCondLst>
-                <p:cond delay="0" evt="onNext">
-                  <p:tgtEl>
-                    <p:sldTgt/>
-                  </p:tgtEl>
-                </p:cond>
-              </p:nextCondLst>
-            </p:seq>
-          </p:childTnLst>
-        </p:cTn>
-      </p:par>
-    </p:tnLst>
-  </p:timing>
-</p:sld>
-</file>
-
-<file path=ppt/slides/slide14.xml><?xml version="1.0" encoding="utf-8"?>
-<p:sld xmlns:a="http://schemas.openxmlformats.org/drawingml/2006/main" xmlns:p="http://schemas.openxmlformats.org/presentationml/2006/main" xmlns:r="http://schemas.openxmlformats.org/officeDocument/2006/relationships">
-  <p:cSld>
-    <p:spTree>
-      <p:nvGrpSpPr>
-        <p:cNvPr id="1" name=""/>
-        <p:cNvGrpSpPr/>
-        <p:nvPr/>
-      </p:nvGrpSpPr>
-      <p:grpSpPr>
-        <a:xfrm>
-          <a:off x="0" y="0"/>
-          <a:ext cx="0" cy="0"/>
-          <a:chOff x="0" y="0"/>
-          <a:chExt cx="0" cy="0"/>
-        </a:xfrm>
-      </p:grpSpPr>
-      <p:sp>
-        <p:nvSpPr>
-          <p:cNvPr id="140" name="TextShape 1"/>
-          <p:cNvSpPr txBox="1"/>
-          <p:nvPr/>
-        </p:nvSpPr>
-        <p:spPr>
-          <a:xfrm>
-            <a:off x="0" y="0"/>
-            <a:ext cx="10028520" cy="759240"/>
-          </a:xfrm>
-          <a:prstGeom prst="rect">
-            <a:avLst/>
-          </a:prstGeom>
-        </p:spPr>
-        <p:txBody>
-          <a:bodyPr lIns="0" rIns="0" tIns="0" bIns="0" anchor="b"/>
-          <a:p>
-            <a:pPr>
-              <a:lnSpc>
-                <a:spcPct val="100000"/>
-              </a:lnSpc>
-            </a:pPr>
-            <a:r>
-              <a:rPr b="1" lang="de-DE" sz="1600">
-                <a:latin typeface="Arial"/>
-                <a:ea typeface="Arial"/>
-              </a:rPr>
-              <a:t>rotateFrontParallel()</a:t>
-            </a:r>
-            <a:endParaRPr/>
-          </a:p>
-        </p:txBody>
-      </p:sp>
-      <p:sp>
-        <p:nvSpPr>
-          <p:cNvPr id="141" name="TextShape 2"/>
-          <p:cNvSpPr txBox="1"/>
-          <p:nvPr/>
-        </p:nvSpPr>
-        <p:spPr>
-          <a:xfrm>
-            <a:off x="360000" y="1080000"/>
-            <a:ext cx="11418840" cy="5084640"/>
-          </a:xfrm>
-          <a:prstGeom prst="rect">
-            <a:avLst/>
-          </a:prstGeom>
-        </p:spPr>
-        <p:txBody>
-          <a:bodyPr lIns="45720" rIns="45720" tIns="45000" bIns="45000"/>
-          <a:p>
-            <a:pPr>
-              <a:buSzPct val="45000"/>
-              <a:buFont typeface="StarSymbol"/>
-              <a:buChar char=""/>
-            </a:pPr>
-            <a:r>
-              <a:rPr lang="de-DE" sz="1400">
-                <a:latin typeface="Arial"/>
-              </a:rPr>
-              <a:t>rotate(float degree)</a:t>
-            </a:r>
-            <a:endParaRPr/>
-          </a:p>
-          <a:p>
-            <a:pPr lvl="1">
-              <a:buSzPct val="75000"/>
-              <a:buFont typeface="StarSymbol"/>
-              <a:buChar char=""/>
-            </a:pPr>
-            <a:r>
-              <a:rPr lang="de-DE" sz="1400">
-                <a:latin typeface="Arial"/>
-              </a:rPr>
-              <a:t>Benutzt die Informationen von /slam_out_pose</a:t>
-            </a:r>
-            <a:r>
-              <a:rPr lang="de-DE" sz="1400">
-                <a:latin typeface="Arial"/>
-              </a:rPr>
-              <a:t>
-</a:t>
-            </a:r>
-            <a:r>
-              <a:rPr lang="de-DE" sz="1400">
-                <a:latin typeface="Arial"/>
-              </a:rPr>
-              <a:t>
-</a:t>
-            </a:r>
-            <a:r>
-              <a:rPr lang="de-DE" sz="1400">
-                <a:latin typeface="Arial"/>
-              </a:rPr>
-              <a:t>
-</a:t>
-            </a:r>
-            <a:r>
-              <a:rPr lang="de-DE" sz="1400">
-                <a:latin typeface="Arial"/>
-              </a:rPr>
-              <a:t>
-</a:t>
-            </a:r>
-            <a:r>
-              <a:rPr lang="de-DE" sz="1400">
-                <a:latin typeface="Arial"/>
-              </a:rPr>
-              <a:t>
-</a:t>
-            </a:r>
-            <a:r>
-              <a:rPr lang="de-DE" sz="1400">
-                <a:latin typeface="Arial"/>
-              </a:rPr>
-              <a:t>
-</a:t>
-            </a:r>
-            <a:r>
-              <a:rPr lang="de-DE" sz="1400">
-                <a:latin typeface="Arial"/>
-              </a:rPr>
-              <a:t>
-</a:t>
-            </a:r>
-            <a:r>
-              <a:rPr lang="de-DE" sz="1400">
-                <a:latin typeface="Arial"/>
-              </a:rPr>
-              <a:t>
-</a:t>
-            </a:r>
-            <a:r>
-              <a:rPr lang="de-DE" sz="1400">
-                <a:latin typeface="Arial"/>
-              </a:rPr>
-              <a:t>
-</a:t>
-            </a:r>
-            <a:r>
-              <a:rPr lang="de-DE" sz="1400">
-                <a:latin typeface="Arial"/>
-              </a:rPr>
-              <a:t>
-</a:t>
-            </a:r>
-            <a:r>
-              <a:rPr lang="de-DE" sz="1400">
-                <a:latin typeface="Arial"/>
-              </a:rPr>
-              <a:t>
-</a:t>
-            </a:r>
-            <a:r>
-              <a:rPr lang="de-DE" sz="1400">
-                <a:latin typeface="Arial"/>
-              </a:rPr>
-              <a:t>
-</a:t>
-            </a:r>
-            <a:r>
-              <a:rPr lang="de-DE" sz="1400">
-                <a:latin typeface="Arial"/>
-              </a:rPr>
-              <a:t>
-</a:t>
-            </a:r>
-            <a:endParaRPr/>
-          </a:p>
-          <a:p>
-            <a:pPr lvl="1">
-              <a:buSzPct val="75000"/>
-              <a:buFont typeface="StarSymbol"/>
-              <a:buChar char=""/>
-            </a:pPr>
-            <a:r>
-              <a:rPr lang="de-DE" sz="1400">
-                <a:latin typeface="Arial"/>
-              </a:rPr>
-              <a:t>Mehr akkurat im Vergleich zu Timestamp (wegen ungleicher Ebene, und Beschleunigungen)</a:t>
-            </a:r>
-            <a:endParaRPr/>
-          </a:p>
-          <a:p>
-            <a:pPr>
-              <a:buSzPct val="45000"/>
-              <a:buFont typeface="StarSymbol"/>
-              <a:buChar char=""/>
-            </a:pPr>
-            <a:endParaRPr/>
-          </a:p>
-        </p:txBody>
-      </p:sp>
-      <p:sp>
-        <p:nvSpPr>
-          <p:cNvPr id="142" name="TextShape 3"/>
-          <p:cNvSpPr txBox="1"/>
-          <p:nvPr/>
-        </p:nvSpPr>
-        <p:spPr>
-          <a:xfrm>
-            <a:off x="11779200" y="6352560"/>
-            <a:ext cx="412560" cy="214200"/>
-          </a:xfrm>
-          <a:prstGeom prst="rect">
-            <a:avLst/>
-          </a:prstGeom>
-        </p:spPr>
-        <p:txBody>
-          <a:bodyPr lIns="0" rIns="0" tIns="0" bIns="0" anchor="ctr"/>
-          <a:p>
-            <a:endParaRPr/>
-          </a:p>
-        </p:txBody>
-      </p:sp>
-    </p:spTree>
-  </p:cSld>
-  <p:timing>
-    <p:tnLst>
-      <p:par>
-        <p:cTn id="27" dur="indefinite" restart="never" nodeType="tmRoot">
-          <p:childTnLst>
-            <p:seq>
-              <p:cTn id="28" nodeType="mainSeq"/>
-              <p:prevCondLst>
-                <p:cond delay="0" evt="onPrev">
-                  <p:tgtEl>
-                    <p:sldTgt/>
-                  </p:tgtEl>
-                </p:cond>
-              </p:prevCondLst>
-              <p:nextCondLst>
-                <p:cond delay="0" evt="onNext">
-                  <p:tgtEl>
-                    <p:sldTgt/>
-                  </p:tgtEl>
-                </p:cond>
-              </p:nextCondLst>
-            </p:seq>
-          </p:childTnLst>
-        </p:cTn>
-      </p:par>
-    </p:tnLst>
-  </p:timing>
-</p:sld>
-</file>
-
-<file path=ppt/slides/slide15.xml><?xml version="1.0" encoding="utf-8"?>
-<p:sld xmlns:a="http://schemas.openxmlformats.org/drawingml/2006/main" xmlns:p="http://schemas.openxmlformats.org/presentationml/2006/main" xmlns:r="http://schemas.openxmlformats.org/officeDocument/2006/relationships">
-  <p:cSld>
-    <p:spTree>
-      <p:nvGrpSpPr>
-        <p:cNvPr id="1" name=""/>
-        <p:cNvGrpSpPr/>
-        <p:nvPr/>
-      </p:nvGrpSpPr>
-      <p:grpSpPr>
-        <a:xfrm>
-          <a:off x="0" y="0"/>
-          <a:ext cx="0" cy="0"/>
-          <a:chOff x="0" y="0"/>
-          <a:chExt cx="0" cy="0"/>
-        </a:xfrm>
-      </p:grpSpPr>
-      <p:sp>
-        <p:nvSpPr>
-          <p:cNvPr id="143" name="TextShape 1"/>
-          <p:cNvSpPr txBox="1"/>
-          <p:nvPr/>
-        </p:nvSpPr>
-        <p:spPr>
-          <a:xfrm>
-            <a:off x="0" y="0"/>
-            <a:ext cx="10028520" cy="759240"/>
-          </a:xfrm>
-          <a:prstGeom prst="rect">
-            <a:avLst/>
-          </a:prstGeom>
-        </p:spPr>
-        <p:txBody>
-          <a:bodyPr lIns="0" rIns="0" tIns="0" bIns="0" anchor="b"/>
-          <a:p>
-            <a:pPr>
-              <a:lnSpc>
-                <a:spcPct val="100000"/>
-              </a:lnSpc>
-            </a:pPr>
-            <a:r>
-              <a:rPr b="1" lang="de-DE" sz="1600">
-                <a:latin typeface="Arial"/>
-                <a:ea typeface="Arial"/>
-              </a:rPr>
-              <a:t>rotateFrontParallel()</a:t>
-            </a:r>
-            <a:endParaRPr/>
-          </a:p>
-        </p:txBody>
-      </p:sp>
-      <p:sp>
-        <p:nvSpPr>
-          <p:cNvPr id="144" name="TextShape 2"/>
-          <p:cNvSpPr txBox="1"/>
-          <p:nvPr/>
-        </p:nvSpPr>
-        <p:spPr>
-          <a:xfrm>
-            <a:off x="360000" y="1080000"/>
-            <a:ext cx="11418840" cy="5084640"/>
-          </a:xfrm>
-          <a:prstGeom prst="rect">
-            <a:avLst/>
-          </a:prstGeom>
-        </p:spPr>
-        <p:txBody>
-          <a:bodyPr lIns="45720" rIns="45720" tIns="45000" bIns="45000"/>
-          <a:p>
-            <a:pPr>
-              <a:buSzPct val="45000"/>
-              <a:buFont typeface="StarSymbol"/>
-              <a:buChar char=""/>
-            </a:pPr>
-            <a:r>
-              <a:rPr lang="de-DE" sz="1400">
-                <a:latin typeface="Arial"/>
-              </a:rPr>
-              <a:t>Parallel-Alignment:</a:t>
-            </a:r>
-            <a:endParaRPr/>
-          </a:p>
-          <a:p>
-            <a:pPr lvl="1">
-              <a:buSzPct val="75000"/>
-              <a:buFont typeface="StarSymbol"/>
-              <a:buChar char=""/>
-            </a:pPr>
-            <a:r>
-              <a:rPr lang="de-DE" sz="1400">
-                <a:latin typeface="Arial"/>
-              </a:rPr>
-              <a:t>Suche die relevanten Punktwolken</a:t>
-            </a:r>
-            <a:endParaRPr/>
-          </a:p>
-          <a:p>
-            <a:pPr lvl="1">
-              <a:buSzPct val="75000"/>
-              <a:buFont typeface="StarSymbol"/>
-              <a:buChar char=""/>
-            </a:pPr>
-            <a:r>
-              <a:rPr lang="de-DE" sz="1400">
-                <a:latin typeface="Arial"/>
-              </a:rPr>
-              <a:t>Average von der unteren Gruppe und oberen Gruppe wird berechnet. Dies wird dann genutzt zur Bestimmung von der parallelen Linie.</a:t>
-            </a:r>
-            <a:endParaRPr/>
-          </a:p>
-          <a:p>
-            <a:pPr lvl="1">
-              <a:buSzPct val="75000"/>
-              <a:buFont typeface="StarSymbol"/>
-              <a:buChar char=""/>
-            </a:pPr>
-            <a:r>
-              <a:rPr lang="de-DE" sz="1400">
-                <a:latin typeface="Arial"/>
-              </a:rPr>
-              <a:t>Berechnung des Winkels</a:t>
-            </a:r>
-            <a:endParaRPr/>
-          </a:p>
-        </p:txBody>
-      </p:sp>
-      <p:sp>
-        <p:nvSpPr>
-          <p:cNvPr id="145" name="TextShape 3"/>
-          <p:cNvSpPr txBox="1"/>
-          <p:nvPr/>
-        </p:nvSpPr>
-        <p:spPr>
-          <a:xfrm>
-            <a:off x="11779200" y="6352560"/>
-            <a:ext cx="412560" cy="214200"/>
-          </a:xfrm>
-          <a:prstGeom prst="rect">
-            <a:avLst/>
-          </a:prstGeom>
-        </p:spPr>
-        <p:txBody>
-          <a:bodyPr lIns="0" rIns="0" tIns="0" bIns="0" anchor="ctr"/>
-          <a:p>
-            <a:endParaRPr/>
-          </a:p>
-        </p:txBody>
-      </p:sp>
-    </p:spTree>
-  </p:cSld>
-  <p:timing>
-    <p:tnLst>
-      <p:par>
-        <p:cTn id="29" dur="indefinite" restart="never" nodeType="tmRoot">
-          <p:childTnLst>
-            <p:seq>
-              <p:cTn id="30" nodeType="mainSeq"/>
-              <p:prevCondLst>
-                <p:cond delay="0" evt="onPrev">
-                  <p:tgtEl>
-                    <p:sldTgt/>
-                  </p:tgtEl>
-                </p:cond>
-              </p:prevCondLst>
-              <p:nextCondLst>
-                <p:cond delay="0" evt="onNext">
-                  <p:tgtEl>
-                    <p:sldTgt/>
-                  </p:tgtEl>
-                </p:cond>
-              </p:nextCondLst>
-            </p:seq>
-          </p:childTnLst>
-        </p:cTn>
-      </p:par>
-    </p:tnLst>
-  </p:timing>
-</p:sld>
-</file>
-
-<file path=ppt/slides/slide16.xml><?xml version="1.0" encoding="utf-8"?>
-<p:sld xmlns:a="http://schemas.openxmlformats.org/drawingml/2006/main" xmlns:p="http://schemas.openxmlformats.org/presentationml/2006/main" xmlns:r="http://schemas.openxmlformats.org/officeDocument/2006/relationships">
-  <p:cSld>
-    <p:spTree>
-      <p:nvGrpSpPr>
-        <p:cNvPr id="1" name=""/>
-        <p:cNvGrpSpPr/>
-        <p:nvPr/>
-      </p:nvGrpSpPr>
-      <p:grpSpPr>
-        <a:xfrm>
-          <a:off x="0" y="0"/>
-          <a:ext cx="0" cy="0"/>
-          <a:chOff x="0" y="0"/>
-          <a:chExt cx="0" cy="0"/>
-        </a:xfrm>
-      </p:grpSpPr>
-      <p:sp>
-        <p:nvSpPr>
-          <p:cNvPr id="146" name="TextShape 1"/>
-          <p:cNvSpPr txBox="1"/>
-          <p:nvPr/>
-        </p:nvSpPr>
-        <p:spPr>
-          <a:xfrm>
-            <a:off x="0" y="0"/>
-            <a:ext cx="10028520" cy="759240"/>
-          </a:xfrm>
-          <a:prstGeom prst="rect">
-            <a:avLst/>
-          </a:prstGeom>
-        </p:spPr>
-        <p:txBody>
-          <a:bodyPr lIns="0" rIns="0" tIns="0" bIns="0" anchor="b"/>
-          <a:p>
-            <a:pPr>
-              <a:lnSpc>
-                <a:spcPct val="100000"/>
-              </a:lnSpc>
-            </a:pPr>
-            <a:r>
-              <a:rPr b="1" lang="de-DE" sz="1600">
-                <a:latin typeface="Arial"/>
-                <a:ea typeface="Arial"/>
-              </a:rPr>
-              <a:t>Kidnap Recovery</a:t>
-            </a:r>
-            <a:endParaRPr/>
-          </a:p>
-        </p:txBody>
-      </p:sp>
-      <p:sp>
-        <p:nvSpPr>
-          <p:cNvPr id="147" name="TextShape 2"/>
-          <p:cNvSpPr txBox="1"/>
-          <p:nvPr/>
-        </p:nvSpPr>
-        <p:spPr>
-          <a:xfrm>
-            <a:off x="360000" y="1080000"/>
-            <a:ext cx="11418840" cy="5084640"/>
-          </a:xfrm>
-          <a:prstGeom prst="rect">
-            <a:avLst/>
-          </a:prstGeom>
-        </p:spPr>
-        <p:txBody>
-          <a:bodyPr lIns="45720" rIns="45720" tIns="45000" bIns="45000"/>
-          <a:p>
-            <a:pPr>
-              <a:lnSpc>
-                <a:spcPct val="100000"/>
-              </a:lnSpc>
-              <a:buFont typeface="Wingdings" charset="2"/>
-              <a:buChar char=""/>
-            </a:pPr>
-            <a:r>
-              <a:rPr lang="de-DE" sz="1400">
-                <a:latin typeface="Arial"/>
-                <a:ea typeface="Arial"/>
-              </a:rPr>
-              <a:t>Maze-Solving-Algorithmus:</a:t>
-            </a:r>
-            <a:endParaRPr/>
-          </a:p>
-          <a:p>
-            <a:pPr lvl="1">
-              <a:lnSpc>
-                <a:spcPct val="100000"/>
-              </a:lnSpc>
-              <a:buFont typeface="Wingdings" charset="2"/>
-              <a:buChar char=""/>
-            </a:pPr>
-            <a:r>
-              <a:rPr lang="de-DE" sz="1400">
-                <a:latin typeface="Arial"/>
-                <a:ea typeface="Arial"/>
-              </a:rPr>
-              <a:t>stopUntilStopped()</a:t>
-            </a:r>
-            <a:endParaRPr/>
-          </a:p>
-          <a:p>
-            <a:pPr lvl="1">
-              <a:lnSpc>
-                <a:spcPct val="100000"/>
-              </a:lnSpc>
-              <a:buFont typeface="Wingdings" charset="2"/>
-              <a:buChar char=""/>
-            </a:pPr>
-            <a:r>
-              <a:rPr lang="de-DE" sz="1400">
-                <a:latin typeface="Arial"/>
-                <a:ea typeface="Arial"/>
-              </a:rPr>
-              <a:t>lookAround()</a:t>
-            </a:r>
-            <a:endParaRPr/>
-          </a:p>
-          <a:p>
-            <a:pPr lvl="1">
-              <a:lnSpc>
-                <a:spcPct val="100000"/>
-              </a:lnSpc>
-              <a:buFont typeface="Wingdings" charset="2"/>
-              <a:buChar char=""/>
-            </a:pPr>
-            <a:r>
-              <a:rPr lang="de-DE" sz="1400">
-                <a:latin typeface="Arial"/>
-                <a:ea typeface="Arial"/>
-              </a:rPr>
-              <a:t>moveTowards(findBestAngle())</a:t>
-            </a:r>
-            <a:endParaRPr/>
-          </a:p>
-          <a:p>
-            <a:pPr lvl="1">
-              <a:lnSpc>
-                <a:spcPct val="100000"/>
-              </a:lnSpc>
-              <a:buFont typeface="Wingdings" charset="2"/>
-              <a:buChar char=""/>
-            </a:pPr>
-            <a:r>
-              <a:rPr lang="de-DE" sz="1400">
-                <a:latin typeface="Arial"/>
-                <a:ea typeface="Arial"/>
-              </a:rPr>
-              <a:t>rotateFrontParallel() </a:t>
-            </a:r>
-            <a:endParaRPr/>
-          </a:p>
-          <a:p>
-            <a:pPr lvl="1">
-              <a:lnSpc>
-                <a:spcPct val="100000"/>
-              </a:lnSpc>
-              <a:buFont typeface="Wingdings" charset="2"/>
-              <a:buChar char=""/>
-            </a:pPr>
-            <a:r>
-              <a:rPr b="1" lang="de-DE" sz="1400">
-                <a:latin typeface="Arial"/>
-                <a:ea typeface="Arial"/>
-              </a:rPr>
-              <a:t>moveForward()</a:t>
-            </a:r>
-            <a:endParaRPr/>
-          </a:p>
-        </p:txBody>
-      </p:sp>
-      <p:sp>
-        <p:nvSpPr>
-          <p:cNvPr id="148" name="TextShape 3"/>
-          <p:cNvSpPr txBox="1"/>
-          <p:nvPr/>
-        </p:nvSpPr>
-        <p:spPr>
-          <a:xfrm>
-            <a:off x="11779200" y="6352560"/>
-            <a:ext cx="412560" cy="214200"/>
-          </a:xfrm>
-          <a:prstGeom prst="rect">
-            <a:avLst/>
-          </a:prstGeom>
-        </p:spPr>
-        <p:txBody>
-          <a:bodyPr lIns="0" rIns="0" tIns="0" bIns="0" anchor="ctr"/>
-          <a:p>
-            <a:endParaRPr/>
-          </a:p>
-        </p:txBody>
-      </p:sp>
-    </p:spTree>
-  </p:cSld>
-  <p:timing>
-    <p:tnLst>
-      <p:par>
-        <p:cTn id="31" dur="indefinite" restart="never" nodeType="tmRoot">
-          <p:childTnLst>
-            <p:seq>
-              <p:cTn id="32" nodeType="mainSeq"/>
-              <p:prevCondLst>
-                <p:cond delay="0" evt="onPrev">
-                  <p:tgtEl>
-                    <p:sldTgt/>
-                  </p:tgtEl>
-                </p:cond>
-              </p:prevCondLst>
-              <p:nextCondLst>
-                <p:cond delay="0" evt="onNext">
-                  <p:tgtEl>
-                    <p:sldTgt/>
-                  </p:tgtEl>
-                </p:cond>
-              </p:nextCondLst>
-            </p:seq>
-          </p:childTnLst>
-        </p:cTn>
-      </p:par>
-    </p:tnLst>
-  </p:timing>
-</p:sld>
-</file>
-
-<file path=ppt/slides/slide17.xml><?xml version="1.0" encoding="utf-8"?>
-<p:sld xmlns:a="http://schemas.openxmlformats.org/drawingml/2006/main" xmlns:p="http://schemas.openxmlformats.org/presentationml/2006/main" xmlns:r="http://schemas.openxmlformats.org/officeDocument/2006/relationships">
-  <p:cSld>
-    <p:spTree>
-      <p:nvGrpSpPr>
-        <p:cNvPr id="1" name=""/>
-        <p:cNvGrpSpPr/>
-        <p:nvPr/>
-      </p:nvGrpSpPr>
-      <p:grpSpPr>
-        <a:xfrm>
-          <a:off x="0" y="0"/>
-          <a:ext cx="0" cy="0"/>
-          <a:chOff x="0" y="0"/>
-          <a:chExt cx="0" cy="0"/>
-        </a:xfrm>
-      </p:grpSpPr>
-      <p:sp>
-        <p:nvSpPr>
-          <p:cNvPr id="149" name="TextShape 1"/>
-          <p:cNvSpPr txBox="1"/>
-          <p:nvPr/>
-        </p:nvSpPr>
-        <p:spPr>
-          <a:xfrm>
-            <a:off x="0" y="0"/>
-            <a:ext cx="10028520" cy="759240"/>
-          </a:xfrm>
-          <a:prstGeom prst="rect">
-            <a:avLst/>
-          </a:prstGeom>
-        </p:spPr>
-        <p:txBody>
-          <a:bodyPr lIns="0" rIns="0" tIns="0" bIns="0" anchor="b"/>
-          <a:p>
-            <a:pPr>
-              <a:lnSpc>
-                <a:spcPct val="100000"/>
-              </a:lnSpc>
-            </a:pPr>
-            <a:r>
-              <a:rPr b="1" lang="de-DE" sz="1600">
-                <a:latin typeface="Arial"/>
-                <a:ea typeface="Arial"/>
-              </a:rPr>
-              <a:t>moveForward()</a:t>
-            </a:r>
-            <a:endParaRPr/>
-          </a:p>
-        </p:txBody>
-      </p:sp>
-      <p:sp>
-        <p:nvSpPr>
-          <p:cNvPr id="150" name="TextShape 2"/>
-          <p:cNvSpPr txBox="1"/>
-          <p:nvPr/>
-        </p:nvSpPr>
-        <p:spPr>
-          <a:xfrm>
-            <a:off x="360000" y="1080000"/>
-            <a:ext cx="11418840" cy="5084640"/>
-          </a:xfrm>
-          <a:prstGeom prst="rect">
-            <a:avLst/>
-          </a:prstGeom>
-        </p:spPr>
-        <p:txBody>
-          <a:bodyPr lIns="45720" rIns="45720" tIns="45000" bIns="45000"/>
-          <a:p>
-            <a:endParaRPr/>
-          </a:p>
-        </p:txBody>
-      </p:sp>
-      <p:sp>
-        <p:nvSpPr>
-          <p:cNvPr id="151" name="TextShape 3"/>
-          <p:cNvSpPr txBox="1"/>
-          <p:nvPr/>
-        </p:nvSpPr>
-        <p:spPr>
-          <a:xfrm>
-            <a:off x="11779200" y="6352560"/>
-            <a:ext cx="412560" cy="214200"/>
-          </a:xfrm>
-          <a:prstGeom prst="rect">
-            <a:avLst/>
-          </a:prstGeom>
-        </p:spPr>
-        <p:txBody>
-          <a:bodyPr lIns="0" rIns="0" tIns="0" bIns="0" anchor="ctr"/>
-          <a:p>
-            <a:endParaRPr/>
-          </a:p>
-        </p:txBody>
-      </p:sp>
-    </p:spTree>
-  </p:cSld>
-  <p:timing>
-    <p:tnLst>
-      <p:par>
-        <p:cTn id="33" dur="indefinite" restart="never" nodeType="tmRoot">
-          <p:childTnLst>
-            <p:seq>
-              <p:cTn id="34" nodeType="mainSeq"/>
-              <p:prevCondLst>
-                <p:cond delay="0" evt="onPrev">
-                  <p:tgtEl>
-                    <p:sldTgt/>
-                  </p:tgtEl>
-                </p:cond>
-              </p:prevCondLst>
-              <p:nextCondLst>
-                <p:cond delay="0" evt="onNext">
-                  <p:tgtEl>
-                    <p:sldTgt/>
-                  </p:tgtEl>
-                </p:cond>
-              </p:nextCondLst>
-            </p:seq>
-          </p:childTnLst>
-        </p:cTn>
-      </p:par>
-    </p:tnLst>
-  </p:timing>
-</p:sld>
-</file>
-
-<file path=ppt/slides/slide18.xml><?xml version="1.0" encoding="utf-8"?>
-<p:sld xmlns:a="http://schemas.openxmlformats.org/drawingml/2006/main" xmlns:p="http://schemas.openxmlformats.org/presentationml/2006/main" xmlns:r="http://schemas.openxmlformats.org/officeDocument/2006/relationships">
-  <p:cSld>
-    <p:spTree>
-      <p:nvGrpSpPr>
-        <p:cNvPr id="1" name=""/>
-        <p:cNvGrpSpPr/>
-        <p:nvPr/>
-      </p:nvGrpSpPr>
-      <p:grpSpPr>
-        <a:xfrm>
-          <a:off x="0" y="0"/>
-          <a:ext cx="0" cy="0"/>
-          <a:chOff x="0" y="0"/>
-          <a:chExt cx="0" cy="0"/>
-        </a:xfrm>
-      </p:grpSpPr>
-      <p:sp>
-        <p:nvSpPr>
-          <p:cNvPr id="152" name="TextShape 1"/>
-          <p:cNvSpPr txBox="1"/>
-          <p:nvPr/>
-        </p:nvSpPr>
-        <p:spPr>
-          <a:xfrm>
-            <a:off x="0" y="0"/>
-            <a:ext cx="10028520" cy="759240"/>
-          </a:xfrm>
-          <a:prstGeom prst="rect">
-            <a:avLst/>
-          </a:prstGeom>
-        </p:spPr>
-        <p:txBody>
-          <a:bodyPr lIns="0" rIns="0" tIns="0" bIns="0" anchor="b"/>
-          <a:p>
-            <a:pPr>
-              <a:lnSpc>
-                <a:spcPct val="100000"/>
-              </a:lnSpc>
-            </a:pPr>
-            <a:r>
-              <a:rPr b="1" lang="de-DE" sz="1600">
-                <a:latin typeface="Arial"/>
-                <a:ea typeface="Arial"/>
-              </a:rPr>
-              <a:t>checkFreeSpaceLeft()</a:t>
-            </a:r>
-            <a:endParaRPr/>
-          </a:p>
-        </p:txBody>
-      </p:sp>
-      <p:sp>
-        <p:nvSpPr>
-          <p:cNvPr id="153" name="TextShape 2"/>
-          <p:cNvSpPr txBox="1"/>
-          <p:nvPr/>
-        </p:nvSpPr>
-        <p:spPr>
-          <a:xfrm>
-            <a:off x="360000" y="1080000"/>
-            <a:ext cx="11418840" cy="5084640"/>
-          </a:xfrm>
-          <a:prstGeom prst="rect">
-            <a:avLst/>
-          </a:prstGeom>
-        </p:spPr>
-        <p:txBody>
-          <a:bodyPr lIns="45720" rIns="45720" tIns="45000" bIns="45000"/>
-          <a:p>
-            <a:endParaRPr/>
-          </a:p>
-        </p:txBody>
-      </p:sp>
-      <p:sp>
-        <p:nvSpPr>
-          <p:cNvPr id="154" name="TextShape 3"/>
-          <p:cNvSpPr txBox="1"/>
-          <p:nvPr/>
-        </p:nvSpPr>
-        <p:spPr>
-          <a:xfrm>
-            <a:off x="11779200" y="6352560"/>
-            <a:ext cx="412560" cy="214200"/>
-          </a:xfrm>
-          <a:prstGeom prst="rect">
-            <a:avLst/>
-          </a:prstGeom>
-        </p:spPr>
-        <p:txBody>
-          <a:bodyPr lIns="0" rIns="0" tIns="0" bIns="0" anchor="ctr"/>
-          <a:p>
-            <a:endParaRPr/>
-          </a:p>
-        </p:txBody>
-      </p:sp>
-    </p:spTree>
-  </p:cSld>
-  <p:timing>
-    <p:tnLst>
-      <p:par>
-        <p:cTn id="35" dur="indefinite" restart="never" nodeType="tmRoot">
-          <p:childTnLst>
-            <p:seq>
-              <p:cTn id="36" nodeType="mainSeq"/>
-              <p:prevCondLst>
-                <p:cond delay="0" evt="onPrev">
-                  <p:tgtEl>
-                    <p:sldTgt/>
-                  </p:tgtEl>
-                </p:cond>
-              </p:prevCondLst>
-              <p:nextCondLst>
-                <p:cond delay="0" evt="onNext">
-                  <p:tgtEl>
-                    <p:sldTgt/>
-                  </p:tgtEl>
-                </p:cond>
-              </p:nextCondLst>
-            </p:seq>
-          </p:childTnLst>
-        </p:cTn>
-      </p:par>
-    </p:tnLst>
-  </p:timing>
-</p:sld>
-</file>
-
-<file path=ppt/slides/slide19.xml><?xml version="1.0" encoding="utf-8"?>
-<p:sld xmlns:a="http://schemas.openxmlformats.org/drawingml/2006/main" xmlns:p="http://schemas.openxmlformats.org/presentationml/2006/main" xmlns:r="http://schemas.openxmlformats.org/officeDocument/2006/relationships">
-  <p:cSld>
-    <p:spTree>
-      <p:nvGrpSpPr>
-        <p:cNvPr id="1" name=""/>
-        <p:cNvGrpSpPr/>
-        <p:nvPr/>
-      </p:nvGrpSpPr>
-      <p:grpSpPr>
-        <a:xfrm>
-          <a:off x="0" y="0"/>
-          <a:ext cx="0" cy="0"/>
-          <a:chOff x="0" y="0"/>
-          <a:chExt cx="0" cy="0"/>
-        </a:xfrm>
-      </p:grpSpPr>
-      <p:sp>
-        <p:nvSpPr>
-          <p:cNvPr id="155" name="TextShape 1"/>
-          <p:cNvSpPr txBox="1"/>
-          <p:nvPr/>
-        </p:nvSpPr>
-        <p:spPr>
-          <a:xfrm>
-            <a:off x="0" y="0"/>
-            <a:ext cx="10028520" cy="759240"/>
-          </a:xfrm>
-          <a:prstGeom prst="rect">
-            <a:avLst/>
-          </a:prstGeom>
-        </p:spPr>
-        <p:txBody>
-          <a:bodyPr lIns="0" rIns="0" tIns="0" bIns="0" anchor="b"/>
-          <a:p>
-            <a:pPr>
-              <a:lnSpc>
-                <a:spcPct val="100000"/>
-              </a:lnSpc>
-            </a:pPr>
-            <a:r>
-              <a:rPr b="1" lang="de-DE" sz="1600">
-                <a:latin typeface="Arial"/>
-                <a:ea typeface="Arial"/>
-              </a:rPr>
-              <a:t>adjust()</a:t>
-            </a:r>
-            <a:endParaRPr/>
-          </a:p>
-        </p:txBody>
-      </p:sp>
-      <p:sp>
-        <p:nvSpPr>
-          <p:cNvPr id="156" name="TextShape 2"/>
-          <p:cNvSpPr txBox="1"/>
-          <p:nvPr/>
-        </p:nvSpPr>
-        <p:spPr>
-          <a:xfrm>
-            <a:off x="360000" y="1080000"/>
-            <a:ext cx="11418840" cy="5084640"/>
-          </a:xfrm>
-          <a:prstGeom prst="rect">
-            <a:avLst/>
-          </a:prstGeom>
-        </p:spPr>
-        <p:txBody>
-          <a:bodyPr lIns="45720" rIns="45720" tIns="45000" bIns="45000"/>
-          <a:p>
-            <a:endParaRPr/>
-          </a:p>
-        </p:txBody>
-      </p:sp>
-      <p:sp>
-        <p:nvSpPr>
-          <p:cNvPr id="157" name="TextShape 3"/>
-          <p:cNvSpPr txBox="1"/>
-          <p:nvPr/>
-        </p:nvSpPr>
-        <p:spPr>
-          <a:xfrm>
-            <a:off x="11779200" y="6352560"/>
-            <a:ext cx="412560" cy="214200"/>
-          </a:xfrm>
-          <a:prstGeom prst="rect">
-            <a:avLst/>
-          </a:prstGeom>
-        </p:spPr>
-        <p:txBody>
-          <a:bodyPr lIns="0" rIns="0" tIns="0" bIns="0" anchor="ctr"/>
-          <a:p>
-            <a:endParaRPr/>
-          </a:p>
-        </p:txBody>
-      </p:sp>
-    </p:spTree>
-  </p:cSld>
-  <p:timing>
-    <p:tnLst>
-      <p:par>
-        <p:cTn id="37" dur="indefinite" restart="never" nodeType="tmRoot">
-          <p:childTnLst>
-            <p:seq>
-              <p:cTn id="38" nodeType="mainSeq"/>
               <p:prevCondLst>
                 <p:cond delay="0" evt="onPrev">
                   <p:tgtEl>
@@ -5853,18 +3814,22 @@
       </p:grpSpPr>
       <p:sp>
         <p:nvSpPr>
-          <p:cNvPr id="103" name="TextShape 1"/>
-          <p:cNvSpPr txBox="1"/>
+          <p:cNvPr id="101" name="CustomShape 1"/>
+          <p:cNvSpPr/>
           <p:nvPr/>
         </p:nvSpPr>
         <p:spPr>
           <a:xfrm>
             <a:off x="0" y="0"/>
-            <a:ext cx="10028520" cy="759240"/>
-          </a:xfrm>
-          <a:prstGeom prst="rect">
-            <a:avLst/>
-          </a:prstGeom>
+            <a:ext cx="10028160" cy="758880"/>
+          </a:xfrm>
+          <a:prstGeom prst="rect">
+            <a:avLst/>
+          </a:prstGeom>
+          <a:noFill/>
+          <a:ln>
+            <a:noFill/>
+          </a:ln>
         </p:spPr>
         <p:txBody>
           <a:bodyPr lIns="0" rIns="0" tIns="0" bIns="0" anchor="b"/>
@@ -5887,21 +3852,145 @@
       </p:sp>
       <p:sp>
         <p:nvSpPr>
-          <p:cNvPr id="104" name="TextShape 2"/>
-          <p:cNvSpPr txBox="1"/>
+          <p:cNvPr id="102" name="CustomShape 2"/>
+          <p:cNvSpPr/>
           <p:nvPr/>
         </p:nvSpPr>
         <p:spPr>
           <a:xfrm>
             <a:off x="360000" y="1080000"/>
-            <a:ext cx="11418840" cy="5084640"/>
-          </a:xfrm>
-          <a:prstGeom prst="rect">
-            <a:avLst/>
-          </a:prstGeom>
+            <a:ext cx="11418480" cy="5084280"/>
+          </a:xfrm>
+          <a:prstGeom prst="rect">
+            <a:avLst/>
+          </a:prstGeom>
+          <a:noFill/>
+          <a:ln>
+            <a:noFill/>
+          </a:ln>
         </p:spPr>
         <p:txBody>
           <a:bodyPr lIns="45720" rIns="45720" tIns="45000" bIns="45000"/>
+          <a:p>
+            <a:pPr>
+              <a:lnSpc>
+                <a:spcPct val="100000"/>
+              </a:lnSpc>
+            </a:pPr>
+            <a:endParaRPr/>
+          </a:p>
+          <a:p>
+            <a:pPr>
+              <a:lnSpc>
+                <a:spcPct val="100000"/>
+              </a:lnSpc>
+            </a:pPr>
+            <a:endParaRPr/>
+          </a:p>
+          <a:p>
+            <a:pPr>
+              <a:lnSpc>
+                <a:spcPct val="100000"/>
+              </a:lnSpc>
+            </a:pPr>
+            <a:endParaRPr/>
+          </a:p>
+          <a:p>
+            <a:pPr>
+              <a:lnSpc>
+                <a:spcPct val="100000"/>
+              </a:lnSpc>
+            </a:pPr>
+            <a:endParaRPr/>
+          </a:p>
+          <a:p>
+            <a:pPr>
+              <a:lnSpc>
+                <a:spcPct val="100000"/>
+              </a:lnSpc>
+            </a:pPr>
+            <a:endParaRPr/>
+          </a:p>
+          <a:p>
+            <a:pPr>
+              <a:lnSpc>
+                <a:spcPct val="100000"/>
+              </a:lnSpc>
+            </a:pPr>
+            <a:endParaRPr/>
+          </a:p>
+          <a:p>
+            <a:pPr>
+              <a:lnSpc>
+                <a:spcPct val="100000"/>
+              </a:lnSpc>
+            </a:pPr>
+            <a:endParaRPr/>
+          </a:p>
+          <a:p>
+            <a:pPr>
+              <a:lnSpc>
+                <a:spcPct val="100000"/>
+              </a:lnSpc>
+            </a:pPr>
+            <a:endParaRPr/>
+          </a:p>
+          <a:p>
+            <a:pPr>
+              <a:lnSpc>
+                <a:spcPct val="100000"/>
+              </a:lnSpc>
+            </a:pPr>
+            <a:endParaRPr/>
+          </a:p>
+          <a:p>
+            <a:pPr>
+              <a:lnSpc>
+                <a:spcPct val="100000"/>
+              </a:lnSpc>
+            </a:pPr>
+            <a:endParaRPr/>
+          </a:p>
+          <a:p>
+            <a:pPr>
+              <a:lnSpc>
+                <a:spcPct val="100000"/>
+              </a:lnSpc>
+            </a:pPr>
+            <a:endParaRPr/>
+          </a:p>
+          <a:p>
+            <a:pPr>
+              <a:lnSpc>
+                <a:spcPct val="100000"/>
+              </a:lnSpc>
+            </a:pPr>
+            <a:endParaRPr/>
+          </a:p>
+          <a:p>
+            <a:pPr>
+              <a:lnSpc>
+                <a:spcPct val="100000"/>
+              </a:lnSpc>
+            </a:pPr>
+            <a:endParaRPr/>
+          </a:p>
+          <a:p>
+            <a:pPr>
+              <a:lnSpc>
+                <a:spcPct val="100000"/>
+              </a:lnSpc>
+            </a:pPr>
+            <a:endParaRPr/>
+          </a:p>
+          <a:p>
+            <a:pPr>
+              <a:lnSpc>
+                <a:spcPct val="100000"/>
+              </a:lnSpc>
+            </a:pPr>
+            <a:endParaRPr/>
+          </a:p>
           <a:p>
             <a:pPr>
               <a:lnSpc>
@@ -5936,102 +4025,6 @@
               <a:t>
 </a:t>
             </a:r>
-            <a:r>
-              <a:rPr lang="de-DE" sz="1400">
-                <a:latin typeface="Arial"/>
-                <a:ea typeface="Arial"/>
-              </a:rPr>
-              <a:t>
-</a:t>
-            </a:r>
-            <a:r>
-              <a:rPr lang="de-DE" sz="1400">
-                <a:latin typeface="Arial"/>
-                <a:ea typeface="Arial"/>
-              </a:rPr>
-              <a:t>
-</a:t>
-            </a:r>
-            <a:r>
-              <a:rPr lang="de-DE" sz="1400">
-                <a:latin typeface="Arial"/>
-                <a:ea typeface="Arial"/>
-              </a:rPr>
-              <a:t>
-</a:t>
-            </a:r>
-            <a:r>
-              <a:rPr lang="de-DE" sz="1400">
-                <a:latin typeface="Arial"/>
-                <a:ea typeface="Arial"/>
-              </a:rPr>
-              <a:t>
-</a:t>
-            </a:r>
-            <a:r>
-              <a:rPr lang="de-DE" sz="1400">
-                <a:latin typeface="Arial"/>
-                <a:ea typeface="Arial"/>
-              </a:rPr>
-              <a:t>
-</a:t>
-            </a:r>
-            <a:r>
-              <a:rPr lang="de-DE" sz="1400">
-                <a:latin typeface="Arial"/>
-                <a:ea typeface="Arial"/>
-              </a:rPr>
-              <a:t>
-</a:t>
-            </a:r>
-            <a:r>
-              <a:rPr lang="de-DE" sz="1400">
-                <a:latin typeface="Arial"/>
-                <a:ea typeface="Arial"/>
-              </a:rPr>
-              <a:t>
-</a:t>
-            </a:r>
-            <a:r>
-              <a:rPr lang="de-DE" sz="1400">
-                <a:latin typeface="Arial"/>
-                <a:ea typeface="Arial"/>
-              </a:rPr>
-              <a:t>
-</a:t>
-            </a:r>
-            <a:r>
-              <a:rPr lang="de-DE" sz="1400">
-                <a:latin typeface="Arial"/>
-                <a:ea typeface="Arial"/>
-              </a:rPr>
-              <a:t>
-</a:t>
-            </a:r>
-            <a:r>
-              <a:rPr lang="de-DE" sz="1400">
-                <a:latin typeface="Arial"/>
-                <a:ea typeface="Arial"/>
-              </a:rPr>
-              <a:t>
-</a:t>
-            </a:r>
-            <a:r>
-              <a:rPr lang="de-DE" sz="1400">
-                <a:latin typeface="Arial"/>
-                <a:ea typeface="Arial"/>
-              </a:rPr>
-              <a:t>
-</a:t>
-            </a:r>
-            <a:r>
-              <a:rPr lang="de-DE" sz="1400">
-                <a:latin typeface="Arial"/>
-                <a:ea typeface="Arial"/>
-              </a:rPr>
-              <a:t>
-</a:t>
-            </a:r>
             <a:endParaRPr/>
           </a:p>
           <a:p>
@@ -6089,29 +4082,27 @@
       </p:sp>
       <p:sp>
         <p:nvSpPr>
-          <p:cNvPr id="105" name="TextShape 3"/>
-          <p:cNvSpPr txBox="1"/>
+          <p:cNvPr id="103" name="CustomShape 3"/>
+          <p:cNvSpPr/>
           <p:nvPr/>
         </p:nvSpPr>
         <p:spPr>
           <a:xfrm>
             <a:off x="11779200" y="6352560"/>
-            <a:ext cx="412560" cy="214200"/>
-          </a:xfrm>
-          <a:prstGeom prst="rect">
-            <a:avLst/>
-          </a:prstGeom>
-        </p:spPr>
-        <p:txBody>
-          <a:bodyPr lIns="0" rIns="0" tIns="0" bIns="0" anchor="ctr"/>
-          <a:p>
-            <a:endParaRPr/>
-          </a:p>
-        </p:txBody>
+            <a:ext cx="412200" cy="213840"/>
+          </a:xfrm>
+          <a:prstGeom prst="rect">
+            <a:avLst/>
+          </a:prstGeom>
+          <a:noFill/>
+          <a:ln>
+            <a:noFill/>
+          </a:ln>
+        </p:spPr>
       </p:sp>
       <p:pic>
         <p:nvPicPr>
-          <p:cNvPr id="106" name="" descr=""/>
+          <p:cNvPr id="104" name="" descr=""/>
           <p:cNvPicPr/>
           <p:nvPr/>
         </p:nvPicPr>
@@ -6124,7 +4115,7 @@
         <p:spPr>
           <a:xfrm>
             <a:off x="3603600" y="1067400"/>
-            <a:ext cx="4604400" cy="3504600"/>
+            <a:ext cx="4604040" cy="3504240"/>
           </a:xfrm>
           <a:prstGeom prst="rect">
             <a:avLst/>
@@ -6143,845 +4134,6 @@
           <p:childTnLst>
             <p:seq>
               <p:cTn id="4" nodeType="mainSeq"/>
-              <p:prevCondLst>
-                <p:cond delay="0" evt="onPrev">
-                  <p:tgtEl>
-                    <p:sldTgt/>
-                  </p:tgtEl>
-                </p:cond>
-              </p:prevCondLst>
-              <p:nextCondLst>
-                <p:cond delay="0" evt="onNext">
-                  <p:tgtEl>
-                    <p:sldTgt/>
-                  </p:tgtEl>
-                </p:cond>
-              </p:nextCondLst>
-            </p:seq>
-          </p:childTnLst>
-        </p:cTn>
-      </p:par>
-    </p:tnLst>
-  </p:timing>
-</p:sld>
-</file>
-
-<file path=ppt/slides/slide20.xml><?xml version="1.0" encoding="utf-8"?>
-<p:sld xmlns:a="http://schemas.openxmlformats.org/drawingml/2006/main" xmlns:p="http://schemas.openxmlformats.org/presentationml/2006/main" xmlns:r="http://schemas.openxmlformats.org/officeDocument/2006/relationships">
-  <p:cSld>
-    <p:spTree>
-      <p:nvGrpSpPr>
-        <p:cNvPr id="1" name=""/>
-        <p:cNvGrpSpPr/>
-        <p:nvPr/>
-      </p:nvGrpSpPr>
-      <p:grpSpPr>
-        <a:xfrm>
-          <a:off x="0" y="0"/>
-          <a:ext cx="0" cy="0"/>
-          <a:chOff x="0" y="0"/>
-          <a:chExt cx="0" cy="0"/>
-        </a:xfrm>
-      </p:grpSpPr>
-      <p:sp>
-        <p:nvSpPr>
-          <p:cNvPr id="158" name="TextShape 1"/>
-          <p:cNvSpPr txBox="1"/>
-          <p:nvPr/>
-        </p:nvSpPr>
-        <p:spPr>
-          <a:xfrm>
-            <a:off x="0" y="0"/>
-            <a:ext cx="10028520" cy="759240"/>
-          </a:xfrm>
-          <a:prstGeom prst="rect">
-            <a:avLst/>
-          </a:prstGeom>
-        </p:spPr>
-        <p:txBody>
-          <a:bodyPr lIns="0" rIns="0" tIns="0" bIns="0" anchor="b"/>
-          <a:p>
-            <a:pPr>
-              <a:lnSpc>
-                <a:spcPct val="100000"/>
-              </a:lnSpc>
-            </a:pPr>
-            <a:r>
-              <a:rPr b="1" lang="de-DE" sz="1600">
-                <a:latin typeface="Arial"/>
-                <a:ea typeface="Arial"/>
-              </a:rPr>
-              <a:t>moveForwardSlowlyUntilNearbyLeftObstacleFound()</a:t>
-            </a:r>
-            <a:endParaRPr/>
-          </a:p>
-        </p:txBody>
-      </p:sp>
-      <p:sp>
-        <p:nvSpPr>
-          <p:cNvPr id="159" name="TextShape 2"/>
-          <p:cNvSpPr txBox="1"/>
-          <p:nvPr/>
-        </p:nvSpPr>
-        <p:spPr>
-          <a:xfrm>
-            <a:off x="360000" y="1080000"/>
-            <a:ext cx="11418840" cy="5084640"/>
-          </a:xfrm>
-          <a:prstGeom prst="rect">
-            <a:avLst/>
-          </a:prstGeom>
-        </p:spPr>
-        <p:txBody>
-          <a:bodyPr lIns="45720" rIns="45720" tIns="45000" bIns="45000"/>
-          <a:p>
-            <a:endParaRPr/>
-          </a:p>
-        </p:txBody>
-      </p:sp>
-      <p:sp>
-        <p:nvSpPr>
-          <p:cNvPr id="160" name="TextShape 3"/>
-          <p:cNvSpPr txBox="1"/>
-          <p:nvPr/>
-        </p:nvSpPr>
-        <p:spPr>
-          <a:xfrm>
-            <a:off x="11779200" y="6352560"/>
-            <a:ext cx="412560" cy="214200"/>
-          </a:xfrm>
-          <a:prstGeom prst="rect">
-            <a:avLst/>
-          </a:prstGeom>
-        </p:spPr>
-        <p:txBody>
-          <a:bodyPr lIns="0" rIns="0" tIns="0" bIns="0" anchor="ctr"/>
-          <a:p>
-            <a:endParaRPr/>
-          </a:p>
-        </p:txBody>
-      </p:sp>
-    </p:spTree>
-  </p:cSld>
-  <p:timing>
-    <p:tnLst>
-      <p:par>
-        <p:cTn id="39" dur="indefinite" restart="never" nodeType="tmRoot">
-          <p:childTnLst>
-            <p:seq>
-              <p:cTn id="40" nodeType="mainSeq"/>
-              <p:prevCondLst>
-                <p:cond delay="0" evt="onPrev">
-                  <p:tgtEl>
-                    <p:sldTgt/>
-                  </p:tgtEl>
-                </p:cond>
-              </p:prevCondLst>
-              <p:nextCondLst>
-                <p:cond delay="0" evt="onNext">
-                  <p:tgtEl>
-                    <p:sldTgt/>
-                  </p:tgtEl>
-                </p:cond>
-              </p:nextCondLst>
-            </p:seq>
-          </p:childTnLst>
-        </p:cTn>
-      </p:par>
-    </p:tnLst>
-  </p:timing>
-</p:sld>
-</file>
-
-<file path=ppt/slides/slide21.xml><?xml version="1.0" encoding="utf-8"?>
-<p:sld xmlns:a="http://schemas.openxmlformats.org/drawingml/2006/main" xmlns:p="http://schemas.openxmlformats.org/presentationml/2006/main" xmlns:r="http://schemas.openxmlformats.org/officeDocument/2006/relationships">
-  <p:cSld>
-    <p:spTree>
-      <p:nvGrpSpPr>
-        <p:cNvPr id="1" name=""/>
-        <p:cNvGrpSpPr/>
-        <p:nvPr/>
-      </p:nvGrpSpPr>
-      <p:grpSpPr>
-        <a:xfrm>
-          <a:off x="0" y="0"/>
-          <a:ext cx="0" cy="0"/>
-          <a:chOff x="0" y="0"/>
-          <a:chExt cx="0" cy="0"/>
-        </a:xfrm>
-      </p:grpSpPr>
-      <p:sp>
-        <p:nvSpPr>
-          <p:cNvPr id="161" name="TextShape 1"/>
-          <p:cNvSpPr txBox="1"/>
-          <p:nvPr/>
-        </p:nvSpPr>
-        <p:spPr>
-          <a:xfrm>
-            <a:off x="0" y="0"/>
-            <a:ext cx="10028520" cy="759240"/>
-          </a:xfrm>
-          <a:prstGeom prst="rect">
-            <a:avLst/>
-          </a:prstGeom>
-        </p:spPr>
-        <p:txBody>
-          <a:bodyPr lIns="0" rIns="0" tIns="0" bIns="0" anchor="b"/>
-          <a:p>
-            <a:pPr>
-              <a:lnSpc>
-                <a:spcPct val="100000"/>
-              </a:lnSpc>
-            </a:pPr>
-            <a:r>
-              <a:rPr b="1" lang="de-DE" sz="1600">
-                <a:latin typeface="Arial"/>
-                <a:ea typeface="Arial"/>
-              </a:rPr>
-              <a:t>Aufgetretene Probleme </a:t>
-            </a:r>
-            <a:endParaRPr/>
-          </a:p>
-        </p:txBody>
-      </p:sp>
-      <p:sp>
-        <p:nvSpPr>
-          <p:cNvPr id="162" name="TextShape 2"/>
-          <p:cNvSpPr txBox="1"/>
-          <p:nvPr/>
-        </p:nvSpPr>
-        <p:spPr>
-          <a:xfrm>
-            <a:off x="360000" y="1080000"/>
-            <a:ext cx="11418840" cy="5084640"/>
-          </a:xfrm>
-          <a:prstGeom prst="rect">
-            <a:avLst/>
-          </a:prstGeom>
-        </p:spPr>
-        <p:txBody>
-          <a:bodyPr lIns="45720" rIns="45720" tIns="45000" bIns="45000"/>
-          <a:p>
-            <a:pPr>
-              <a:lnSpc>
-                <a:spcPct val="100000"/>
-              </a:lnSpc>
-              <a:buFont typeface="Wingdings" charset="2"/>
-              <a:buChar char=""/>
-            </a:pPr>
-            <a:r>
-              <a:rPr lang="de-DE" sz="1400">
-                <a:latin typeface="Arial"/>
-                <a:ea typeface="Arial"/>
-              </a:rPr>
-              <a:t>Ungleiche Boden</a:t>
-            </a:r>
-            <a:endParaRPr/>
-          </a:p>
-          <a:p>
-            <a:pPr lvl="1">
-              <a:buSzPct val="75000"/>
-              <a:buFont typeface="StarSymbol"/>
-              <a:buChar char=""/>
-            </a:pPr>
-            <a:r>
-              <a:rPr lang="de-DE" sz="1400">
-                <a:latin typeface="Arial"/>
-                <a:ea typeface="Arial"/>
-              </a:rPr>
-              <a:t>Räder dreht sich im Luft → falsche /slam_out_pose</a:t>
-            </a:r>
-            <a:endParaRPr/>
-          </a:p>
-          <a:p>
-            <a:pPr>
-              <a:buFont typeface="Wingdings" charset="2"/>
-              <a:buChar char=""/>
-            </a:pPr>
-            <a:r>
-              <a:rPr lang="de-DE" sz="1400">
-                <a:latin typeface="Arial"/>
-                <a:ea typeface="Arial"/>
-              </a:rPr>
-              <a:t>Gefälle</a:t>
-            </a:r>
-            <a:endParaRPr/>
-          </a:p>
-          <a:p>
-            <a:pPr lvl="1">
-              <a:buSzPct val="75000"/>
-              <a:buFont typeface="StarSymbol"/>
-              <a:buChar char=""/>
-            </a:pPr>
-            <a:r>
-              <a:rPr lang="de-DE" sz="1400">
-                <a:latin typeface="Arial"/>
-                <a:ea typeface="Arial"/>
-              </a:rPr>
-              <a:t>stopUntilStopped()</a:t>
-            </a:r>
-            <a:r>
-              <a:rPr lang="de-DE" sz="1400">
-                <a:latin typeface="Arial"/>
-                <a:ea typeface="Arial"/>
-              </a:rPr>
-              <a:t> braucht viel mehr Zeit als normal bis die Rädern nicht mehr drehen.</a:t>
-            </a:r>
-            <a:endParaRPr/>
-          </a:p>
-          <a:p>
-            <a:pPr>
-              <a:lnSpc>
-                <a:spcPct val="100000"/>
-              </a:lnSpc>
-              <a:buFont typeface="Wingdings" charset="2"/>
-              <a:buChar char=""/>
-            </a:pPr>
-            <a:r>
-              <a:rPr lang="de-DE" sz="1400">
-                <a:latin typeface="Arial"/>
-                <a:ea typeface="Arial"/>
-              </a:rPr>
-              <a:t>Transparente Büro-Fenster</a:t>
-            </a:r>
-            <a:endParaRPr/>
-          </a:p>
-          <a:p>
-            <a:pPr lvl="1">
-              <a:buSzPct val="75000"/>
-              <a:buFont typeface="StarSymbol"/>
-              <a:buChar char=""/>
-            </a:pPr>
-            <a:r>
-              <a:rPr lang="de-DE" sz="1400">
-                <a:latin typeface="Arial"/>
-                <a:ea typeface="Arial"/>
-              </a:rPr>
-              <a:t>Punktwolken vom Fenster werden nicht richtig gefangen</a:t>
-            </a:r>
-            <a:endParaRPr/>
-          </a:p>
-          <a:p>
-            <a:pPr>
-              <a:lnSpc>
-                <a:spcPct val="100000"/>
-              </a:lnSpc>
-              <a:buFont typeface="Wingdings" charset="2"/>
-              <a:buChar char=""/>
-            </a:pPr>
-            <a:r>
-              <a:rPr lang="de-DE" sz="1400">
-                <a:latin typeface="Arial"/>
-                <a:ea typeface="Arial"/>
-              </a:rPr>
-              <a:t>WLAN</a:t>
-            </a:r>
-            <a:endParaRPr/>
-          </a:p>
-          <a:p>
-            <a:pPr lvl="1">
-              <a:buSzPct val="75000"/>
-              <a:buFont typeface="StarSymbol"/>
-              <a:buChar char=""/>
-            </a:pPr>
-            <a:r>
-              <a:rPr lang="de-DE" sz="1400">
-                <a:latin typeface="Arial"/>
-                <a:ea typeface="Arial"/>
-              </a:rPr>
-              <a:t>Latency</a:t>
-            </a:r>
-            <a:endParaRPr/>
-          </a:p>
-          <a:p>
-            <a:pPr>
-              <a:lnSpc>
-                <a:spcPct val="100000"/>
-              </a:lnSpc>
-              <a:buFont typeface="Wingdings" charset="2"/>
-              <a:buChar char=""/>
-            </a:pPr>
-            <a:r>
-              <a:rPr lang="de-DE" sz="1400">
-                <a:latin typeface="Arial"/>
-                <a:ea typeface="Arial"/>
-              </a:rPr>
-              <a:t>Simulator</a:t>
-            </a:r>
-            <a:endParaRPr/>
-          </a:p>
-          <a:p>
-            <a:pPr lvl="1">
-              <a:buSzPct val="75000"/>
-              <a:buFont typeface="StarSymbol"/>
-              <a:buChar char=""/>
-            </a:pPr>
-            <a:r>
-              <a:rPr lang="de-DE" sz="1400">
-                <a:latin typeface="Arial"/>
-                <a:ea typeface="Arial"/>
-              </a:rPr>
-              <a:t>Entspricht das echte Roboter nicht</a:t>
-            </a:r>
-            <a:endParaRPr/>
-          </a:p>
-          <a:p>
-            <a:pPr lvl="1">
-              <a:buSzPct val="75000"/>
-              <a:buFont typeface="StarSymbol"/>
-              <a:buChar char=""/>
-            </a:pPr>
-            <a:r>
-              <a:rPr lang="de-DE" sz="1400">
-                <a:latin typeface="Arial"/>
-                <a:ea typeface="Arial"/>
-              </a:rPr>
-              <a:t>Viel Zeit dafür verschwendet</a:t>
-            </a:r>
-            <a:endParaRPr/>
-          </a:p>
-        </p:txBody>
-      </p:sp>
-      <p:sp>
-        <p:nvSpPr>
-          <p:cNvPr id="163" name="TextShape 3"/>
-          <p:cNvSpPr txBox="1"/>
-          <p:nvPr/>
-        </p:nvSpPr>
-        <p:spPr>
-          <a:xfrm>
-            <a:off x="11779200" y="6352560"/>
-            <a:ext cx="412560" cy="214200"/>
-          </a:xfrm>
-          <a:prstGeom prst="rect">
-            <a:avLst/>
-          </a:prstGeom>
-        </p:spPr>
-        <p:txBody>
-          <a:bodyPr lIns="0" rIns="0" tIns="0" bIns="0" anchor="ctr"/>
-          <a:p>
-            <a:endParaRPr/>
-          </a:p>
-        </p:txBody>
-      </p:sp>
-    </p:spTree>
-  </p:cSld>
-  <p:timing>
-    <p:tnLst>
-      <p:par>
-        <p:cTn id="41" dur="indefinite" restart="never" nodeType="tmRoot">
-          <p:childTnLst>
-            <p:seq>
-              <p:cTn id="42" nodeType="mainSeq"/>
-              <p:prevCondLst>
-                <p:cond delay="0" evt="onPrev">
-                  <p:tgtEl>
-                    <p:sldTgt/>
-                  </p:tgtEl>
-                </p:cond>
-              </p:prevCondLst>
-              <p:nextCondLst>
-                <p:cond delay="0" evt="onNext">
-                  <p:tgtEl>
-                    <p:sldTgt/>
-                  </p:tgtEl>
-                </p:cond>
-              </p:nextCondLst>
-            </p:seq>
-          </p:childTnLst>
-        </p:cTn>
-      </p:par>
-    </p:tnLst>
-  </p:timing>
-</p:sld>
-</file>
-
-<file path=ppt/slides/slide22.xml><?xml version="1.0" encoding="utf-8"?>
-<p:sld xmlns:a="http://schemas.openxmlformats.org/drawingml/2006/main" xmlns:p="http://schemas.openxmlformats.org/presentationml/2006/main" xmlns:r="http://schemas.openxmlformats.org/officeDocument/2006/relationships">
-  <p:cSld>
-    <p:spTree>
-      <p:nvGrpSpPr>
-        <p:cNvPr id="1" name=""/>
-        <p:cNvGrpSpPr/>
-        <p:nvPr/>
-      </p:nvGrpSpPr>
-      <p:grpSpPr>
-        <a:xfrm>
-          <a:off x="0" y="0"/>
-          <a:ext cx="0" cy="0"/>
-          <a:chOff x="0" y="0"/>
-          <a:chExt cx="0" cy="0"/>
-        </a:xfrm>
-      </p:grpSpPr>
-      <p:sp>
-        <p:nvSpPr>
-          <p:cNvPr id="164" name="TextShape 1"/>
-          <p:cNvSpPr txBox="1"/>
-          <p:nvPr/>
-        </p:nvSpPr>
-        <p:spPr>
-          <a:xfrm>
-            <a:off x="0" y="0"/>
-            <a:ext cx="10028520" cy="759240"/>
-          </a:xfrm>
-          <a:prstGeom prst="rect">
-            <a:avLst/>
-          </a:prstGeom>
-        </p:spPr>
-        <p:txBody>
-          <a:bodyPr lIns="0" rIns="0" tIns="0" bIns="0" anchor="b"/>
-          <a:p>
-            <a:pPr>
-              <a:lnSpc>
-                <a:spcPct val="100000"/>
-              </a:lnSpc>
-            </a:pPr>
-            <a:r>
-              <a:rPr b="1" lang="de-DE" sz="1600">
-                <a:latin typeface="Arial"/>
-                <a:ea typeface="Arial"/>
-              </a:rPr>
-              <a:t>Aussicht</a:t>
-            </a:r>
-            <a:endParaRPr/>
-          </a:p>
-        </p:txBody>
-      </p:sp>
-      <p:sp>
-        <p:nvSpPr>
-          <p:cNvPr id="165" name="TextShape 2"/>
-          <p:cNvSpPr txBox="1"/>
-          <p:nvPr/>
-        </p:nvSpPr>
-        <p:spPr>
-          <a:xfrm>
-            <a:off x="360000" y="1080000"/>
-            <a:ext cx="11418840" cy="5084640"/>
-          </a:xfrm>
-          <a:prstGeom prst="rect">
-            <a:avLst/>
-          </a:prstGeom>
-        </p:spPr>
-        <p:txBody>
-          <a:bodyPr lIns="45720" rIns="45720" tIns="45000" bIns="45000"/>
-          <a:p>
-            <a:pPr>
-              <a:lnSpc>
-                <a:spcPct val="100000"/>
-              </a:lnSpc>
-              <a:buFont typeface="Wingdings" charset="2"/>
-              <a:buChar char=""/>
-            </a:pPr>
-            <a:r>
-              <a:rPr lang="de-DE" sz="1400">
-                <a:latin typeface="Arial"/>
-                <a:ea typeface="Arial"/>
-              </a:rPr>
-              <a:t>Verbesserung von Kidnap Detection: </a:t>
-            </a:r>
-            <a:endParaRPr/>
-          </a:p>
-          <a:p>
-            <a:pPr lvl="1">
-              <a:lnSpc>
-                <a:spcPct val="100000"/>
-              </a:lnSpc>
-              <a:buFont typeface="Wingdings" charset="2"/>
-              <a:buChar char=""/>
-            </a:pPr>
-            <a:r>
-              <a:rPr lang="de-DE" sz="1400">
-                <a:latin typeface="Arial"/>
-                <a:ea typeface="Arial"/>
-              </a:rPr>
-              <a:t>Maß für die Interpretation von Kovarianzmatrizen</a:t>
-            </a:r>
-            <a:endParaRPr/>
-          </a:p>
-          <a:p>
-            <a:pPr lvl="1">
-              <a:lnSpc>
-                <a:spcPct val="100000"/>
-              </a:lnSpc>
-              <a:buFont typeface="Wingdings" charset="2"/>
-              <a:buChar char=""/>
-            </a:pPr>
-            <a:r>
-              <a:rPr lang="de-DE" sz="1400">
-                <a:latin typeface="Arial"/>
-                <a:ea typeface="Arial"/>
-              </a:rPr>
-              <a:t>Map-Matching</a:t>
-            </a:r>
-            <a:endParaRPr/>
-          </a:p>
-          <a:p>
-            <a:pPr lvl="2">
-              <a:lnSpc>
-                <a:spcPct val="100000"/>
-              </a:lnSpc>
-              <a:buFont typeface="Wingdings" charset="2"/>
-              <a:buChar char=""/>
-            </a:pPr>
-            <a:r>
-              <a:rPr lang="de-DE" sz="1400">
-                <a:latin typeface="Arial"/>
-                <a:ea typeface="Arial"/>
-              </a:rPr>
-              <a:t>Konfidenzrate</a:t>
-            </a:r>
-            <a:endParaRPr/>
-          </a:p>
-          <a:p>
-            <a:pPr lvl="2">
-              <a:lnSpc>
-                <a:spcPct val="100000"/>
-              </a:lnSpc>
-              <a:buFont typeface="Wingdings" charset="2"/>
-              <a:buChar char=""/>
-            </a:pPr>
-            <a:r>
-              <a:rPr lang="de-DE" sz="1400">
-                <a:latin typeface="Arial"/>
-                <a:ea typeface="Arial"/>
-              </a:rPr>
-              <a:t>Rotierbar</a:t>
-            </a:r>
-            <a:endParaRPr/>
-          </a:p>
-          <a:p>
-            <a:pPr>
-              <a:lnSpc>
-                <a:spcPct val="100000"/>
-              </a:lnSpc>
-              <a:buFont typeface="Wingdings" charset="2"/>
-              <a:buChar char=""/>
-            </a:pPr>
-            <a:r>
-              <a:rPr lang="de-DE" sz="1400">
-                <a:latin typeface="Arial"/>
-                <a:ea typeface="Arial"/>
-              </a:rPr>
-              <a:t>Verbesserung von Kidnap Recovery:</a:t>
-            </a:r>
-            <a:endParaRPr/>
-          </a:p>
-          <a:p>
-            <a:pPr lvl="1">
-              <a:lnSpc>
-                <a:spcPct val="100000"/>
-              </a:lnSpc>
-              <a:buFont typeface="Wingdings" charset="2"/>
-              <a:buChar char=""/>
-            </a:pPr>
-            <a:r>
-              <a:rPr lang="de-DE" sz="1400">
-                <a:latin typeface="Arial"/>
-                <a:ea typeface="Arial"/>
-              </a:rPr>
-              <a:t>Map-Matching</a:t>
-            </a:r>
-            <a:endParaRPr/>
-          </a:p>
-          <a:p>
-            <a:pPr lvl="1">
-              <a:lnSpc>
-                <a:spcPct val="100000"/>
-              </a:lnSpc>
-              <a:buFont typeface="Wingdings" charset="2"/>
-              <a:buChar char=""/>
-            </a:pPr>
-            <a:r>
-              <a:rPr lang="de-DE" sz="1400">
-                <a:latin typeface="Arial"/>
-                <a:ea typeface="Arial"/>
-              </a:rPr>
-              <a:t>Kinect</a:t>
-            </a:r>
-            <a:endParaRPr/>
-          </a:p>
-          <a:p>
-            <a:pPr lvl="2">
-              <a:lnSpc>
-                <a:spcPct val="100000"/>
-              </a:lnSpc>
-              <a:buFont typeface="Wingdings" charset="2"/>
-              <a:buChar char=""/>
-            </a:pPr>
-            <a:r>
-              <a:rPr lang="de-DE" sz="1400">
-                <a:latin typeface="Arial"/>
-                <a:ea typeface="Arial"/>
-              </a:rPr>
-              <a:t>Zum Erkennen von anderen Hindernissen (Z-Achse) und “Löchern”</a:t>
-            </a:r>
-            <a:endParaRPr/>
-          </a:p>
-          <a:p>
-            <a:pPr lvl="1">
-              <a:lnSpc>
-                <a:spcPct val="100000"/>
-              </a:lnSpc>
-              <a:buFont typeface="Wingdings" charset="2"/>
-              <a:buChar char=""/>
-            </a:pPr>
-            <a:r>
-              <a:rPr lang="de-DE" sz="1400">
-                <a:latin typeface="Arial"/>
-                <a:ea typeface="Arial"/>
-              </a:rPr>
-              <a:t>Kompass</a:t>
-            </a:r>
-            <a:endParaRPr/>
-          </a:p>
-        </p:txBody>
-      </p:sp>
-      <p:sp>
-        <p:nvSpPr>
-          <p:cNvPr id="166" name="TextShape 3"/>
-          <p:cNvSpPr txBox="1"/>
-          <p:nvPr/>
-        </p:nvSpPr>
-        <p:spPr>
-          <a:xfrm>
-            <a:off x="11779200" y="6352560"/>
-            <a:ext cx="412560" cy="214200"/>
-          </a:xfrm>
-          <a:prstGeom prst="rect">
-            <a:avLst/>
-          </a:prstGeom>
-        </p:spPr>
-        <p:txBody>
-          <a:bodyPr lIns="0" rIns="0" tIns="0" bIns="0" anchor="ctr"/>
-          <a:p>
-            <a:endParaRPr/>
-          </a:p>
-        </p:txBody>
-      </p:sp>
-    </p:spTree>
-  </p:cSld>
-  <p:timing>
-    <p:tnLst>
-      <p:par>
-        <p:cTn id="43" dur="indefinite" restart="never" nodeType="tmRoot">
-          <p:childTnLst>
-            <p:seq>
-              <p:cTn id="44" nodeType="mainSeq"/>
-              <p:prevCondLst>
-                <p:cond delay="0" evt="onPrev">
-                  <p:tgtEl>
-                    <p:sldTgt/>
-                  </p:tgtEl>
-                </p:cond>
-              </p:prevCondLst>
-              <p:nextCondLst>
-                <p:cond delay="0" evt="onNext">
-                  <p:tgtEl>
-                    <p:sldTgt/>
-                  </p:tgtEl>
-                </p:cond>
-              </p:nextCondLst>
-            </p:seq>
-          </p:childTnLst>
-        </p:cTn>
-      </p:par>
-    </p:tnLst>
-  </p:timing>
-</p:sld>
-</file>
-
-<file path=ppt/slides/slide23.xml><?xml version="1.0" encoding="utf-8"?>
-<p:sld xmlns:a="http://schemas.openxmlformats.org/drawingml/2006/main" xmlns:p="http://schemas.openxmlformats.org/presentationml/2006/main" xmlns:r="http://schemas.openxmlformats.org/officeDocument/2006/relationships">
-  <p:cSld>
-    <p:spTree>
-      <p:nvGrpSpPr>
-        <p:cNvPr id="1" name=""/>
-        <p:cNvGrpSpPr/>
-        <p:nvPr/>
-      </p:nvGrpSpPr>
-      <p:grpSpPr>
-        <a:xfrm>
-          <a:off x="0" y="0"/>
-          <a:ext cx="0" cy="0"/>
-          <a:chOff x="0" y="0"/>
-          <a:chExt cx="0" cy="0"/>
-        </a:xfrm>
-      </p:grpSpPr>
-      <p:sp>
-        <p:nvSpPr>
-          <p:cNvPr id="167" name="TextShape 1"/>
-          <p:cNvSpPr txBox="1"/>
-          <p:nvPr/>
-        </p:nvSpPr>
-        <p:spPr>
-          <a:xfrm>
-            <a:off x="0" y="0"/>
-            <a:ext cx="10028520" cy="759240"/>
-          </a:xfrm>
-          <a:prstGeom prst="rect">
-            <a:avLst/>
-          </a:prstGeom>
-        </p:spPr>
-        <p:txBody>
-          <a:bodyPr lIns="45720" rIns="45720" tIns="45000" bIns="45000" anchor="b"/>
-          <a:p>
-            <a:endParaRPr/>
-          </a:p>
-        </p:txBody>
-      </p:sp>
-      <p:sp>
-        <p:nvSpPr>
-          <p:cNvPr id="168" name="TextShape 2"/>
-          <p:cNvSpPr txBox="1"/>
-          <p:nvPr/>
-        </p:nvSpPr>
-        <p:spPr>
-          <a:xfrm>
-            <a:off x="360000" y="1080000"/>
-            <a:ext cx="11418840" cy="5084640"/>
-          </a:xfrm>
-          <a:prstGeom prst="rect">
-            <a:avLst/>
-          </a:prstGeom>
-        </p:spPr>
-        <p:txBody>
-          <a:bodyPr lIns="45720" rIns="45720" tIns="45000" bIns="45000"/>
-          <a:p>
-            <a:endParaRPr/>
-          </a:p>
-        </p:txBody>
-      </p:sp>
-      <p:sp>
-        <p:nvSpPr>
-          <p:cNvPr id="169" name="TextShape 3"/>
-          <p:cNvSpPr txBox="1"/>
-          <p:nvPr/>
-        </p:nvSpPr>
-        <p:spPr>
-          <a:xfrm>
-            <a:off x="11779200" y="6459840"/>
-            <a:ext cx="412560" cy="397800"/>
-          </a:xfrm>
-          <a:prstGeom prst="rect">
-            <a:avLst/>
-          </a:prstGeom>
-        </p:spPr>
-        <p:txBody>
-          <a:bodyPr lIns="0" rIns="0" tIns="0" bIns="0" anchor="ctr"/>
-          <a:p>
-            <a:endParaRPr/>
-          </a:p>
-        </p:txBody>
-      </p:sp>
-    </p:spTree>
-  </p:cSld>
-  <p:timing>
-    <p:tnLst>
-      <p:par>
-        <p:cTn id="45" dur="indefinite" restart="never" nodeType="tmRoot">
-          <p:childTnLst>
-            <p:seq>
-              <p:cTn id="46" nodeType="mainSeq"/>
               <p:prevCondLst>
                 <p:cond delay="0" evt="onPrev">
                   <p:tgtEl>
@@ -7024,18 +4176,22 @@
       </p:grpSpPr>
       <p:sp>
         <p:nvSpPr>
-          <p:cNvPr id="107" name="TextShape 1"/>
-          <p:cNvSpPr txBox="1"/>
+          <p:cNvPr id="105" name="CustomShape 1"/>
+          <p:cNvSpPr/>
           <p:nvPr/>
         </p:nvSpPr>
         <p:spPr>
           <a:xfrm>
             <a:off x="0" y="0"/>
-            <a:ext cx="10028520" cy="759240"/>
-          </a:xfrm>
-          <a:prstGeom prst="rect">
-            <a:avLst/>
-          </a:prstGeom>
+            <a:ext cx="10028160" cy="758880"/>
+          </a:xfrm>
+          <a:prstGeom prst="rect">
+            <a:avLst/>
+          </a:prstGeom>
+          <a:noFill/>
+          <a:ln>
+            <a:noFill/>
+          </a:ln>
         </p:spPr>
         <p:txBody>
           <a:bodyPr lIns="0" rIns="0" tIns="0" bIns="0" anchor="b"/>
@@ -7058,18 +4214,22 @@
       </p:sp>
       <p:sp>
         <p:nvSpPr>
-          <p:cNvPr id="108" name="TextShape 2"/>
-          <p:cNvSpPr txBox="1"/>
+          <p:cNvPr id="106" name="CustomShape 2"/>
+          <p:cNvSpPr/>
           <p:nvPr/>
         </p:nvSpPr>
         <p:spPr>
           <a:xfrm>
             <a:off x="360000" y="1080000"/>
-            <a:ext cx="11418840" cy="5084640"/>
-          </a:xfrm>
-          <a:prstGeom prst="rect">
-            <a:avLst/>
-          </a:prstGeom>
+            <a:ext cx="11418480" cy="5084280"/>
+          </a:xfrm>
+          <a:prstGeom prst="rect">
+            <a:avLst/>
+          </a:prstGeom>
+          <a:noFill/>
+          <a:ln>
+            <a:noFill/>
+          </a:ln>
         </p:spPr>
         <p:txBody>
           <a:bodyPr lIns="45720" rIns="45720" tIns="45000" bIns="45000"/>
@@ -7160,6 +4320,9 @@
           </a:p>
           <a:p>
             <a:pPr lvl="1">
+              <a:lnSpc>
+                <a:spcPct val="100000"/>
+              </a:lnSpc>
               <a:buFont typeface="Wingdings" charset="2"/>
               <a:buChar char=""/>
             </a:pPr>
@@ -7174,6 +4337,9 @@
           </a:p>
           <a:p>
             <a:pPr lvl="1">
+              <a:lnSpc>
+                <a:spcPct val="100000"/>
+              </a:lnSpc>
               <a:buFont typeface="Wingdings" charset="2"/>
               <a:buChar char=""/>
             </a:pPr>
@@ -7188,6 +4354,9 @@
           </a:p>
           <a:p>
             <a:pPr lvl="1">
+              <a:lnSpc>
+                <a:spcPct val="100000"/>
+              </a:lnSpc>
               <a:buFont typeface="Wingdings" charset="2"/>
               <a:buChar char=""/>
             </a:pPr>
@@ -7221,25 +4390,23 @@
       </p:sp>
       <p:sp>
         <p:nvSpPr>
-          <p:cNvPr id="109" name="TextShape 3"/>
-          <p:cNvSpPr txBox="1"/>
+          <p:cNvPr id="107" name="CustomShape 3"/>
+          <p:cNvSpPr/>
           <p:nvPr/>
         </p:nvSpPr>
         <p:spPr>
           <a:xfrm>
             <a:off x="11779200" y="6352560"/>
-            <a:ext cx="412560" cy="214200"/>
-          </a:xfrm>
-          <a:prstGeom prst="rect">
-            <a:avLst/>
-          </a:prstGeom>
-        </p:spPr>
-        <p:txBody>
-          <a:bodyPr lIns="0" rIns="0" tIns="0" bIns="0" anchor="ctr"/>
-          <a:p>
-            <a:endParaRPr/>
-          </a:p>
-        </p:txBody>
+            <a:ext cx="412200" cy="213840"/>
+          </a:xfrm>
+          <a:prstGeom prst="rect">
+            <a:avLst/>
+          </a:prstGeom>
+          <a:noFill/>
+          <a:ln>
+            <a:noFill/>
+          </a:ln>
+        </p:spPr>
       </p:sp>
     </p:spTree>
   </p:cSld>
@@ -7292,18 +4459,22 @@
       </p:grpSpPr>
       <p:sp>
         <p:nvSpPr>
-          <p:cNvPr id="110" name="TextShape 1"/>
-          <p:cNvSpPr txBox="1"/>
+          <p:cNvPr id="108" name="CustomShape 1"/>
+          <p:cNvSpPr/>
           <p:nvPr/>
         </p:nvSpPr>
         <p:spPr>
           <a:xfrm>
             <a:off x="0" y="0"/>
-            <a:ext cx="10028520" cy="759240"/>
-          </a:xfrm>
-          <a:prstGeom prst="rect">
-            <a:avLst/>
-          </a:prstGeom>
+            <a:ext cx="10028160" cy="758880"/>
+          </a:xfrm>
+          <a:prstGeom prst="rect">
+            <a:avLst/>
+          </a:prstGeom>
+          <a:noFill/>
+          <a:ln>
+            <a:noFill/>
+          </a:ln>
         </p:spPr>
         <p:txBody>
           <a:bodyPr lIns="0" rIns="0" tIns="0" bIns="0" anchor="b"/>
@@ -7326,18 +4497,22 @@
       </p:sp>
       <p:sp>
         <p:nvSpPr>
-          <p:cNvPr id="111" name="TextShape 2"/>
-          <p:cNvSpPr txBox="1"/>
+          <p:cNvPr id="109" name="CustomShape 2"/>
+          <p:cNvSpPr/>
           <p:nvPr/>
         </p:nvSpPr>
         <p:spPr>
           <a:xfrm>
             <a:off x="360000" y="1080000"/>
-            <a:ext cx="11418840" cy="5084640"/>
-          </a:xfrm>
-          <a:prstGeom prst="rect">
-            <a:avLst/>
-          </a:prstGeom>
+            <a:ext cx="11418480" cy="5084280"/>
+          </a:xfrm>
+          <a:prstGeom prst="rect">
+            <a:avLst/>
+          </a:prstGeom>
+          <a:noFill/>
+          <a:ln>
+            <a:noFill/>
+          </a:ln>
         </p:spPr>
         <p:txBody>
           <a:bodyPr lIns="45720" rIns="45720" tIns="45000" bIns="45000"/>
@@ -7354,12 +4529,12 @@
                 <a:latin typeface="Arial"/>
                 <a:ea typeface="Arial"/>
               </a:rPr>
-              <a:t>Maze-Solving-Algorithmus:</a:t>
-            </a:r>
-            <a:endParaRPr/>
-          </a:p>
-          <a:p>
-            <a:pPr lvl="1" algn="just">
+              <a:t>Maze-Solving-Algorithmus → Links</a:t>
+            </a:r>
+            <a:endParaRPr/>
+          </a:p>
+          <a:p>
+            <a:pPr>
               <a:lnSpc>
                 <a:spcPct val="100000"/>
               </a:lnSpc>
@@ -7371,12 +4546,48 @@
                 <a:latin typeface="Arial"/>
                 <a:ea typeface="Arial"/>
               </a:rPr>
-              <a:t>stopUntilStopped()</a:t>
+              <a:t>Verwendete Tools:</a:t>
             </a:r>
             <a:endParaRPr/>
           </a:p>
           <a:p>
             <a:pPr lvl="1">
+              <a:lnSpc>
+                <a:spcPct val="100000"/>
+              </a:lnSpc>
+              <a:buSzPct val="45000"/>
+              <a:buFont typeface="StarSymbol"/>
+              <a:buChar char=""/>
+            </a:pPr>
+            <a:r>
+              <a:rPr lang="de-DE" sz="1400">
+                <a:latin typeface="Arial"/>
+                <a:ea typeface="Arial"/>
+              </a:rPr>
+              <a:t>Laser Sensor</a:t>
+            </a:r>
+            <a:endParaRPr/>
+          </a:p>
+          <a:p>
+            <a:pPr lvl="1">
+              <a:lnSpc>
+                <a:spcPct val="100000"/>
+              </a:lnSpc>
+              <a:buSzPct val="45000"/>
+              <a:buFont typeface="StarSymbol"/>
+              <a:buChar char=""/>
+            </a:pPr>
+            <a:r>
+              <a:rPr lang="de-DE" sz="1400">
+                <a:latin typeface="Arial"/>
+                <a:ea typeface="Arial"/>
+              </a:rPr>
+              <a:t>Odometrie</a:t>
+            </a:r>
+            <a:endParaRPr/>
+          </a:p>
+          <a:p>
+            <a:pPr>
               <a:lnSpc>
                 <a:spcPct val="100000"/>
               </a:lnSpc>
@@ -7388,12 +4599,12 @@
                 <a:latin typeface="Arial"/>
                 <a:ea typeface="Arial"/>
               </a:rPr>
-              <a:t>lookAround()</a:t>
-            </a:r>
-            <a:endParaRPr/>
-          </a:p>
-          <a:p>
-            <a:pPr lvl="1">
+              <a:t>Marker gefunden → Recovery fertig</a:t>
+            </a:r>
+            <a:endParaRPr/>
+          </a:p>
+          <a:p>
+            <a:pPr>
               <a:lnSpc>
                 <a:spcPct val="100000"/>
               </a:lnSpc>
@@ -7405,25 +4616,18 @@
                 <a:latin typeface="Arial"/>
                 <a:ea typeface="Arial"/>
               </a:rPr>
-              <a:t>moveTowards(findBestAngle())</a:t>
-            </a:r>
-            <a:endParaRPr/>
-          </a:p>
-          <a:p>
-            <a:pPr lvl="1">
+              <a:t>Geschwindigkeitsbereiche</a:t>
+            </a:r>
+            <a:endParaRPr/>
+          </a:p>
+          <a:p>
+            <a:pPr>
               <a:lnSpc>
                 <a:spcPct val="100000"/>
               </a:lnSpc>
               <a:buFont typeface="Wingdings" charset="2"/>
               <a:buChar char=""/>
             </a:pPr>
-            <a:r>
-              <a:rPr lang="de-DE" sz="1400">
-                <a:latin typeface="Arial"/>
-                <a:ea typeface="Arial"/>
-              </a:rPr>
-              <a:t>rotateFrontParallel() </a:t>
-            </a:r>
             <a:endParaRPr/>
           </a:p>
           <a:p>
@@ -7434,39 +4638,55 @@
               <a:buFont typeface="Wingdings" charset="2"/>
               <a:buChar char=""/>
             </a:pPr>
-            <a:r>
-              <a:rPr lang="de-DE" sz="1400">
-                <a:latin typeface="Arial"/>
-                <a:ea typeface="Arial"/>
-              </a:rPr>
-              <a:t>moveForward()</a:t>
-            </a:r>
-            <a:endParaRPr/>
-          </a:p>
-        </p:txBody>
-      </p:sp>
-      <p:sp>
-        <p:nvSpPr>
-          <p:cNvPr id="112" name="TextShape 3"/>
-          <p:cNvSpPr txBox="1"/>
+            <a:endParaRPr/>
+          </a:p>
+        </p:txBody>
+      </p:sp>
+      <p:sp>
+        <p:nvSpPr>
+          <p:cNvPr id="110" name="CustomShape 3"/>
+          <p:cNvSpPr/>
           <p:nvPr/>
         </p:nvSpPr>
         <p:spPr>
           <a:xfrm>
             <a:off x="11779200" y="6352560"/>
-            <a:ext cx="412560" cy="214200"/>
-          </a:xfrm>
-          <a:prstGeom prst="rect">
-            <a:avLst/>
-          </a:prstGeom>
-        </p:spPr>
-        <p:txBody>
-          <a:bodyPr lIns="0" rIns="0" tIns="0" bIns="0" anchor="ctr"/>
-          <a:p>
-            <a:endParaRPr/>
-          </a:p>
-        </p:txBody>
-      </p:sp>
+            <a:ext cx="412200" cy="213840"/>
+          </a:xfrm>
+          <a:prstGeom prst="rect">
+            <a:avLst/>
+          </a:prstGeom>
+          <a:noFill/>
+          <a:ln>
+            <a:noFill/>
+          </a:ln>
+        </p:spPr>
+      </p:sp>
+      <p:pic>
+        <p:nvPicPr>
+          <p:cNvPr id="111" name="" descr=""/>
+          <p:cNvPicPr/>
+          <p:nvPr/>
+        </p:nvPicPr>
+        <p:blipFill>
+          <a:blip r:embed="rId1"/>
+          <a:stretch>
+            <a:fillRect/>
+          </a:stretch>
+        </p:blipFill>
+        <p:spPr>
+          <a:xfrm>
+            <a:off x="2088000" y="2574720"/>
+            <a:ext cx="3280320" cy="3689280"/>
+          </a:xfrm>
+          <a:prstGeom prst="rect">
+            <a:avLst/>
+          </a:prstGeom>
+          <a:ln>
+            <a:noFill/>
+          </a:ln>
+        </p:spPr>
+      </p:pic>
     </p:spTree>
   </p:cSld>
   <p:timing>
@@ -7518,18 +4738,22 @@
       </p:grpSpPr>
       <p:sp>
         <p:nvSpPr>
-          <p:cNvPr id="113" name="TextShape 1"/>
-          <p:cNvSpPr txBox="1"/>
+          <p:cNvPr id="112" name="CustomShape 1"/>
+          <p:cNvSpPr/>
           <p:nvPr/>
         </p:nvSpPr>
         <p:spPr>
           <a:xfrm>
             <a:off x="0" y="0"/>
-            <a:ext cx="10028520" cy="759240"/>
-          </a:xfrm>
-          <a:prstGeom prst="rect">
-            <a:avLst/>
-          </a:prstGeom>
+            <a:ext cx="10028160" cy="758880"/>
+          </a:xfrm>
+          <a:prstGeom prst="rect">
+            <a:avLst/>
+          </a:prstGeom>
+          <a:noFill/>
+          <a:ln>
+            <a:noFill/>
+          </a:ln>
         </p:spPr>
         <p:txBody>
           <a:bodyPr lIns="0" rIns="0" tIns="0" bIns="0" anchor="b"/>
@@ -7544,67 +4768,337 @@
                 <a:latin typeface="Arial"/>
                 <a:ea typeface="Arial"/>
               </a:rPr>
-              <a:t>Geschwindigkeitsbereiche</a:t>
-            </a:r>
-            <a:endParaRPr/>
-          </a:p>
-        </p:txBody>
-      </p:sp>
-      <p:sp>
-        <p:nvSpPr>
-          <p:cNvPr id="114" name="TextShape 2"/>
-          <p:cNvSpPr txBox="1"/>
+              <a:t>Kidnap Recovery</a:t>
+            </a:r>
+            <a:endParaRPr/>
+          </a:p>
+        </p:txBody>
+      </p:sp>
+      <p:sp>
+        <p:nvSpPr>
+          <p:cNvPr id="113" name="CustomShape 2"/>
+          <p:cNvSpPr/>
           <p:nvPr/>
         </p:nvSpPr>
         <p:spPr>
           <a:xfrm>
             <a:off x="360000" y="1080000"/>
-            <a:ext cx="11418840" cy="5084640"/>
-          </a:xfrm>
-          <a:prstGeom prst="rect">
-            <a:avLst/>
-          </a:prstGeom>
+            <a:ext cx="11418480" cy="5084280"/>
+          </a:xfrm>
+          <a:prstGeom prst="rect">
+            <a:avLst/>
+          </a:prstGeom>
+          <a:noFill/>
+          <a:ln>
+            <a:noFill/>
+          </a:ln>
         </p:spPr>
         <p:txBody>
           <a:bodyPr lIns="45720" rIns="45720" tIns="45000" bIns="45000"/>
           <a:p>
             <a:pPr>
-              <a:buSzPct val="45000"/>
-              <a:buFont typeface="StarSymbol"/>
-              <a:buChar char=""/>
-            </a:pPr>
-            <a:r>
-              <a:rPr lang="de-DE" sz="1400">
-                <a:latin typeface="Arial"/>
-              </a:rPr>
-              <a:t>Insert picture here</a:t>
-            </a:r>
-            <a:endParaRPr/>
-          </a:p>
-        </p:txBody>
-      </p:sp>
-      <p:sp>
-        <p:nvSpPr>
-          <p:cNvPr id="115" name="TextShape 3"/>
-          <p:cNvSpPr txBox="1"/>
+              <a:lnSpc>
+                <a:spcPct val="100000"/>
+              </a:lnSpc>
+              <a:buFont typeface="Wingdings" charset="2"/>
+              <a:buChar char=""/>
+            </a:pPr>
+            <a:r>
+              <a:rPr lang="de-DE" sz="1400">
+                <a:latin typeface="Arial"/>
+                <a:ea typeface="Arial"/>
+              </a:rPr>
+              <a:t>Punktwolken</a:t>
+            </a:r>
+            <a:endParaRPr/>
+          </a:p>
+          <a:p>
+            <a:pPr>
+              <a:lnSpc>
+                <a:spcPct val="100000"/>
+              </a:lnSpc>
+              <a:buFont typeface="Wingdings" charset="2"/>
+              <a:buChar char=""/>
+            </a:pPr>
+            <a:r>
+              <a:rPr lang="de-DE" sz="1400">
+                <a:latin typeface="Arial"/>
+                <a:ea typeface="Arial"/>
+              </a:rPr>
+              <a:t>
+</a:t>
+            </a:r>
+            <a:r>
+              <a:rPr lang="de-DE" sz="1400">
+                <a:latin typeface="Arial"/>
+                <a:ea typeface="Arial"/>
+              </a:rPr>
+              <a:t>
+</a:t>
+            </a:r>
+            <a:r>
+              <a:rPr lang="de-DE" sz="1400">
+                <a:latin typeface="Arial"/>
+                <a:ea typeface="Arial"/>
+              </a:rPr>
+              <a:t>
+</a:t>
+            </a:r>
+            <a:r>
+              <a:rPr lang="de-DE" sz="1400">
+                <a:latin typeface="Arial"/>
+                <a:ea typeface="Arial"/>
+              </a:rPr>
+              <a:t>
+</a:t>
+            </a:r>
+            <a:r>
+              <a:rPr lang="de-DE" sz="1400">
+                <a:latin typeface="Arial"/>
+                <a:ea typeface="Arial"/>
+              </a:rPr>
+              <a:t>
+</a:t>
+            </a:r>
+            <a:r>
+              <a:rPr lang="de-DE" sz="1400">
+                <a:latin typeface="Arial"/>
+                <a:ea typeface="Arial"/>
+              </a:rPr>
+              <a:t>
+</a:t>
+            </a:r>
+            <a:r>
+              <a:rPr lang="de-DE" sz="1400">
+                <a:latin typeface="Arial"/>
+                <a:ea typeface="Arial"/>
+              </a:rPr>
+              <a:t>
+</a:t>
+            </a:r>
+            <a:r>
+              <a:rPr lang="de-DE" sz="1400">
+                <a:latin typeface="Arial"/>
+                <a:ea typeface="Arial"/>
+              </a:rPr>
+              <a:t>
+</a:t>
+            </a:r>
+            <a:r>
+              <a:rPr lang="de-DE" sz="1400">
+                <a:latin typeface="Arial"/>
+                <a:ea typeface="Arial"/>
+              </a:rPr>
+              <a:t>
+</a:t>
+            </a:r>
+            <a:r>
+              <a:rPr lang="de-DE" sz="1400">
+                <a:latin typeface="Arial"/>
+                <a:ea typeface="Arial"/>
+              </a:rPr>
+              <a:t>
+</a:t>
+            </a:r>
+            <a:r>
+              <a:rPr lang="de-DE" sz="1400">
+                <a:latin typeface="Arial"/>
+                <a:ea typeface="Arial"/>
+              </a:rPr>
+              <a:t>
+</a:t>
+            </a:r>
+            <a:endParaRPr/>
+          </a:p>
+          <a:p>
+            <a:pPr>
+              <a:lnSpc>
+                <a:spcPct val="100000"/>
+              </a:lnSpc>
+              <a:buFont typeface="Wingdings" charset="2"/>
+              <a:buChar char=""/>
+            </a:pPr>
+            <a:r>
+              <a:rPr lang="de-DE" sz="1400">
+                <a:latin typeface="Arial"/>
+                <a:ea typeface="Arial"/>
+              </a:rPr>
+              <a:t>Relevante Bereiche</a:t>
+            </a:r>
+            <a:endParaRPr/>
+          </a:p>
+          <a:p>
+            <a:pPr>
+              <a:lnSpc>
+                <a:spcPct val="100000"/>
+              </a:lnSpc>
+              <a:buFont typeface="Wingdings" charset="2"/>
+              <a:buChar char=""/>
+            </a:pPr>
+            <a:r>
+              <a:rPr lang="de-DE" sz="1400">
+                <a:latin typeface="Arial"/>
+                <a:ea typeface="Arial"/>
+              </a:rPr>
+              <a:t>
+</a:t>
+            </a:r>
+            <a:r>
+              <a:rPr lang="de-DE" sz="1400">
+                <a:latin typeface="Arial"/>
+                <a:ea typeface="Arial"/>
+              </a:rPr>
+              <a:t>
+</a:t>
+            </a:r>
+            <a:r>
+              <a:rPr lang="de-DE" sz="1400">
+                <a:latin typeface="Arial"/>
+                <a:ea typeface="Arial"/>
+              </a:rPr>
+              <a:t>
+</a:t>
+            </a:r>
+            <a:r>
+              <a:rPr lang="de-DE" sz="1400">
+                <a:latin typeface="Arial"/>
+                <a:ea typeface="Arial"/>
+              </a:rPr>
+              <a:t>
+</a:t>
+            </a:r>
+            <a:r>
+              <a:rPr lang="de-DE" sz="1400">
+                <a:latin typeface="Arial"/>
+                <a:ea typeface="Arial"/>
+              </a:rPr>
+              <a:t>
+</a:t>
+            </a:r>
+            <a:r>
+              <a:rPr lang="de-DE" sz="1400">
+                <a:latin typeface="Arial"/>
+                <a:ea typeface="Arial"/>
+              </a:rPr>
+              <a:t>
+</a:t>
+            </a:r>
+            <a:r>
+              <a:rPr lang="de-DE" sz="1400">
+                <a:latin typeface="Arial"/>
+                <a:ea typeface="Arial"/>
+              </a:rPr>
+              <a:t>
+</a:t>
+            </a:r>
+            <a:r>
+              <a:rPr lang="de-DE" sz="1400">
+                <a:latin typeface="Arial"/>
+                <a:ea typeface="Arial"/>
+              </a:rPr>
+              <a:t>
+</a:t>
+            </a:r>
+            <a:r>
+              <a:rPr lang="de-DE" sz="1400">
+                <a:latin typeface="Arial"/>
+                <a:ea typeface="Arial"/>
+              </a:rPr>
+              <a:t>
+</a:t>
+            </a:r>
+            <a:r>
+              <a:rPr lang="de-DE" sz="1400">
+                <a:latin typeface="Arial"/>
+                <a:ea typeface="Arial"/>
+              </a:rPr>
+              <a:t>
+</a:t>
+            </a:r>
+            <a:endParaRPr/>
+          </a:p>
+          <a:p>
+            <a:pPr lvl="1">
+              <a:lnSpc>
+                <a:spcPct val="100000"/>
+              </a:lnSpc>
+              <a:buFont typeface="Wingdings" charset="2"/>
+              <a:buChar char=""/>
+            </a:pPr>
+            <a:endParaRPr/>
+          </a:p>
+        </p:txBody>
+      </p:sp>
+      <p:sp>
+        <p:nvSpPr>
+          <p:cNvPr id="114" name="CustomShape 3"/>
+          <p:cNvSpPr/>
           <p:nvPr/>
         </p:nvSpPr>
         <p:spPr>
           <a:xfrm>
             <a:off x="11779200" y="6352560"/>
-            <a:ext cx="412560" cy="214200"/>
-          </a:xfrm>
-          <a:prstGeom prst="rect">
-            <a:avLst/>
-          </a:prstGeom>
-        </p:spPr>
-        <p:txBody>
-          <a:bodyPr lIns="0" rIns="0" tIns="0" bIns="0" anchor="ctr"/>
-          <a:p>
-            <a:endParaRPr/>
-          </a:p>
-        </p:txBody>
-      </p:sp>
+            <a:ext cx="412200" cy="213840"/>
+          </a:xfrm>
+          <a:prstGeom prst="rect">
+            <a:avLst/>
+          </a:prstGeom>
+          <a:noFill/>
+          <a:ln>
+            <a:noFill/>
+          </a:ln>
+        </p:spPr>
+      </p:sp>
+      <p:pic>
+        <p:nvPicPr>
+          <p:cNvPr id="115" name="" descr=""/>
+          <p:cNvPicPr/>
+          <p:nvPr/>
+        </p:nvPicPr>
+        <p:blipFill>
+          <a:blip r:embed="rId1"/>
+          <a:stretch>
+            <a:fillRect/>
+          </a:stretch>
+        </p:blipFill>
+        <p:spPr>
+          <a:xfrm>
+            <a:off x="670680" y="1368000"/>
+            <a:ext cx="2785320" cy="2480760"/>
+          </a:xfrm>
+          <a:prstGeom prst="rect">
+            <a:avLst/>
+          </a:prstGeom>
+          <a:ln>
+            <a:noFill/>
+          </a:ln>
+        </p:spPr>
+      </p:pic>
+      <p:pic>
+        <p:nvPicPr>
+          <p:cNvPr id="116" name="" descr=""/>
+          <p:cNvPicPr/>
+          <p:nvPr/>
+        </p:nvPicPr>
+        <p:blipFill>
+          <a:blip r:embed="rId2"/>
+          <a:stretch>
+            <a:fillRect/>
+          </a:stretch>
+        </p:blipFill>
+        <p:spPr>
+          <a:xfrm>
+            <a:off x="1215360" y="4176000"/>
+            <a:ext cx="1880640" cy="2338200"/>
+          </a:xfrm>
+          <a:prstGeom prst="rect">
+            <a:avLst/>
+          </a:prstGeom>
+          <a:ln>
+            <a:noFill/>
+          </a:ln>
+        </p:spPr>
+      </p:pic>
     </p:spTree>
   </p:cSld>
   <p:timing>
@@ -7656,18 +5150,22 @@
       </p:grpSpPr>
       <p:sp>
         <p:nvSpPr>
-          <p:cNvPr id="116" name="TextShape 1"/>
-          <p:cNvSpPr txBox="1"/>
+          <p:cNvPr id="117" name="CustomShape 1"/>
+          <p:cNvSpPr/>
           <p:nvPr/>
         </p:nvSpPr>
         <p:spPr>
           <a:xfrm>
             <a:off x="0" y="0"/>
-            <a:ext cx="10028520" cy="759240"/>
-          </a:xfrm>
-          <a:prstGeom prst="rect">
-            <a:avLst/>
-          </a:prstGeom>
+            <a:ext cx="10028160" cy="758880"/>
+          </a:xfrm>
+          <a:prstGeom prst="rect">
+            <a:avLst/>
+          </a:prstGeom>
+          <a:noFill/>
+          <a:ln>
+            <a:noFill/>
+          </a:ln>
         </p:spPr>
         <p:txBody>
           <a:bodyPr lIns="0" rIns="0" tIns="0" bIns="0" anchor="b"/>
@@ -7690,18 +5188,22 @@
       </p:sp>
       <p:sp>
         <p:nvSpPr>
-          <p:cNvPr id="117" name="TextShape 2"/>
-          <p:cNvSpPr txBox="1"/>
+          <p:cNvPr id="118" name="CustomShape 2"/>
+          <p:cNvSpPr/>
           <p:nvPr/>
         </p:nvSpPr>
         <p:spPr>
           <a:xfrm>
             <a:off x="360000" y="1080000"/>
-            <a:ext cx="11418840" cy="5084640"/>
-          </a:xfrm>
-          <a:prstGeom prst="rect">
-            <a:avLst/>
-          </a:prstGeom>
+            <a:ext cx="11418480" cy="5084280"/>
+          </a:xfrm>
+          <a:prstGeom prst="rect">
+            <a:avLst/>
+          </a:prstGeom>
+          <a:noFill/>
+          <a:ln>
+            <a:noFill/>
+          </a:ln>
         </p:spPr>
         <p:txBody>
           <a:bodyPr lIns="45720" rIns="45720" tIns="45000" bIns="45000"/>
@@ -7718,12 +5220,12 @@
                 <a:latin typeface="Arial"/>
                 <a:ea typeface="Arial"/>
               </a:rPr>
-              <a:t>Maze-Solving-Algorithmus:</a:t>
-            </a:r>
-            <a:endParaRPr/>
-          </a:p>
-          <a:p>
-            <a:pPr lvl="1" algn="just">
+              <a:t>Initiale Aktionen:</a:t>
+            </a:r>
+            <a:endParaRPr/>
+          </a:p>
+          <a:p>
+            <a:pPr lvl="1">
               <a:lnSpc>
                 <a:spcPct val="100000"/>
               </a:lnSpc>
@@ -7731,11 +5233,11 @@
               <a:buChar char=""/>
             </a:pPr>
             <a:r>
-              <a:rPr b="1" lang="de-DE" sz="1400">
-                <a:latin typeface="Arial"/>
-                <a:ea typeface="Arial"/>
-              </a:rPr>
-              <a:t>stopUntilStopped()</a:t>
+              <a:rPr lang="de-DE" sz="1400">
+                <a:latin typeface="Arial"/>
+                <a:ea typeface="Arial"/>
+              </a:rPr>
+              <a:t>Roboter stoppt</a:t>
             </a:r>
             <a:endParaRPr/>
           </a:p>
@@ -7752,7 +5254,7 @@
                 <a:latin typeface="Arial"/>
                 <a:ea typeface="Arial"/>
               </a:rPr>
-              <a:t>lookAround()</a:t>
+              <a:t>Roboter schaut die Umgebung rum</a:t>
             </a:r>
             <a:endParaRPr/>
           </a:p>
@@ -7769,7 +5271,7 @@
                 <a:latin typeface="Arial"/>
                 <a:ea typeface="Arial"/>
               </a:rPr>
-              <a:t>moveTowards(findBestAngle())</a:t>
+              <a:t>Roboter fährt zum nächsten Hindernis (Wand z.B.)</a:t>
             </a:r>
             <a:endParaRPr/>
           </a:p>
@@ -7786,7 +5288,7 @@
                 <a:latin typeface="Arial"/>
                 <a:ea typeface="Arial"/>
               </a:rPr>
-              <a:t>rotateFrontParallel() </a:t>
+              <a:t>Roboter richtet sich parallel aus zu dem Hindernis</a:t>
             </a:r>
             <a:endParaRPr/>
           </a:p>
@@ -7803,33 +5305,143 @@
                 <a:latin typeface="Arial"/>
                 <a:ea typeface="Arial"/>
               </a:rPr>
-              <a:t>moveForward()</a:t>
-            </a:r>
-            <a:endParaRPr/>
-          </a:p>
-        </p:txBody>
-      </p:sp>
-      <p:sp>
-        <p:nvSpPr>
-          <p:cNvPr id="118" name="TextShape 3"/>
-          <p:cNvSpPr txBox="1"/>
+              <a:t>Roboter fährt weiter um die Umgebung zu explorieren</a:t>
+            </a:r>
+            <a:endParaRPr/>
+          </a:p>
+          <a:p>
+            <a:pPr>
+              <a:lnSpc>
+                <a:spcPct val="100000"/>
+              </a:lnSpc>
+              <a:buFont typeface="Wingdings" charset="2"/>
+              <a:buChar char=""/>
+            </a:pPr>
+            <a:r>
+              <a:rPr lang="de-DE" sz="1400">
+                <a:latin typeface="Arial"/>
+                <a:ea typeface="Arial"/>
+              </a:rPr>
+              <a:t>Exploration:</a:t>
+            </a:r>
+            <a:endParaRPr/>
+          </a:p>
+          <a:p>
+            <a:pPr lvl="1">
+              <a:lnSpc>
+                <a:spcPct val="100000"/>
+              </a:lnSpc>
+              <a:buFont typeface="Wingdings" charset="2"/>
+              <a:buChar char=""/>
+            </a:pPr>
+            <a:r>
+              <a:rPr lang="de-DE" sz="1400">
+                <a:latin typeface="Arial"/>
+                <a:ea typeface="Arial"/>
+              </a:rPr>
+              <a:t>Roboter fährt prinzipiell immer nach vorne.</a:t>
+            </a:r>
+            <a:endParaRPr/>
+          </a:p>
+          <a:p>
+            <a:pPr lvl="1">
+              <a:lnSpc>
+                <a:spcPct val="100000"/>
+              </a:lnSpc>
+              <a:buFont typeface="Wingdings" charset="2"/>
+              <a:buChar char=""/>
+            </a:pPr>
+            <a:r>
+              <a:rPr lang="de-DE" sz="1400">
+                <a:latin typeface="Arial"/>
+                <a:ea typeface="Arial"/>
+              </a:rPr>
+              <a:t>Roboter prüft ob er nach Links fahren kann. Wenn ja, fährt er nach Links, sonst fährt er weiter.</a:t>
+            </a:r>
+            <a:endParaRPr/>
+          </a:p>
+          <a:p>
+            <a:pPr lvl="1">
+              <a:lnSpc>
+                <a:spcPct val="100000"/>
+              </a:lnSpc>
+              <a:buFont typeface="Wingdings" charset="2"/>
+              <a:buChar char=""/>
+            </a:pPr>
+            <a:r>
+              <a:rPr lang="de-DE" sz="1400">
+                <a:latin typeface="Arial"/>
+                <a:ea typeface="Arial"/>
+              </a:rPr>
+              <a:t>Prüft regelmäßig in welchem Geschwindigkeitsbereich er sich befindet und passt seine Geschwindigkeit entsprechend.</a:t>
+            </a:r>
+            <a:endParaRPr/>
+          </a:p>
+          <a:p>
+            <a:pPr lvl="1">
+              <a:lnSpc>
+                <a:spcPct val="100000"/>
+              </a:lnSpc>
+              <a:buFont typeface="Wingdings" charset="2"/>
+              <a:buChar char=""/>
+            </a:pPr>
+            <a:r>
+              <a:rPr lang="de-DE" sz="1400">
+                <a:latin typeface="Arial"/>
+                <a:ea typeface="Arial"/>
+              </a:rPr>
+              <a:t>Prüft regelmäßig ob er parallel ausgerichtet ist zu dem linken Hindernis und passt seine Orientierung entsprechend.</a:t>
+            </a:r>
+            <a:endParaRPr/>
+          </a:p>
+          <a:p>
+            <a:pPr lvl="1">
+              <a:lnSpc>
+                <a:spcPct val="100000"/>
+              </a:lnSpc>
+              <a:buFont typeface="Wingdings" charset="2"/>
+              <a:buChar char=""/>
+            </a:pPr>
+            <a:r>
+              <a:rPr lang="de-DE" sz="1400">
+                <a:latin typeface="Arial"/>
+                <a:ea typeface="Arial"/>
+              </a:rPr>
+              <a:t>Prüft regelmäßig ob sein Abstand zum Hindernis in Ordnung ist und passt seine Position entsprechend.</a:t>
+            </a:r>
+            <a:endParaRPr/>
+          </a:p>
+          <a:p>
+            <a:pPr lvl="1">
+              <a:lnSpc>
+                <a:spcPct val="100000"/>
+              </a:lnSpc>
+              <a:buFont typeface="Wingdings" charset="2"/>
+              <a:buChar char=""/>
+            </a:pPr>
+            <a:endParaRPr/>
+          </a:p>
+        </p:txBody>
+      </p:sp>
+      <p:sp>
+        <p:nvSpPr>
+          <p:cNvPr id="119" name="CustomShape 3"/>
+          <p:cNvSpPr/>
           <p:nvPr/>
         </p:nvSpPr>
         <p:spPr>
           <a:xfrm>
             <a:off x="11779200" y="6352560"/>
-            <a:ext cx="412560" cy="214200"/>
-          </a:xfrm>
-          <a:prstGeom prst="rect">
-            <a:avLst/>
-          </a:prstGeom>
-        </p:spPr>
-        <p:txBody>
-          <a:bodyPr lIns="0" rIns="0" tIns="0" bIns="0" anchor="ctr"/>
-          <a:p>
-            <a:endParaRPr/>
-          </a:p>
-        </p:txBody>
+            <a:ext cx="412200" cy="213840"/>
+          </a:xfrm>
+          <a:prstGeom prst="rect">
+            <a:avLst/>
+          </a:prstGeom>
+          <a:noFill/>
+          <a:ln>
+            <a:noFill/>
+          </a:ln>
+        </p:spPr>
       </p:sp>
     </p:spTree>
   </p:cSld>
@@ -7882,18 +5494,22 @@
       </p:grpSpPr>
       <p:sp>
         <p:nvSpPr>
-          <p:cNvPr id="119" name="TextShape 1"/>
-          <p:cNvSpPr txBox="1"/>
+          <p:cNvPr id="120" name="CustomShape 1"/>
+          <p:cNvSpPr/>
           <p:nvPr/>
         </p:nvSpPr>
         <p:spPr>
           <a:xfrm>
             <a:off x="0" y="0"/>
-            <a:ext cx="10028520" cy="759240"/>
-          </a:xfrm>
-          <a:prstGeom prst="rect">
-            <a:avLst/>
-          </a:prstGeom>
+            <a:ext cx="10028160" cy="758880"/>
+          </a:xfrm>
+          <a:prstGeom prst="rect">
+            <a:avLst/>
+          </a:prstGeom>
+          <a:noFill/>
+          <a:ln>
+            <a:noFill/>
+          </a:ln>
         </p:spPr>
         <p:txBody>
           <a:bodyPr lIns="0" rIns="0" tIns="0" bIns="0" anchor="b"/>
@@ -7908,26 +5524,30 @@
                 <a:latin typeface="Arial"/>
                 <a:ea typeface="Arial"/>
               </a:rPr>
-              <a:t>Kidnap Recovery</a:t>
-            </a:r>
-            <a:endParaRPr/>
-          </a:p>
-        </p:txBody>
-      </p:sp>
-      <p:sp>
-        <p:nvSpPr>
-          <p:cNvPr id="120" name="TextShape 2"/>
-          <p:cNvSpPr txBox="1"/>
+              <a:t>Aufgetretene Probleme </a:t>
+            </a:r>
+            <a:endParaRPr/>
+          </a:p>
+        </p:txBody>
+      </p:sp>
+      <p:sp>
+        <p:nvSpPr>
+          <p:cNvPr id="121" name="CustomShape 2"/>
+          <p:cNvSpPr/>
           <p:nvPr/>
         </p:nvSpPr>
         <p:spPr>
           <a:xfrm>
             <a:off x="360000" y="1080000"/>
-            <a:ext cx="11418840" cy="5084640"/>
-          </a:xfrm>
-          <a:prstGeom prst="rect">
-            <a:avLst/>
-          </a:prstGeom>
+            <a:ext cx="11418480" cy="5084280"/>
+          </a:xfrm>
+          <a:prstGeom prst="rect">
+            <a:avLst/>
+          </a:prstGeom>
+          <a:noFill/>
+          <a:ln>
+            <a:noFill/>
+          </a:ln>
         </p:spPr>
         <p:txBody>
           <a:bodyPr lIns="45720" rIns="45720" tIns="45000" bIns="45000"/>
@@ -7944,12 +5564,30 @@
                 <a:latin typeface="Arial"/>
                 <a:ea typeface="Arial"/>
               </a:rPr>
-              <a:t>Maze-Solving-Algorithmus:</a:t>
+              <a:t>Ungleiche Boden</a:t>
             </a:r>
             <a:endParaRPr/>
           </a:p>
           <a:p>
             <a:pPr lvl="1">
+              <a:lnSpc>
+                <a:spcPct val="100000"/>
+              </a:lnSpc>
+              <a:buSzPct val="75000"/>
+              <a:buFont typeface="StarSymbol"/>
+              <a:buChar char="l"/>
+            </a:pPr>
+            <a:r>
+              <a:rPr lang="de-DE" sz="1400">
+                <a:latin typeface="Arial"/>
+                <a:ea typeface="Arial"/>
+              </a:rPr>
+              <a:t>Räder dreht sich im Luft → falsche /slam_out_pose</a:t>
+            </a:r>
+            <a:endParaRPr/>
+          </a:p>
+          <a:p>
+            <a:pPr>
               <a:lnSpc>
                 <a:spcPct val="100000"/>
               </a:lnSpc>
@@ -7961,12 +5599,30 @@
                 <a:latin typeface="Arial"/>
                 <a:ea typeface="Arial"/>
               </a:rPr>
-              <a:t>stopUntilStopped()</a:t>
+              <a:t>Gefälle</a:t>
             </a:r>
             <a:endParaRPr/>
           </a:p>
           <a:p>
             <a:pPr lvl="1">
+              <a:lnSpc>
+                <a:spcPct val="100000"/>
+              </a:lnSpc>
+              <a:buSzPct val="75000"/>
+              <a:buFont typeface="StarSymbol"/>
+              <a:buChar char="l"/>
+            </a:pPr>
+            <a:r>
+              <a:rPr lang="de-DE" sz="1400">
+                <a:latin typeface="Arial"/>
+                <a:ea typeface="Arial"/>
+              </a:rPr>
+              <a:t>stopUntilStopped() braucht viel mehr Zeit als normal bis die Rädern nicht mehr drehen.</a:t>
+            </a:r>
+            <a:endParaRPr/>
+          </a:p>
+          <a:p>
+            <a:pPr>
               <a:lnSpc>
                 <a:spcPct val="100000"/>
               </a:lnSpc>
@@ -7974,16 +5630,34 @@
               <a:buChar char=""/>
             </a:pPr>
             <a:r>
-              <a:rPr b="1" lang="de-DE" sz="1400">
-                <a:latin typeface="Arial"/>
-                <a:ea typeface="Arial"/>
-              </a:rPr>
-              <a:t>lookAround()</a:t>
+              <a:rPr lang="de-DE" sz="1400">
+                <a:latin typeface="Arial"/>
+                <a:ea typeface="Arial"/>
+              </a:rPr>
+              <a:t>Transparente Büro-Fenster</a:t>
             </a:r>
             <a:endParaRPr/>
           </a:p>
           <a:p>
             <a:pPr lvl="1">
+              <a:lnSpc>
+                <a:spcPct val="100000"/>
+              </a:lnSpc>
+              <a:buSzPct val="75000"/>
+              <a:buFont typeface="StarSymbol"/>
+              <a:buChar char="l"/>
+            </a:pPr>
+            <a:r>
+              <a:rPr lang="de-DE" sz="1400">
+                <a:latin typeface="Arial"/>
+                <a:ea typeface="Arial"/>
+              </a:rPr>
+              <a:t>Punktwolken vom Fenster werden nicht richtig gefangen</a:t>
+            </a:r>
+            <a:endParaRPr/>
+          </a:p>
+          <a:p>
+            <a:pPr>
               <a:lnSpc>
                 <a:spcPct val="100000"/>
               </a:lnSpc>
@@ -7995,12 +5669,30 @@
                 <a:latin typeface="Arial"/>
                 <a:ea typeface="Arial"/>
               </a:rPr>
-              <a:t>moveTowards(findBestAngle())</a:t>
+              <a:t>WLAN</a:t>
             </a:r>
             <a:endParaRPr/>
           </a:p>
           <a:p>
             <a:pPr lvl="1">
+              <a:lnSpc>
+                <a:spcPct val="100000"/>
+              </a:lnSpc>
+              <a:buSzPct val="75000"/>
+              <a:buFont typeface="StarSymbol"/>
+              <a:buChar char="l"/>
+            </a:pPr>
+            <a:r>
+              <a:rPr lang="de-DE" sz="1400">
+                <a:latin typeface="Arial"/>
+                <a:ea typeface="Arial"/>
+              </a:rPr>
+              <a:t>Latency</a:t>
+            </a:r>
+            <a:endParaRPr/>
+          </a:p>
+          <a:p>
+            <a:pPr>
               <a:lnSpc>
                 <a:spcPct val="100000"/>
               </a:lnSpc>
@@ -8012,7 +5704,7 @@
                 <a:latin typeface="Arial"/>
                 <a:ea typeface="Arial"/>
               </a:rPr>
-              <a:t>rotateFrontParallel() </a:t>
+              <a:t>Simulator</a:t>
             </a:r>
             <a:endParaRPr/>
           </a:p>
@@ -8021,41 +5713,58 @@
               <a:lnSpc>
                 <a:spcPct val="100000"/>
               </a:lnSpc>
-              <a:buFont typeface="Wingdings" charset="2"/>
-              <a:buChar char=""/>
-            </a:pPr>
-            <a:r>
-              <a:rPr lang="de-DE" sz="1400">
-                <a:latin typeface="Arial"/>
-                <a:ea typeface="Arial"/>
-              </a:rPr>
-              <a:t>moveForward()</a:t>
-            </a:r>
-            <a:endParaRPr/>
-          </a:p>
-        </p:txBody>
-      </p:sp>
-      <p:sp>
-        <p:nvSpPr>
-          <p:cNvPr id="121" name="TextShape 3"/>
-          <p:cNvSpPr txBox="1"/>
+              <a:buSzPct val="75000"/>
+              <a:buFont typeface="StarSymbol"/>
+              <a:buChar char="l"/>
+            </a:pPr>
+            <a:r>
+              <a:rPr lang="de-DE" sz="1400">
+                <a:latin typeface="Arial"/>
+                <a:ea typeface="Arial"/>
+              </a:rPr>
+              <a:t>Entspricht das echte Roboter nicht</a:t>
+            </a:r>
+            <a:endParaRPr/>
+          </a:p>
+          <a:p>
+            <a:pPr lvl="1">
+              <a:lnSpc>
+                <a:spcPct val="100000"/>
+              </a:lnSpc>
+              <a:buSzPct val="75000"/>
+              <a:buFont typeface="StarSymbol"/>
+              <a:buChar char="l"/>
+            </a:pPr>
+            <a:r>
+              <a:rPr lang="de-DE" sz="1400">
+                <a:latin typeface="Arial"/>
+                <a:ea typeface="Arial"/>
+              </a:rPr>
+              <a:t>Viel Zeit dafür verschwendet</a:t>
+            </a:r>
+            <a:endParaRPr/>
+          </a:p>
+        </p:txBody>
+      </p:sp>
+      <p:sp>
+        <p:nvSpPr>
+          <p:cNvPr id="122" name="CustomShape 3"/>
+          <p:cNvSpPr/>
           <p:nvPr/>
         </p:nvSpPr>
         <p:spPr>
           <a:xfrm>
             <a:off x="11779200" y="6352560"/>
-            <a:ext cx="412560" cy="214200"/>
-          </a:xfrm>
-          <a:prstGeom prst="rect">
-            <a:avLst/>
-          </a:prstGeom>
-        </p:spPr>
-        <p:txBody>
-          <a:bodyPr lIns="0" rIns="0" tIns="0" bIns="0" anchor="ctr"/>
-          <a:p>
-            <a:endParaRPr/>
-          </a:p>
-        </p:txBody>
+            <a:ext cx="412200" cy="213840"/>
+          </a:xfrm>
+          <a:prstGeom prst="rect">
+            <a:avLst/>
+          </a:prstGeom>
+          <a:noFill/>
+          <a:ln>
+            <a:noFill/>
+          </a:ln>
+        </p:spPr>
       </p:sp>
     </p:spTree>
   </p:cSld>
@@ -8108,18 +5817,22 @@
       </p:grpSpPr>
       <p:sp>
         <p:nvSpPr>
-          <p:cNvPr id="122" name="TextShape 1"/>
-          <p:cNvSpPr txBox="1"/>
+          <p:cNvPr id="123" name="CustomShape 1"/>
+          <p:cNvSpPr/>
           <p:nvPr/>
         </p:nvSpPr>
         <p:spPr>
           <a:xfrm>
             <a:off x="0" y="0"/>
-            <a:ext cx="10028520" cy="759240"/>
-          </a:xfrm>
-          <a:prstGeom prst="rect">
-            <a:avLst/>
-          </a:prstGeom>
+            <a:ext cx="10028160" cy="758880"/>
+          </a:xfrm>
+          <a:prstGeom prst="rect">
+            <a:avLst/>
+          </a:prstGeom>
+          <a:noFill/>
+          <a:ln>
+            <a:noFill/>
+          </a:ln>
         </p:spPr>
         <p:txBody>
           <a:bodyPr lIns="0" rIns="0" tIns="0" bIns="0" anchor="b"/>
@@ -8134,108 +5847,224 @@
                 <a:latin typeface="Arial"/>
                 <a:ea typeface="Arial"/>
               </a:rPr>
-              <a:t>LookAround()</a:t>
-            </a:r>
-            <a:endParaRPr/>
-          </a:p>
-        </p:txBody>
-      </p:sp>
-      <p:sp>
-        <p:nvSpPr>
-          <p:cNvPr id="123" name="TextShape 2"/>
-          <p:cNvSpPr txBox="1"/>
+              <a:t>Aussicht</a:t>
+            </a:r>
+            <a:endParaRPr/>
+          </a:p>
+        </p:txBody>
+      </p:sp>
+      <p:sp>
+        <p:nvSpPr>
+          <p:cNvPr id="124" name="CustomShape 2"/>
+          <p:cNvSpPr/>
           <p:nvPr/>
         </p:nvSpPr>
         <p:spPr>
           <a:xfrm>
             <a:off x="360000" y="1080000"/>
-            <a:ext cx="11418840" cy="5084640"/>
-          </a:xfrm>
-          <a:prstGeom prst="rect">
-            <a:avLst/>
-          </a:prstGeom>
+            <a:ext cx="11418480" cy="5084280"/>
+          </a:xfrm>
+          <a:prstGeom prst="rect">
+            <a:avLst/>
+          </a:prstGeom>
+          <a:noFill/>
+          <a:ln>
+            <a:noFill/>
+          </a:ln>
         </p:spPr>
         <p:txBody>
           <a:bodyPr lIns="45720" rIns="45720" tIns="45000" bIns="45000"/>
           <a:p>
             <a:pPr>
-              <a:buSzPct val="45000"/>
-              <a:buFont typeface="StarSymbol"/>
-              <a:buChar char=""/>
-            </a:pPr>
-            <a:r>
-              <a:rPr lang="de-DE" sz="1400">
-                <a:latin typeface="Arial"/>
-              </a:rPr>
-              <a:t>Insert picture</a:t>
+              <a:lnSpc>
+                <a:spcPct val="100000"/>
+              </a:lnSpc>
+              <a:buFont typeface="Wingdings" charset="2"/>
+              <a:buChar char=""/>
+            </a:pPr>
+            <a:r>
+              <a:rPr lang="de-DE" sz="1400">
+                <a:latin typeface="Arial"/>
+                <a:ea typeface="Arial"/>
+              </a:rPr>
+              <a:t>Verbesserung von Kidnap Detection: </a:t>
+            </a:r>
+            <a:endParaRPr/>
+          </a:p>
+          <a:p>
+            <a:pPr lvl="1">
+              <a:lnSpc>
+                <a:spcPct val="100000"/>
+              </a:lnSpc>
+              <a:buFont typeface="Wingdings" charset="2"/>
+              <a:buChar char=""/>
+            </a:pPr>
+            <a:r>
+              <a:rPr lang="de-DE" sz="1400">
+                <a:latin typeface="Arial"/>
+                <a:ea typeface="Arial"/>
+              </a:rPr>
+              <a:t>Maß für die Interpretation von Kovarianzmatrizen</a:t>
+            </a:r>
+            <a:endParaRPr/>
+          </a:p>
+          <a:p>
+            <a:pPr lvl="1">
+              <a:lnSpc>
+                <a:spcPct val="100000"/>
+              </a:lnSpc>
+              <a:buFont typeface="Wingdings" charset="2"/>
+              <a:buChar char=""/>
+            </a:pPr>
+            <a:r>
+              <a:rPr lang="de-DE" sz="1400">
+                <a:latin typeface="Arial"/>
+                <a:ea typeface="Arial"/>
+              </a:rPr>
+              <a:t>Map-Matching</a:t>
+            </a:r>
+            <a:endParaRPr/>
+          </a:p>
+          <a:p>
+            <a:pPr lvl="2">
+              <a:lnSpc>
+                <a:spcPct val="100000"/>
+              </a:lnSpc>
+              <a:buFont typeface="Wingdings" charset="2"/>
+              <a:buChar char=""/>
+            </a:pPr>
+            <a:r>
+              <a:rPr lang="de-DE" sz="1400">
+                <a:latin typeface="Arial"/>
+                <a:ea typeface="Arial"/>
+              </a:rPr>
+              <a:t>Konfidenzrate</a:t>
+            </a:r>
+            <a:endParaRPr/>
+          </a:p>
+          <a:p>
+            <a:pPr lvl="2">
+              <a:lnSpc>
+                <a:spcPct val="100000"/>
+              </a:lnSpc>
+              <a:buFont typeface="Wingdings" charset="2"/>
+              <a:buChar char=""/>
+            </a:pPr>
+            <a:r>
+              <a:rPr lang="de-DE" sz="1400">
+                <a:latin typeface="Arial"/>
+                <a:ea typeface="Arial"/>
+              </a:rPr>
+              <a:t>Rotierbar</a:t>
             </a:r>
             <a:endParaRPr/>
           </a:p>
           <a:p>
             <a:pPr>
-              <a:buSzPct val="45000"/>
-              <a:buFont typeface="StarSymbol"/>
-              <a:buChar char=""/>
-            </a:pPr>
-            <a:r>
-              <a:rPr lang="de-DE" sz="1400">
-                <a:latin typeface="Arial"/>
-              </a:rPr>
-              <a:t>Roboter rotiert sich um 360°.</a:t>
-            </a:r>
-            <a:endParaRPr/>
-          </a:p>
-          <a:p>
-            <a:pPr>
-              <a:buSzPct val="45000"/>
-              <a:buFont typeface="StarSymbol"/>
-              <a:buChar char=""/>
-            </a:pPr>
-            <a:r>
-              <a:rPr lang="de-DE" sz="1400">
-                <a:latin typeface="Arial"/>
-              </a:rPr>
-              <a:t>Markers in der Nähe können hier detektiert werden. Sonst mach weiter mit dem Recovery.</a:t>
-            </a:r>
-            <a:endParaRPr/>
-          </a:p>
-          <a:p>
-            <a:pPr>
-              <a:buSzPct val="45000"/>
-              <a:buFont typeface="StarSymbol"/>
-              <a:buChar char=""/>
-            </a:pPr>
-            <a:r>
-              <a:rPr lang="de-DE" sz="1400">
-                <a:latin typeface="Arial"/>
-              </a:rPr>
-              <a:t>Nur der Hindernispunkt was genau Vorne steht (180° von laser_vor) wird ge-sampled.</a:t>
-            </a:r>
-            <a:endParaRPr/>
-          </a:p>
-        </p:txBody>
-      </p:sp>
-      <p:sp>
-        <p:nvSpPr>
-          <p:cNvPr id="124" name="TextShape 3"/>
-          <p:cNvSpPr txBox="1"/>
+              <a:lnSpc>
+                <a:spcPct val="100000"/>
+              </a:lnSpc>
+              <a:buFont typeface="Wingdings" charset="2"/>
+              <a:buChar char=""/>
+            </a:pPr>
+            <a:r>
+              <a:rPr lang="de-DE" sz="1400">
+                <a:latin typeface="Arial"/>
+                <a:ea typeface="Arial"/>
+              </a:rPr>
+              <a:t>Verbesserung von Kidnap Recovery:</a:t>
+            </a:r>
+            <a:endParaRPr/>
+          </a:p>
+          <a:p>
+            <a:pPr lvl="1">
+              <a:lnSpc>
+                <a:spcPct val="100000"/>
+              </a:lnSpc>
+              <a:buFont typeface="Wingdings" charset="2"/>
+              <a:buChar char=""/>
+            </a:pPr>
+            <a:r>
+              <a:rPr lang="de-DE" sz="1400">
+                <a:latin typeface="Arial"/>
+                <a:ea typeface="Arial"/>
+              </a:rPr>
+              <a:t>Map-Matching</a:t>
+            </a:r>
+            <a:endParaRPr/>
+          </a:p>
+          <a:p>
+            <a:pPr lvl="1">
+              <a:lnSpc>
+                <a:spcPct val="100000"/>
+              </a:lnSpc>
+              <a:buFont typeface="Wingdings" charset="2"/>
+              <a:buChar char=""/>
+            </a:pPr>
+            <a:r>
+              <a:rPr lang="de-DE" sz="1400">
+                <a:latin typeface="Arial"/>
+                <a:ea typeface="Arial"/>
+              </a:rPr>
+              <a:t>Kinect</a:t>
+            </a:r>
+            <a:endParaRPr/>
+          </a:p>
+          <a:p>
+            <a:pPr lvl="2">
+              <a:lnSpc>
+                <a:spcPct val="100000"/>
+              </a:lnSpc>
+              <a:buFont typeface="Wingdings" charset="2"/>
+              <a:buChar char=""/>
+            </a:pPr>
+            <a:r>
+              <a:rPr lang="de-DE" sz="1400">
+                <a:latin typeface="Arial"/>
+                <a:ea typeface="Arial"/>
+              </a:rPr>
+              <a:t>Zum Erkennen von anderen Hindernissen (Z-Achse) und “Löchern”</a:t>
+            </a:r>
+            <a:endParaRPr/>
+          </a:p>
+          <a:p>
+            <a:pPr lvl="1">
+              <a:lnSpc>
+                <a:spcPct val="100000"/>
+              </a:lnSpc>
+              <a:buFont typeface="Wingdings" charset="2"/>
+              <a:buChar char=""/>
+            </a:pPr>
+            <a:r>
+              <a:rPr lang="de-DE" sz="1400">
+                <a:latin typeface="Arial"/>
+                <a:ea typeface="Arial"/>
+              </a:rPr>
+              <a:t>Kompass</a:t>
+            </a:r>
+            <a:endParaRPr/>
+          </a:p>
+        </p:txBody>
+      </p:sp>
+      <p:sp>
+        <p:nvSpPr>
+          <p:cNvPr id="125" name="CustomShape 3"/>
+          <p:cNvSpPr/>
           <p:nvPr/>
         </p:nvSpPr>
         <p:spPr>
           <a:xfrm>
             <a:off x="11779200" y="6352560"/>
-            <a:ext cx="412560" cy="214200"/>
-          </a:xfrm>
-          <a:prstGeom prst="rect">
-            <a:avLst/>
-          </a:prstGeom>
-        </p:spPr>
-        <p:txBody>
-          <a:bodyPr lIns="0" rIns="0" tIns="0" bIns="0" anchor="ctr"/>
-          <a:p>
-            <a:endParaRPr/>
-          </a:p>
-        </p:txBody>
+            <a:ext cx="412200" cy="213840"/>
+          </a:xfrm>
+          <a:prstGeom prst="rect">
+            <a:avLst/>
+          </a:prstGeom>
+          <a:noFill/>
+          <a:ln>
+            <a:noFill/>
+          </a:ln>
+        </p:spPr>
       </p:sp>
     </p:spTree>
   </p:cSld>
@@ -8246,246 +6075,6 @@
           <p:childTnLst>
             <p:seq>
               <p:cTn id="16" nodeType="mainSeq"/>
-              <p:prevCondLst>
-                <p:cond delay="0" evt="onPrev">
-                  <p:tgtEl>
-                    <p:sldTgt/>
-                  </p:tgtEl>
-                </p:cond>
-              </p:prevCondLst>
-              <p:nextCondLst>
-                <p:cond delay="0" evt="onNext">
-                  <p:tgtEl>
-                    <p:sldTgt/>
-                  </p:tgtEl>
-                </p:cond>
-              </p:nextCondLst>
-            </p:seq>
-          </p:childTnLst>
-        </p:cTn>
-      </p:par>
-    </p:tnLst>
-  </p:timing>
-</p:sld>
-</file>
-
-<file path=ppt/slides/slide9.xml><?xml version="1.0" encoding="utf-8"?>
-<p:sld xmlns:a="http://schemas.openxmlformats.org/drawingml/2006/main" xmlns:p="http://schemas.openxmlformats.org/presentationml/2006/main" xmlns:r="http://schemas.openxmlformats.org/officeDocument/2006/relationships">
-  <p:cSld>
-    <p:spTree>
-      <p:nvGrpSpPr>
-        <p:cNvPr id="1" name=""/>
-        <p:cNvGrpSpPr/>
-        <p:nvPr/>
-      </p:nvGrpSpPr>
-      <p:grpSpPr>
-        <a:xfrm>
-          <a:off x="0" y="0"/>
-          <a:ext cx="0" cy="0"/>
-          <a:chOff x="0" y="0"/>
-          <a:chExt cx="0" cy="0"/>
-        </a:xfrm>
-      </p:grpSpPr>
-      <p:sp>
-        <p:nvSpPr>
-          <p:cNvPr id="125" name="TextShape 1"/>
-          <p:cNvSpPr txBox="1"/>
-          <p:nvPr/>
-        </p:nvSpPr>
-        <p:spPr>
-          <a:xfrm>
-            <a:off x="0" y="0"/>
-            <a:ext cx="10028520" cy="759240"/>
-          </a:xfrm>
-          <a:prstGeom prst="rect">
-            <a:avLst/>
-          </a:prstGeom>
-        </p:spPr>
-        <p:txBody>
-          <a:bodyPr lIns="0" rIns="0" tIns="0" bIns="0" anchor="b"/>
-          <a:p>
-            <a:pPr>
-              <a:lnSpc>
-                <a:spcPct val="100000"/>
-              </a:lnSpc>
-            </a:pPr>
-            <a:r>
-              <a:rPr b="1" lang="de-DE" sz="1600">
-                <a:latin typeface="Arial"/>
-                <a:ea typeface="Arial"/>
-              </a:rPr>
-              <a:t>Kidnap Recovery</a:t>
-            </a:r>
-            <a:endParaRPr/>
-          </a:p>
-        </p:txBody>
-      </p:sp>
-      <p:sp>
-        <p:nvSpPr>
-          <p:cNvPr id="126" name="TextShape 2"/>
-          <p:cNvSpPr txBox="1"/>
-          <p:nvPr/>
-        </p:nvSpPr>
-        <p:spPr>
-          <a:xfrm>
-            <a:off x="360000" y="1080000"/>
-            <a:ext cx="11418840" cy="5084640"/>
-          </a:xfrm>
-          <a:prstGeom prst="rect">
-            <a:avLst/>
-          </a:prstGeom>
-        </p:spPr>
-        <p:txBody>
-          <a:bodyPr lIns="45720" rIns="45720" tIns="45000" bIns="45000"/>
-          <a:p>
-            <a:pPr>
-              <a:lnSpc>
-                <a:spcPct val="100000"/>
-              </a:lnSpc>
-              <a:buFont typeface="Wingdings" charset="2"/>
-              <a:buChar char=""/>
-            </a:pPr>
-            <a:r>
-              <a:rPr lang="de-DE" sz="1400">
-                <a:latin typeface="Arial"/>
-                <a:ea typeface="Arial"/>
-              </a:rPr>
-              <a:t>Maze-Solving-Algorithmus:</a:t>
-            </a:r>
-            <a:endParaRPr/>
-          </a:p>
-          <a:p>
-            <a:pPr lvl="1">
-              <a:lnSpc>
-                <a:spcPct val="100000"/>
-              </a:lnSpc>
-              <a:buFont typeface="Wingdings" charset="2"/>
-              <a:buChar char=""/>
-            </a:pPr>
-            <a:r>
-              <a:rPr lang="de-DE" sz="1400">
-                <a:latin typeface="Arial"/>
-                <a:ea typeface="Arial"/>
-              </a:rPr>
-              <a:t>stopUntilStopped()</a:t>
-            </a:r>
-            <a:endParaRPr/>
-          </a:p>
-          <a:p>
-            <a:pPr lvl="1">
-              <a:lnSpc>
-                <a:spcPct val="100000"/>
-              </a:lnSpc>
-              <a:buFont typeface="Wingdings" charset="2"/>
-              <a:buChar char=""/>
-            </a:pPr>
-            <a:r>
-              <a:rPr lang="de-DE" sz="1400">
-                <a:latin typeface="Arial"/>
-                <a:ea typeface="Arial"/>
-              </a:rPr>
-              <a:t>lookAround()</a:t>
-            </a:r>
-            <a:endParaRPr/>
-          </a:p>
-          <a:p>
-            <a:pPr lvl="1">
-              <a:lnSpc>
-                <a:spcPct val="100000"/>
-              </a:lnSpc>
-              <a:buFont typeface="Wingdings" charset="2"/>
-              <a:buChar char=""/>
-            </a:pPr>
-            <a:r>
-              <a:rPr lang="de-DE" sz="1400">
-                <a:latin typeface="Arial"/>
-                <a:ea typeface="Arial"/>
-              </a:rPr>
-              <a:t>moveTowards(</a:t>
-            </a:r>
-            <a:r>
-              <a:rPr b="1" lang="de-DE" sz="1400">
-                <a:latin typeface="Arial"/>
-                <a:ea typeface="Arial"/>
-              </a:rPr>
-              <a:t>findBestAngle()</a:t>
-            </a:r>
-            <a:r>
-              <a:rPr lang="de-DE" sz="1400">
-                <a:latin typeface="Arial"/>
-                <a:ea typeface="Arial"/>
-              </a:rPr>
-              <a:t>)</a:t>
-            </a:r>
-            <a:endParaRPr/>
-          </a:p>
-          <a:p>
-            <a:pPr lvl="1">
-              <a:lnSpc>
-                <a:spcPct val="100000"/>
-              </a:lnSpc>
-              <a:buFont typeface="Wingdings" charset="2"/>
-              <a:buChar char=""/>
-            </a:pPr>
-            <a:r>
-              <a:rPr lang="de-DE" sz="1400">
-                <a:latin typeface="Arial"/>
-                <a:ea typeface="Arial"/>
-              </a:rPr>
-              <a:t>rotateFrontParallel() </a:t>
-            </a:r>
-            <a:endParaRPr/>
-          </a:p>
-          <a:p>
-            <a:pPr lvl="1">
-              <a:lnSpc>
-                <a:spcPct val="100000"/>
-              </a:lnSpc>
-              <a:buFont typeface="Wingdings" charset="2"/>
-              <a:buChar char=""/>
-            </a:pPr>
-            <a:r>
-              <a:rPr lang="de-DE" sz="1400">
-                <a:latin typeface="Arial"/>
-                <a:ea typeface="Arial"/>
-              </a:rPr>
-              <a:t>moveForward()</a:t>
-            </a:r>
-            <a:endParaRPr/>
-          </a:p>
-        </p:txBody>
-      </p:sp>
-      <p:sp>
-        <p:nvSpPr>
-          <p:cNvPr id="127" name="TextShape 3"/>
-          <p:cNvSpPr txBox="1"/>
-          <p:nvPr/>
-        </p:nvSpPr>
-        <p:spPr>
-          <a:xfrm>
-            <a:off x="11779200" y="6352560"/>
-            <a:ext cx="412560" cy="214200"/>
-          </a:xfrm>
-          <a:prstGeom prst="rect">
-            <a:avLst/>
-          </a:prstGeom>
-        </p:spPr>
-        <p:txBody>
-          <a:bodyPr lIns="0" rIns="0" tIns="0" bIns="0" anchor="ctr"/>
-          <a:p>
-            <a:endParaRPr/>
-          </a:p>
-        </p:txBody>
-      </p:sp>
-    </p:spTree>
-  </p:cSld>
-  <p:timing>
-    <p:tnLst>
-      <p:par>
-        <p:cTn id="17" dur="indefinite" restart="never" nodeType="tmRoot">
-          <p:childTnLst>
-            <p:seq>
-              <p:cTn id="18" nodeType="mainSeq"/>
               <p:prevCondLst>
                 <p:cond delay="0" evt="onPrev">
                   <p:tgtEl>
